--- a/documents/Presentation 3.pptx
+++ b/documents/Presentation 3.pptx
@@ -1,22 +1,21 @@
 
 <file path=ppt/presentation.xml><?xml version="1.0" encoding="utf-8"?>
-<p:presentation xmlns:a="http://schemas.openxmlformats.org/drawingml/2006/main" xmlns:r="http://schemas.openxmlformats.org/officeDocument/2006/relationships" xmlns:p="http://schemas.openxmlformats.org/presentationml/2006/main" saveSubsetFonts="1">
+<p:presentation xmlns:a="http://schemas.openxmlformats.org/drawingml/2006/main" xmlns:r="http://schemas.openxmlformats.org/officeDocument/2006/relationships" xmlns:mc="http://schemas.openxmlformats.org/markup-compatibility/2006" xmlns:mv="urn:schemas-microsoft-com:mac:vml" xmlns:p="http://schemas.openxmlformats.org/presentationml/2006/main" mc:Ignorable="mv" mc:PreserveAttributes="mv:*" saveSubsetFonts="1">
   <p:sldMasterIdLst>
     <p:sldMasterId id="2147483696" r:id="rId1"/>
   </p:sldMasterIdLst>
   <p:notesMasterIdLst>
-    <p:notesMasterId r:id="rId11"/>
+    <p:notesMasterId r:id="rId10"/>
   </p:notesMasterIdLst>
   <p:sldIdLst>
-    <p:sldId id="258" r:id="rId2"/>
-    <p:sldId id="256" r:id="rId3"/>
-    <p:sldId id="304" r:id="rId4"/>
-    <p:sldId id="305" r:id="rId5"/>
-    <p:sldId id="281" r:id="rId6"/>
-    <p:sldId id="302" r:id="rId7"/>
-    <p:sldId id="303" r:id="rId8"/>
-    <p:sldId id="266" r:id="rId9"/>
-    <p:sldId id="306" r:id="rId10"/>
+    <p:sldId id="256" r:id="rId2"/>
+    <p:sldId id="304" r:id="rId3"/>
+    <p:sldId id="305" r:id="rId4"/>
+    <p:sldId id="281" r:id="rId5"/>
+    <p:sldId id="302" r:id="rId6"/>
+    <p:sldId id="303" r:id="rId7"/>
+    <p:sldId id="266" r:id="rId8"/>
+    <p:sldId id="306" r:id="rId9"/>
   </p:sldIdLst>
   <p:sldSz cx="9144000" cy="6858000" type="screen4x3"/>
   <p:notesSz cx="6858000" cy="9144000"/>
@@ -117,7 +116,7 @@
   </p:defaultTextStyle>
   <p:extLst>
     <p:ext uri="{521415D9-36F7-43E2-AB2F-B90AF26B5E84}">
-      <p14:sectionLst xmlns:p14="http://schemas.microsoft.com/office/powerpoint/2010/main">
+      <p14:sectionLst xmlns:p14="http://schemas.microsoft.com/office/powerpoint/2010/main" xmlns:p="http://schemas.openxmlformats.org/presentationml/2006/main" xmlns:r="http://schemas.openxmlformats.org/officeDocument/2006/relationships" xmlns:a="http://schemas.openxmlformats.org/drawingml/2006/main" xmlns="">
         <p14:section name="Introduction" id="{35E0183A-0792-4662-BF25-BBFFD4AD5638}">
           <p14:sldIdLst>
             <p14:sldId id="258"/>
@@ -146,7 +145,7 @@
 </file>
 
 <file path=ppt/notesMasters/notesMaster1.xml><?xml version="1.0" encoding="utf-8"?>
-<p:notesMaster xmlns:a="http://schemas.openxmlformats.org/drawingml/2006/main" xmlns:r="http://schemas.openxmlformats.org/officeDocument/2006/relationships" xmlns:p="http://schemas.openxmlformats.org/presentationml/2006/main">
+<p:notesMaster xmlns:a="http://schemas.openxmlformats.org/drawingml/2006/main" xmlns:r="http://schemas.openxmlformats.org/officeDocument/2006/relationships" xmlns:mc="http://schemas.openxmlformats.org/markup-compatibility/2006" xmlns:mv="urn:schemas-microsoft-com:mac:vml" xmlns:p="http://schemas.openxmlformats.org/presentationml/2006/main" mc:Ignorable="mv" mc:PreserveAttributes="mv:*">
   <p:cSld>
     <p:bg>
       <p:bgRef idx="1001">
@@ -228,7 +227,7 @@
             <a:fld id="{2CEB4496-0C0B-4D02-B180-604D34149E7D}" type="datetimeFigureOut">
               <a:rPr lang="en-US" smtClean="0"/>
               <a:pPr/>
-              <a:t>3/20/2013</a:t>
+              <a:t>3/20/13</a:t>
             </a:fld>
             <a:endParaRPr lang="en-US"/>
           </a:p>
@@ -397,7 +396,7 @@
     </p:spTree>
     <p:extLst>
       <p:ext uri="{BB962C8B-B14F-4D97-AF65-F5344CB8AC3E}">
-        <p14:creationId xmlns:p14="http://schemas.microsoft.com/office/powerpoint/2010/main" val="1754599466"/>
+        <p14:creationId xmlns:p14="http://schemas.microsoft.com/office/powerpoint/2010/main" xmlns:p="http://schemas.openxmlformats.org/presentationml/2006/main" xmlns:r="http://schemas.openxmlformats.org/officeDocument/2006/relationships" xmlns:a="http://schemas.openxmlformats.org/drawingml/2006/main" xmlns="" val="1754599466"/>
       </p:ext>
     </p:extLst>
   </p:cSld>
@@ -498,7 +497,7 @@
 </file>
 
 <file path=ppt/notesSlides/notesSlide1.xml><?xml version="1.0" encoding="utf-8"?>
-<p:notes xmlns:a="http://schemas.openxmlformats.org/drawingml/2006/main" xmlns:r="http://schemas.openxmlformats.org/officeDocument/2006/relationships" xmlns:p="http://schemas.openxmlformats.org/presentationml/2006/main">
+<p:notes xmlns:a="http://schemas.openxmlformats.org/drawingml/2006/main" xmlns:r="http://schemas.openxmlformats.org/officeDocument/2006/relationships" xmlns:mc="http://schemas.openxmlformats.org/markup-compatibility/2006" xmlns:mv="urn:schemas-microsoft-com:mac:vml" xmlns:p="http://schemas.openxmlformats.org/presentationml/2006/main" mc:Ignorable="mv" mc:PreserveAttributes="mv:*">
   <p:cSld>
     <p:spTree>
       <p:nvGrpSpPr>
@@ -568,7 +567,7 @@
             <a:fld id="{5DC301D2-5269-4862-B25E-BB027DA95AEE}" type="slidenum">
               <a:rPr lang="en-US" smtClean="0"/>
               <a:pPr/>
-              <a:t>8</a:t>
+              <a:t>7</a:t>
             </a:fld>
             <a:endParaRPr lang="en-US"/>
           </a:p>
@@ -577,7 +576,7 @@
     </p:spTree>
     <p:extLst>
       <p:ext uri="{BB962C8B-B14F-4D97-AF65-F5344CB8AC3E}">
-        <p14:creationId xmlns:p14="http://schemas.microsoft.com/office/powerpoint/2010/main" val="2380251963"/>
+        <p14:creationId xmlns:p14="http://schemas.microsoft.com/office/powerpoint/2010/main" xmlns:p="http://schemas.openxmlformats.org/presentationml/2006/main" xmlns:r="http://schemas.openxmlformats.org/officeDocument/2006/relationships" xmlns:a="http://schemas.openxmlformats.org/drawingml/2006/main" xmlns="" val="2380251963"/>
       </p:ext>
     </p:extLst>
   </p:cSld>
@@ -588,7 +587,7 @@
 </file>
 
 <file path=ppt/notesSlides/notesSlide2.xml><?xml version="1.0" encoding="utf-8"?>
-<p:notes xmlns:a="http://schemas.openxmlformats.org/drawingml/2006/main" xmlns:r="http://schemas.openxmlformats.org/officeDocument/2006/relationships" xmlns:p="http://schemas.openxmlformats.org/presentationml/2006/main">
+<p:notes xmlns:a="http://schemas.openxmlformats.org/drawingml/2006/main" xmlns:r="http://schemas.openxmlformats.org/officeDocument/2006/relationships" xmlns:mc="http://schemas.openxmlformats.org/markup-compatibility/2006" xmlns:mv="urn:schemas-microsoft-com:mac:vml" xmlns:p="http://schemas.openxmlformats.org/presentationml/2006/main" mc:Ignorable="mv" mc:PreserveAttributes="mv:*">
   <p:cSld>
     <p:spTree>
       <p:nvGrpSpPr>
@@ -658,7 +657,7 @@
             <a:fld id="{5DC301D2-5269-4862-B25E-BB027DA95AEE}" type="slidenum">
               <a:rPr lang="en-US" smtClean="0"/>
               <a:pPr/>
-              <a:t>9</a:t>
+              <a:t>8</a:t>
             </a:fld>
             <a:endParaRPr lang="en-US"/>
           </a:p>
@@ -667,7 +666,7 @@
     </p:spTree>
     <p:extLst>
       <p:ext uri="{BB962C8B-B14F-4D97-AF65-F5344CB8AC3E}">
-        <p14:creationId xmlns:p14="http://schemas.microsoft.com/office/powerpoint/2010/main" val="2380251963"/>
+        <p14:creationId xmlns:p14="http://schemas.microsoft.com/office/powerpoint/2010/main" xmlns:p="http://schemas.openxmlformats.org/presentationml/2006/main" xmlns:r="http://schemas.openxmlformats.org/officeDocument/2006/relationships" xmlns:a="http://schemas.openxmlformats.org/drawingml/2006/main" xmlns="" val="2380251963"/>
       </p:ext>
     </p:extLst>
   </p:cSld>
@@ -678,7 +677,7 @@
 </file>
 
 <file path=ppt/slideLayouts/slideLayout1.xml><?xml version="1.0" encoding="utf-8"?>
-<p:sldLayout xmlns:a="http://schemas.openxmlformats.org/drawingml/2006/main" xmlns:r="http://schemas.openxmlformats.org/officeDocument/2006/relationships" xmlns:p="http://schemas.openxmlformats.org/presentationml/2006/main" type="title" preserve="1">
+<p:sldLayout xmlns:a="http://schemas.openxmlformats.org/drawingml/2006/main" xmlns:r="http://schemas.openxmlformats.org/officeDocument/2006/relationships" xmlns:mc="http://schemas.openxmlformats.org/markup-compatibility/2006" xmlns:mv="urn:schemas-microsoft-com:mac:vml" xmlns:p="http://schemas.openxmlformats.org/presentationml/2006/main" mc:Ignorable="mv" mc:PreserveAttributes="mv:*" type="title" preserve="1">
   <p:cSld name="Title Slide">
     <p:spTree>
       <p:nvGrpSpPr>
@@ -914,7 +913,7 @@
             <a:fld id="{3238A554-0062-4B18-8749-3E8553542432}" type="datetimeFigureOut">
               <a:rPr lang="en-US" smtClean="0"/>
               <a:pPr/>
-              <a:t>3/20/2013</a:t>
+              <a:t>3/20/13</a:t>
             </a:fld>
             <a:endParaRPr lang="en-US"/>
           </a:p>
@@ -1037,7 +1036,7 @@
 </file>
 
 <file path=ppt/slideLayouts/slideLayout10.xml><?xml version="1.0" encoding="utf-8"?>
-<p:sldLayout xmlns:a="http://schemas.openxmlformats.org/drawingml/2006/main" xmlns:r="http://schemas.openxmlformats.org/officeDocument/2006/relationships" xmlns:p="http://schemas.openxmlformats.org/presentationml/2006/main" type="vertTx" preserve="1">
+<p:sldLayout xmlns:a="http://schemas.openxmlformats.org/drawingml/2006/main" xmlns:r="http://schemas.openxmlformats.org/officeDocument/2006/relationships" xmlns:mc="http://schemas.openxmlformats.org/markup-compatibility/2006" xmlns:mv="urn:schemas-microsoft-com:mac:vml" xmlns:p="http://schemas.openxmlformats.org/presentationml/2006/main" mc:Ignorable="mv" mc:PreserveAttributes="mv:*" type="vertTx" preserve="1">
   <p:cSld name="Title and Vertical Text">
     <p:spTree>
       <p:nvGrpSpPr>
@@ -1194,7 +1193,7 @@
             <a:fld id="{3238A554-0062-4B18-8749-3E8553542432}" type="datetimeFigureOut">
               <a:rPr lang="en-US" smtClean="0"/>
               <a:pPr/>
-              <a:t>3/20/2013</a:t>
+              <a:t>3/20/13</a:t>
             </a:fld>
             <a:endParaRPr lang="en-US"/>
           </a:p>
@@ -1252,7 +1251,7 @@
 </file>
 
 <file path=ppt/slideLayouts/slideLayout11.xml><?xml version="1.0" encoding="utf-8"?>
-<p:sldLayout xmlns:a="http://schemas.openxmlformats.org/drawingml/2006/main" xmlns:r="http://schemas.openxmlformats.org/officeDocument/2006/relationships" xmlns:p="http://schemas.openxmlformats.org/presentationml/2006/main" type="vertTitleAndTx" preserve="1">
+<p:sldLayout xmlns:a="http://schemas.openxmlformats.org/drawingml/2006/main" xmlns:r="http://schemas.openxmlformats.org/officeDocument/2006/relationships" xmlns:mc="http://schemas.openxmlformats.org/markup-compatibility/2006" xmlns:mv="urn:schemas-microsoft-com:mac:vml" xmlns:p="http://schemas.openxmlformats.org/presentationml/2006/main" mc:Ignorable="mv" mc:PreserveAttributes="mv:*" type="vertTitleAndTx" preserve="1">
   <p:cSld name="Vertical Title and Text">
     <p:spTree>
       <p:nvGrpSpPr>
@@ -1419,7 +1418,7 @@
             <a:fld id="{3238A554-0062-4B18-8749-3E8553542432}" type="datetimeFigureOut">
               <a:rPr lang="en-US" smtClean="0"/>
               <a:pPr/>
-              <a:t>3/20/2013</a:t>
+              <a:t>3/20/13</a:t>
             </a:fld>
             <a:endParaRPr lang="en-US"/>
           </a:p>
@@ -1477,7 +1476,7 @@
 </file>
 
 <file path=ppt/slideLayouts/slideLayout2.xml><?xml version="1.0" encoding="utf-8"?>
-<p:sldLayout xmlns:a="http://schemas.openxmlformats.org/drawingml/2006/main" xmlns:r="http://schemas.openxmlformats.org/officeDocument/2006/relationships" xmlns:p="http://schemas.openxmlformats.org/presentationml/2006/main" type="obj" preserve="1">
+<p:sldLayout xmlns:a="http://schemas.openxmlformats.org/drawingml/2006/main" xmlns:r="http://schemas.openxmlformats.org/officeDocument/2006/relationships" xmlns:mc="http://schemas.openxmlformats.org/markup-compatibility/2006" xmlns:mv="urn:schemas-microsoft-com:mac:vml" xmlns:p="http://schemas.openxmlformats.org/presentationml/2006/main" mc:Ignorable="mv" mc:PreserveAttributes="mv:*" type="obj" preserve="1">
   <p:cSld name="Title and Content">
     <p:spTree>
       <p:nvGrpSpPr>
@@ -1616,7 +1615,7 @@
             <a:fld id="{3238A554-0062-4B18-8749-3E8553542432}" type="datetimeFigureOut">
               <a:rPr lang="en-US" smtClean="0"/>
               <a:pPr/>
-              <a:t>3/20/2013</a:t>
+              <a:t>3/20/13</a:t>
             </a:fld>
             <a:endParaRPr lang="en-US"/>
           </a:p>
@@ -1697,7 +1696,7 @@
 </file>
 
 <file path=ppt/slideLayouts/slideLayout3.xml><?xml version="1.0" encoding="utf-8"?>
-<p:sldLayout xmlns:a="http://schemas.openxmlformats.org/drawingml/2006/main" xmlns:r="http://schemas.openxmlformats.org/officeDocument/2006/relationships" xmlns:p="http://schemas.openxmlformats.org/presentationml/2006/main" type="secHead" preserve="1">
+<p:sldLayout xmlns:a="http://schemas.openxmlformats.org/drawingml/2006/main" xmlns:r="http://schemas.openxmlformats.org/officeDocument/2006/relationships" xmlns:mc="http://schemas.openxmlformats.org/markup-compatibility/2006" xmlns:mv="urn:schemas-microsoft-com:mac:vml" xmlns:p="http://schemas.openxmlformats.org/presentationml/2006/main" mc:Ignorable="mv" mc:PreserveAttributes="mv:*" type="secHead" preserve="1">
   <p:cSld name="Section Header">
     <p:spTree>
       <p:nvGrpSpPr>
@@ -1898,7 +1897,7 @@
             <a:fld id="{3238A554-0062-4B18-8749-3E8553542432}" type="datetimeFigureOut">
               <a:rPr lang="en-US" smtClean="0"/>
               <a:pPr/>
-              <a:t>3/20/2013</a:t>
+              <a:t>3/20/13</a:t>
             </a:fld>
             <a:endParaRPr lang="en-US"/>
           </a:p>
@@ -2118,7 +2117,7 @@
 </file>
 
 <file path=ppt/slideLayouts/slideLayout4.xml><?xml version="1.0" encoding="utf-8"?>
-<p:sldLayout xmlns:a="http://schemas.openxmlformats.org/drawingml/2006/main" xmlns:r="http://schemas.openxmlformats.org/officeDocument/2006/relationships" xmlns:p="http://schemas.openxmlformats.org/presentationml/2006/main" type="twoObj" preserve="1">
+<p:sldLayout xmlns:a="http://schemas.openxmlformats.org/drawingml/2006/main" xmlns:r="http://schemas.openxmlformats.org/officeDocument/2006/relationships" xmlns:mc="http://schemas.openxmlformats.org/markup-compatibility/2006" xmlns:mv="urn:schemas-microsoft-com:mac:vml" xmlns:p="http://schemas.openxmlformats.org/presentationml/2006/main" mc:Ignorable="mv" mc:PreserveAttributes="mv:*" type="twoObj" preserve="1">
   <p:cSld name="Two Content">
     <p:spTree>
       <p:nvGrpSpPr>
@@ -2373,7 +2372,7 @@
             <a:fld id="{3238A554-0062-4B18-8749-3E8553542432}" type="datetimeFigureOut">
               <a:rPr lang="en-US" smtClean="0"/>
               <a:pPr/>
-              <a:t>3/20/2013</a:t>
+              <a:t>3/20/13</a:t>
             </a:fld>
             <a:endParaRPr lang="en-US"/>
           </a:p>
@@ -2431,7 +2430,7 @@
 </file>
 
 <file path=ppt/slideLayouts/slideLayout5.xml><?xml version="1.0" encoding="utf-8"?>
-<p:sldLayout xmlns:a="http://schemas.openxmlformats.org/drawingml/2006/main" xmlns:r="http://schemas.openxmlformats.org/officeDocument/2006/relationships" xmlns:p="http://schemas.openxmlformats.org/presentationml/2006/main" type="twoTxTwoObj" preserve="1">
+<p:sldLayout xmlns:a="http://schemas.openxmlformats.org/drawingml/2006/main" xmlns:r="http://schemas.openxmlformats.org/officeDocument/2006/relationships" xmlns:mc="http://schemas.openxmlformats.org/markup-compatibility/2006" xmlns:mv="urn:schemas-microsoft-com:mac:vml" xmlns:p="http://schemas.openxmlformats.org/presentationml/2006/main" mc:Ignorable="mv" mc:PreserveAttributes="mv:*" type="twoTxTwoObj" preserve="1">
   <p:cSld name="Comparison">
     <p:spTree>
       <p:nvGrpSpPr>
@@ -2830,7 +2829,7 @@
             <a:fld id="{3238A554-0062-4B18-8749-3E8553542432}" type="datetimeFigureOut">
               <a:rPr lang="en-US" smtClean="0"/>
               <a:pPr/>
-              <a:t>3/20/2013</a:t>
+              <a:t>3/20/13</a:t>
             </a:fld>
             <a:endParaRPr lang="en-US"/>
           </a:p>
@@ -2888,7 +2887,7 @@
 </file>
 
 <file path=ppt/slideLayouts/slideLayout6.xml><?xml version="1.0" encoding="utf-8"?>
-<p:sldLayout xmlns:a="http://schemas.openxmlformats.org/drawingml/2006/main" xmlns:r="http://schemas.openxmlformats.org/officeDocument/2006/relationships" xmlns:p="http://schemas.openxmlformats.org/presentationml/2006/main" type="titleOnly" preserve="1">
+<p:sldLayout xmlns:a="http://schemas.openxmlformats.org/drawingml/2006/main" xmlns:r="http://schemas.openxmlformats.org/officeDocument/2006/relationships" xmlns:mc="http://schemas.openxmlformats.org/markup-compatibility/2006" xmlns:mv="urn:schemas-microsoft-com:mac:vml" xmlns:p="http://schemas.openxmlformats.org/presentationml/2006/main" mc:Ignorable="mv" mc:PreserveAttributes="mv:*" type="titleOnly" preserve="1">
   <p:cSld name="Title Only">
     <p:spTree>
       <p:nvGrpSpPr>
@@ -2970,7 +2969,7 @@
             <a:fld id="{3238A554-0062-4B18-8749-3E8553542432}" type="datetimeFigureOut">
               <a:rPr lang="en-US" smtClean="0"/>
               <a:pPr/>
-              <a:t>3/20/2013</a:t>
+              <a:t>3/20/13</a:t>
             </a:fld>
             <a:endParaRPr lang="en-US"/>
           </a:p>
@@ -3051,7 +3050,7 @@
 </file>
 
 <file path=ppt/slideLayouts/slideLayout7.xml><?xml version="1.0" encoding="utf-8"?>
-<p:sldLayout xmlns:a="http://schemas.openxmlformats.org/drawingml/2006/main" xmlns:r="http://schemas.openxmlformats.org/officeDocument/2006/relationships" xmlns:p="http://schemas.openxmlformats.org/presentationml/2006/main" type="blank" preserve="1">
+<p:sldLayout xmlns:a="http://schemas.openxmlformats.org/drawingml/2006/main" xmlns:r="http://schemas.openxmlformats.org/officeDocument/2006/relationships" xmlns:mc="http://schemas.openxmlformats.org/markup-compatibility/2006" xmlns:mv="urn:schemas-microsoft-com:mac:vml" xmlns:p="http://schemas.openxmlformats.org/presentationml/2006/main" mc:Ignorable="mv" mc:PreserveAttributes="mv:*" type="blank" preserve="1">
   <p:cSld name="Blank">
     <p:spTree>
       <p:nvGrpSpPr>
@@ -3133,7 +3132,7 @@
             <a:fld id="{3238A554-0062-4B18-8749-3E8553542432}" type="datetimeFigureOut">
               <a:rPr lang="en-US" smtClean="0"/>
               <a:pPr/>
-              <a:t>3/20/2013</a:t>
+              <a:t>3/20/13</a:t>
             </a:fld>
             <a:endParaRPr lang="en-US"/>
           </a:p>
@@ -3191,7 +3190,7 @@
 </file>
 
 <file path=ppt/slideLayouts/slideLayout8.xml><?xml version="1.0" encoding="utf-8"?>
-<p:sldLayout xmlns:a="http://schemas.openxmlformats.org/drawingml/2006/main" xmlns:r="http://schemas.openxmlformats.org/officeDocument/2006/relationships" xmlns:p="http://schemas.openxmlformats.org/presentationml/2006/main" type="objTx" preserve="1">
+<p:sldLayout xmlns:a="http://schemas.openxmlformats.org/drawingml/2006/main" xmlns:r="http://schemas.openxmlformats.org/officeDocument/2006/relationships" xmlns:mc="http://schemas.openxmlformats.org/markup-compatibility/2006" xmlns:mv="urn:schemas-microsoft-com:mac:vml" xmlns:p="http://schemas.openxmlformats.org/presentationml/2006/main" mc:Ignorable="mv" mc:PreserveAttributes="mv:*" type="objTx" preserve="1">
   <p:cSld name="Content with Caption">
     <p:spTree>
       <p:nvGrpSpPr>
@@ -3529,7 +3528,7 @@
             <a:fld id="{3238A554-0062-4B18-8749-3E8553542432}" type="datetimeFigureOut">
               <a:rPr lang="en-US" smtClean="0"/>
               <a:pPr/>
-              <a:t>3/20/2013</a:t>
+              <a:t>3/20/13</a:t>
             </a:fld>
             <a:endParaRPr lang="en-US"/>
           </a:p>
@@ -3587,7 +3586,7 @@
 </file>
 
 <file path=ppt/slideLayouts/slideLayout9.xml><?xml version="1.0" encoding="utf-8"?>
-<p:sldLayout xmlns:a="http://schemas.openxmlformats.org/drawingml/2006/main" xmlns:r="http://schemas.openxmlformats.org/officeDocument/2006/relationships" xmlns:p="http://schemas.openxmlformats.org/presentationml/2006/main" type="picTx" preserve="1">
+<p:sldLayout xmlns:a="http://schemas.openxmlformats.org/drawingml/2006/main" xmlns:r="http://schemas.openxmlformats.org/officeDocument/2006/relationships" xmlns:mc="http://schemas.openxmlformats.org/markup-compatibility/2006" xmlns:mv="urn:schemas-microsoft-com:mac:vml" xmlns:p="http://schemas.openxmlformats.org/presentationml/2006/main" mc:Ignorable="mv" mc:PreserveAttributes="mv:*" type="picTx" preserve="1">
   <p:cSld name="Picture with Caption">
     <p:spTree>
       <p:nvGrpSpPr>
@@ -3931,7 +3930,7 @@
             <a:fld id="{3238A554-0062-4B18-8749-3E8553542432}" type="datetimeFigureOut">
               <a:rPr lang="en-US" smtClean="0"/>
               <a:pPr/>
-              <a:t>3/20/2013</a:t>
+              <a:t>3/20/13</a:t>
             </a:fld>
             <a:endParaRPr lang="en-US"/>
           </a:p>
@@ -3989,7 +3988,7 @@
 </file>
 
 <file path=ppt/slideMasters/slideMaster1.xml><?xml version="1.0" encoding="utf-8"?>
-<p:sldMaster xmlns:a="http://schemas.openxmlformats.org/drawingml/2006/main" xmlns:r="http://schemas.openxmlformats.org/officeDocument/2006/relationships" xmlns:p="http://schemas.openxmlformats.org/presentationml/2006/main">
+<p:sldMaster xmlns:a="http://schemas.openxmlformats.org/drawingml/2006/main" xmlns:r="http://schemas.openxmlformats.org/officeDocument/2006/relationships" xmlns:mc="http://schemas.openxmlformats.org/markup-compatibility/2006" xmlns:mv="urn:schemas-microsoft-com:mac:vml" xmlns:p="http://schemas.openxmlformats.org/presentationml/2006/main" mc:Ignorable="mv" mc:PreserveAttributes="mv:*">
   <p:cSld>
     <p:bg>
       <p:bgRef idx="1003">
@@ -4143,7 +4142,7 @@
             <a:fld id="{3238A554-0062-4B18-8749-3E8553542432}" type="datetimeFigureOut">
               <a:rPr lang="en-US" smtClean="0"/>
               <a:pPr/>
-              <a:t>3/20/2013</a:t>
+              <a:t>3/20/13</a:t>
             </a:fld>
             <a:endParaRPr lang="en-US"/>
           </a:p>
@@ -4532,7 +4531,7 @@
 </file>
 
 <file path=ppt/slides/slide1.xml><?xml version="1.0" encoding="utf-8"?>
-<p:sld xmlns:a="http://schemas.openxmlformats.org/drawingml/2006/main" xmlns:r="http://schemas.openxmlformats.org/officeDocument/2006/relationships" xmlns:p="http://schemas.openxmlformats.org/presentationml/2006/main">
+<p:sld xmlns:a="http://schemas.openxmlformats.org/drawingml/2006/main" xmlns:r="http://schemas.openxmlformats.org/officeDocument/2006/relationships" xmlns:mc="http://schemas.openxmlformats.org/markup-compatibility/2006" xmlns:mv="urn:schemas-microsoft-com:mac:vml" xmlns:p="http://schemas.openxmlformats.org/presentationml/2006/main" mc:Ignorable="mv" mc:PreserveAttributes="mv:*">
   <p:cSld>
     <p:spTree>
       <p:nvGrpSpPr>
@@ -4548,225 +4547,130 @@
           <a:chExt cx="0" cy="0"/>
         </a:xfrm>
       </p:grpSpPr>
+      <p:sp>
+        <p:nvSpPr>
+          <p:cNvPr id="3" name="Subtitle 2"/>
+          <p:cNvSpPr>
+            <a:spLocks noGrp="1"/>
+          </p:cNvSpPr>
+          <p:nvPr>
+            <p:ph type="subTitle" idx="1"/>
+          </p:nvPr>
+        </p:nvSpPr>
+        <p:spPr/>
+        <p:txBody>
+          <a:bodyPr/>
+          <a:lstStyle/>
+          <a:p>
+            <a:r>
+              <a:rPr lang="en-US" dirty="0" smtClean="0"/>
+              <a:t>By Interactive Lighting</a:t>
+            </a:r>
+          </a:p>
+        </p:txBody>
+      </p:sp>
+      <p:sp>
+        <p:nvSpPr>
+          <p:cNvPr id="2" name="Title 1"/>
+          <p:cNvSpPr>
+            <a:spLocks noGrp="1"/>
+          </p:cNvSpPr>
+          <p:nvPr>
+            <p:ph type="title"/>
+          </p:nvPr>
+        </p:nvSpPr>
+        <p:spPr/>
+        <p:txBody>
+          <a:bodyPr>
+            <a:normAutofit/>
+          </a:bodyPr>
+          <a:lstStyle/>
+          <a:p>
+            <a:r>
+              <a:rPr lang="en-US" dirty="0" smtClean="0"/>
+              <a:t>Christmas Lights Animation</a:t>
+            </a:r>
+            <a:endParaRPr lang="en-US" dirty="0"/>
+          </a:p>
+        </p:txBody>
+      </p:sp>
+      <p:sp>
+        <p:nvSpPr>
+          <p:cNvPr id="7" name="TextBox 6"/>
+          <p:cNvSpPr txBox="1"/>
+          <p:nvPr/>
+        </p:nvSpPr>
+        <p:spPr>
+          <a:xfrm>
+            <a:off x="76200" y="4876801"/>
+            <a:ext cx="5410200" cy="646331"/>
+          </a:xfrm>
+          <a:prstGeom prst="rect">
+            <a:avLst/>
+          </a:prstGeom>
+          <a:noFill/>
+        </p:spPr>
+        <p:txBody>
+          <a:bodyPr wrap="square" rtlCol="0">
+            <a:spAutoFit/>
+          </a:bodyPr>
+          <a:lstStyle/>
+          <a:p>
+            <a:r>
+              <a:rPr lang="en-US" dirty="0" smtClean="0"/>
+              <a:t>By:</a:t>
+            </a:r>
+          </a:p>
+          <a:p>
+            <a:r>
+              <a:rPr lang="en-US" dirty="0" smtClean="0"/>
+              <a:t>Austin Wentz and Jordan Doell</a:t>
+            </a:r>
+            <a:endParaRPr lang="en-US" dirty="0"/>
+          </a:p>
+        </p:txBody>
+      </p:sp>
       <p:pic>
         <p:nvPicPr>
-          <p:cNvPr id="4098" name="Picture 2" descr="http://hoguenews.com/wp-content/uploads/2009/12/Charlie-Brown-Christmas.jpg"/>
+          <p:cNvPr id="8" name="Picture 7" descr="Screen Shot 2013-03-20 at 4.56.06 PM.png"/>
           <p:cNvPicPr>
-            <a:picLocks noChangeAspect="1" noChangeArrowheads="1"/>
+            <a:picLocks noChangeAspect="1"/>
           </p:cNvPicPr>
           <p:nvPr/>
         </p:nvPicPr>
         <p:blipFill>
-          <a:blip r:embed="rId2">
-            <a:extLst>
-              <a:ext uri="{28A0092B-C50C-407E-A947-70E740481C1C}">
-                <a14:useLocalDpi xmlns:a14="http://schemas.microsoft.com/office/drawing/2010/main" val="0"/>
-              </a:ext>
-            </a:extLst>
-          </a:blip>
-          <a:srcRect/>
+          <a:blip r:embed="rId2"/>
           <a:stretch>
             <a:fillRect/>
           </a:stretch>
         </p:blipFill>
-        <p:spPr bwMode="auto">
-          <a:xfrm>
-            <a:off x="0" y="-12510"/>
-            <a:ext cx="9144000" cy="6915150"/>
+        <p:spPr>
+          <a:xfrm>
+            <a:off x="6248400" y="1253613"/>
+            <a:ext cx="2895600" cy="5604387"/>
           </a:xfrm>
           <a:prstGeom prst="rect">
             <a:avLst/>
           </a:prstGeom>
-          <a:noFill/>
-          <a:extLst>
-            <a:ext uri="{909E8E84-426E-40DD-AFC4-6F175D3DCCD1}">
-              <a14:hiddenFill xmlns:a14="http://schemas.microsoft.com/office/drawing/2010/main">
-                <a:solidFill>
-                  <a:srgbClr val="FFFFFF"/>
-                </a:solidFill>
-              </a14:hiddenFill>
-            </a:ext>
-          </a:extLst>
         </p:spPr>
       </p:pic>
     </p:spTree>
     <p:extLst>
       <p:ext uri="{BB962C8B-B14F-4D97-AF65-F5344CB8AC3E}">
-        <p14:creationId xmlns:p14="http://schemas.microsoft.com/office/powerpoint/2010/main" val="1036934335"/>
+        <p14:creationId xmlns:p14="http://schemas.microsoft.com/office/powerpoint/2010/main" xmlns:p="http://schemas.openxmlformats.org/presentationml/2006/main" xmlns:r="http://schemas.openxmlformats.org/officeDocument/2006/relationships" xmlns:a="http://schemas.openxmlformats.org/drawingml/2006/main" xmlns="" val="2485164157"/>
       </p:ext>
     </p:extLst>
   </p:cSld>
   <p:clrMapOvr>
     <a:masterClrMapping/>
   </p:clrMapOvr>
-  <p:timing>
-    <p:tnLst>
-      <p:par>
-        <p:cTn id="1" dur="indefinite" restart="never" nodeType="tmRoot"/>
-      </p:par>
-    </p:tnLst>
-  </p:timing>
-</p:sld>
-</file>
-
-<file path=ppt/slides/slide2.xml><?xml version="1.0" encoding="utf-8"?>
-<p:sld xmlns:a="http://schemas.openxmlformats.org/drawingml/2006/main" xmlns:r="http://schemas.openxmlformats.org/officeDocument/2006/relationships" xmlns:p="http://schemas.openxmlformats.org/presentationml/2006/main">
-  <p:cSld>
-    <p:spTree>
-      <p:nvGrpSpPr>
-        <p:cNvPr id="1" name=""/>
-        <p:cNvGrpSpPr/>
-        <p:nvPr/>
-      </p:nvGrpSpPr>
-      <p:grpSpPr>
-        <a:xfrm>
-          <a:off x="0" y="0"/>
-          <a:ext cx="0" cy="0"/>
-          <a:chOff x="0" y="0"/>
-          <a:chExt cx="0" cy="0"/>
-        </a:xfrm>
-      </p:grpSpPr>
-      <p:sp>
-        <p:nvSpPr>
-          <p:cNvPr id="3" name="Subtitle 2"/>
-          <p:cNvSpPr>
-            <a:spLocks noGrp="1"/>
-          </p:cNvSpPr>
-          <p:nvPr>
-            <p:ph type="subTitle" idx="1"/>
-          </p:nvPr>
-        </p:nvSpPr>
-        <p:spPr/>
-        <p:txBody>
-          <a:bodyPr/>
-          <a:lstStyle/>
-          <a:p>
-            <a:r>
-              <a:rPr lang="en-US" dirty="0" smtClean="0"/>
-              <a:t>By Interactive Lighting</a:t>
-            </a:r>
-          </a:p>
-        </p:txBody>
-      </p:sp>
-      <p:sp>
-        <p:nvSpPr>
-          <p:cNvPr id="2" name="Title 1"/>
-          <p:cNvSpPr>
-            <a:spLocks noGrp="1"/>
-          </p:cNvSpPr>
-          <p:nvPr>
-            <p:ph type="title"/>
-          </p:nvPr>
-        </p:nvSpPr>
-        <p:spPr/>
-        <p:txBody>
-          <a:bodyPr>
-            <a:normAutofit/>
-          </a:bodyPr>
-          <a:lstStyle/>
-          <a:p>
-            <a:r>
-              <a:rPr lang="en-US" dirty="0" smtClean="0"/>
-              <a:t>Christmas Lights Animation</a:t>
-            </a:r>
-            <a:endParaRPr lang="en-US" dirty="0"/>
-          </a:p>
-        </p:txBody>
-      </p:sp>
-      <p:sp>
-        <p:nvSpPr>
-          <p:cNvPr id="7" name="TextBox 6"/>
-          <p:cNvSpPr txBox="1"/>
-          <p:nvPr/>
-        </p:nvSpPr>
-        <p:spPr>
-          <a:xfrm>
-            <a:off x="76200" y="4876801"/>
-            <a:ext cx="5410200" cy="646331"/>
-          </a:xfrm>
-          <a:prstGeom prst="rect">
-            <a:avLst/>
-          </a:prstGeom>
-          <a:noFill/>
-        </p:spPr>
-        <p:txBody>
-          <a:bodyPr wrap="square" rtlCol="0">
-            <a:spAutoFit/>
-          </a:bodyPr>
-          <a:lstStyle/>
-          <a:p>
-            <a:r>
-              <a:rPr lang="en-US" dirty="0" smtClean="0"/>
-              <a:t>By:</a:t>
-            </a:r>
-          </a:p>
-          <a:p>
-            <a:r>
-              <a:rPr lang="en-US" dirty="0" smtClean="0"/>
-              <a:t>Austin Wentz and Jordan Doell</a:t>
-            </a:r>
-            <a:endParaRPr lang="en-US" dirty="0"/>
-          </a:p>
-        </p:txBody>
-      </p:sp>
-      <p:pic>
-        <p:nvPicPr>
-          <p:cNvPr id="1028" name="Picture 4" descr="http://www.guy-sports.com/fun_pictures/christmas_lights_australia.jpg"/>
-          <p:cNvPicPr>
-            <a:picLocks noChangeAspect="1" noChangeArrowheads="1"/>
-          </p:cNvPicPr>
-          <p:nvPr/>
-        </p:nvPicPr>
-        <p:blipFill>
-          <a:blip r:embed="rId2">
-            <a:extLst>
-              <a:ext uri="{28A0092B-C50C-407E-A947-70E740481C1C}">
-                <a14:useLocalDpi xmlns:a14="http://schemas.microsoft.com/office/drawing/2010/main" val="0"/>
-              </a:ext>
-            </a:extLst>
-          </a:blip>
-          <a:srcRect/>
-          <a:stretch>
-            <a:fillRect/>
-          </a:stretch>
-        </p:blipFill>
-        <p:spPr bwMode="auto">
-          <a:xfrm>
-            <a:off x="3581399" y="2895600"/>
-            <a:ext cx="5562601" cy="3940222"/>
-          </a:xfrm>
-          <a:prstGeom prst="rect">
-            <a:avLst/>
-          </a:prstGeom>
-          <a:noFill/>
-          <a:extLst>
-            <a:ext uri="{909E8E84-426E-40DD-AFC4-6F175D3DCCD1}">
-              <a14:hiddenFill xmlns:a14="http://schemas.microsoft.com/office/drawing/2010/main">
-                <a:solidFill>
-                  <a:srgbClr val="FFFFFF"/>
-                </a:solidFill>
-              </a14:hiddenFill>
-            </a:ext>
-          </a:extLst>
-        </p:spPr>
-      </p:pic>
-    </p:spTree>
-    <p:extLst>
-      <p:ext uri="{BB962C8B-B14F-4D97-AF65-F5344CB8AC3E}">
-        <p14:creationId xmlns:p14="http://schemas.microsoft.com/office/powerpoint/2010/main" val="2485164157"/>
-      </p:ext>
-    </p:extLst>
-  </p:cSld>
-  <p:clrMapOvr>
-    <a:masterClrMapping/>
-  </p:clrMapOvr>
-  <mc:AlternateContent xmlns:mc="http://schemas.openxmlformats.org/markup-compatibility/2006" xmlns:p14="http://schemas.microsoft.com/office/powerpoint/2010/main">
-    <mc:Choice Requires="p14">
+  <mc:AlternateContent>
+    <mc:Choice xmlns:mc="http://schemas.openxmlformats.org/markup-compatibility/2006" xmlns:p14="http://schemas.microsoft.com/office/powerpoint/2010/main" xmlns:p="http://schemas.openxmlformats.org/presentationml/2006/main" xmlns:r="http://schemas.openxmlformats.org/officeDocument/2006/relationships" xmlns:a="http://schemas.openxmlformats.org/drawingml/2006/main" xmlns="" Requires="p14">
       <p:transition spd="slow">
         <p14:flash/>
       </p:transition>
     </mc:Choice>
-    <mc:Fallback xmlns:mv="urn:schemas-microsoft-com:mac:vml" xmlns="">
+    <mc:Fallback>
       <mp:transition xmlns:mp="http://schemas.microsoft.com/office/mac/powerpoint/2008/main" spd="slow"/>
     </mc:Fallback>
   </mc:AlternateContent>
@@ -4780,8 +4684,8 @@
 </p:sld>
 </file>
 
-<file path=ppt/slides/slide3.xml><?xml version="1.0" encoding="utf-8"?>
-<p:sld xmlns:a="http://schemas.openxmlformats.org/drawingml/2006/main" xmlns:r="http://schemas.openxmlformats.org/officeDocument/2006/relationships" xmlns:p="http://schemas.openxmlformats.org/presentationml/2006/main">
+<file path=ppt/slides/slide2.xml><?xml version="1.0" encoding="utf-8"?>
+<p:sld xmlns:a="http://schemas.openxmlformats.org/drawingml/2006/main" xmlns:r="http://schemas.openxmlformats.org/officeDocument/2006/relationships" xmlns:mc="http://schemas.openxmlformats.org/markup-compatibility/2006" xmlns:mv="urn:schemas-microsoft-com:mac:vml" xmlns:p="http://schemas.openxmlformats.org/presentationml/2006/main" mc:Ignorable="mv" mc:PreserveAttributes="mv:*">
   <p:cSld>
     <p:spTree>
       <p:nvGrpSpPr>
@@ -4971,7 +4875,7 @@
           <a:blip r:embed="rId2" cstate="print">
             <a:extLst>
               <a:ext uri="{28A0092B-C50C-407E-A947-70E740481C1C}">
-                <a14:useLocalDpi xmlns:a14="http://schemas.microsoft.com/office/drawing/2010/main" val="0"/>
+                <a14:useLocalDpi xmlns:a14="http://schemas.microsoft.com/office/drawing/2010/main" xmlns:p="http://schemas.openxmlformats.org/presentationml/2006/main" xmlns:r="http://schemas.openxmlformats.org/officeDocument/2006/relationships" xmlns:a="http://schemas.openxmlformats.org/drawingml/2006/main" xmlns="" val="0"/>
               </a:ext>
             </a:extLst>
           </a:blip>
@@ -4991,7 +4895,7 @@
           <a:noFill/>
           <a:extLst>
             <a:ext uri="{909E8E84-426E-40DD-AFC4-6F175D3DCCD1}">
-              <a14:hiddenFill xmlns:a14="http://schemas.microsoft.com/office/drawing/2010/main">
+              <a14:hiddenFill xmlns:a14="http://schemas.microsoft.com/office/drawing/2010/main" xmlns:p="http://schemas.openxmlformats.org/presentationml/2006/main" xmlns:r="http://schemas.openxmlformats.org/officeDocument/2006/relationships" xmlns:a="http://schemas.openxmlformats.org/drawingml/2006/main" xmlns="">
                 <a:solidFill>
                   <a:srgbClr val="FFFFFF"/>
                 </a:solidFill>
@@ -5003,7 +4907,7 @@
     </p:spTree>
     <p:extLst>
       <p:ext uri="{BB962C8B-B14F-4D97-AF65-F5344CB8AC3E}">
-        <p14:creationId xmlns:p14="http://schemas.microsoft.com/office/powerpoint/2010/main" val="1632473049"/>
+        <p14:creationId xmlns:p14="http://schemas.microsoft.com/office/powerpoint/2010/main" xmlns:p="http://schemas.openxmlformats.org/presentationml/2006/main" xmlns:r="http://schemas.openxmlformats.org/officeDocument/2006/relationships" xmlns:a="http://schemas.openxmlformats.org/drawingml/2006/main" xmlns="" val="1632473049"/>
       </p:ext>
     </p:extLst>
   </p:cSld>
@@ -5020,8 +4924,8 @@
 </p:sld>
 </file>
 
-<file path=ppt/slides/slide4.xml><?xml version="1.0" encoding="utf-8"?>
-<p:sld xmlns:a="http://schemas.openxmlformats.org/drawingml/2006/main" xmlns:r="http://schemas.openxmlformats.org/officeDocument/2006/relationships" xmlns:p="http://schemas.openxmlformats.org/presentationml/2006/main">
+<file path=ppt/slides/slide3.xml><?xml version="1.0" encoding="utf-8"?>
+<p:sld xmlns:a="http://schemas.openxmlformats.org/drawingml/2006/main" xmlns:r="http://schemas.openxmlformats.org/officeDocument/2006/relationships" xmlns:mc="http://schemas.openxmlformats.org/markup-compatibility/2006" xmlns:mv="urn:schemas-microsoft-com:mac:vml" xmlns:p="http://schemas.openxmlformats.org/presentationml/2006/main" mc:Ignorable="mv" mc:PreserveAttributes="mv:*">
   <p:cSld>
     <p:spTree>
       <p:nvGrpSpPr>
@@ -5262,15 +5166,7 @@
             </a:pPr>
             <a:r>
               <a:rPr lang="en-US" i="0" dirty="0" smtClean="0"/>
-              <a:t>Laptop running XBMC</a:t>
-            </a:r>
-            <a:r>
-              <a:rPr lang="en-US" i="0" dirty="0" smtClean="0"/>
-              <a:t>, connected </a:t>
-            </a:r>
-            <a:r>
-              <a:rPr lang="en-US" i="0" dirty="0" smtClean="0"/>
-              <a:t>to a separate controller</a:t>
+              <a:t>Laptop running XBMC, connected to a separate controller</a:t>
             </a:r>
           </a:p>
           <a:p>
@@ -5311,7 +5207,7 @@
           <a:blip r:embed="rId2" cstate="print">
             <a:extLst>
               <a:ext uri="{28A0092B-C50C-407E-A947-70E740481C1C}">
-                <a14:useLocalDpi xmlns:a14="http://schemas.microsoft.com/office/drawing/2010/main" val="0"/>
+                <a14:useLocalDpi xmlns:a14="http://schemas.microsoft.com/office/drawing/2010/main" xmlns:p="http://schemas.openxmlformats.org/presentationml/2006/main" xmlns:r="http://schemas.openxmlformats.org/officeDocument/2006/relationships" xmlns:a="http://schemas.openxmlformats.org/drawingml/2006/main" xmlns="" val="0"/>
               </a:ext>
             </a:extLst>
           </a:blip>
@@ -5331,7 +5227,7 @@
           <a:noFill/>
           <a:extLst>
             <a:ext uri="{909E8E84-426E-40DD-AFC4-6F175D3DCCD1}">
-              <a14:hiddenFill xmlns:a14="http://schemas.microsoft.com/office/drawing/2010/main">
+              <a14:hiddenFill xmlns:a14="http://schemas.microsoft.com/office/drawing/2010/main" xmlns:p="http://schemas.openxmlformats.org/presentationml/2006/main" xmlns:r="http://schemas.openxmlformats.org/officeDocument/2006/relationships" xmlns:a="http://schemas.openxmlformats.org/drawingml/2006/main" xmlns="">
                 <a:solidFill>
                   <a:srgbClr val="FFFFFF"/>
                 </a:solidFill>
@@ -5343,7 +5239,7 @@
     </p:spTree>
     <p:extLst>
       <p:ext uri="{BB962C8B-B14F-4D97-AF65-F5344CB8AC3E}">
-        <p14:creationId xmlns:p14="http://schemas.microsoft.com/office/powerpoint/2010/main" val="117187453"/>
+        <p14:creationId xmlns:p14="http://schemas.microsoft.com/office/powerpoint/2010/main" xmlns:p="http://schemas.openxmlformats.org/presentationml/2006/main" xmlns:r="http://schemas.openxmlformats.org/officeDocument/2006/relationships" xmlns:a="http://schemas.openxmlformats.org/drawingml/2006/main" xmlns="" val="117187453"/>
       </p:ext>
     </p:extLst>
   </p:cSld>
@@ -5363,8 +5259,8 @@
 </p:sld>
 </file>
 
-<file path=ppt/slides/slide5.xml><?xml version="1.0" encoding="utf-8"?>
-<p:sld xmlns:a="http://schemas.openxmlformats.org/drawingml/2006/main" xmlns:r="http://schemas.openxmlformats.org/officeDocument/2006/relationships" xmlns:p="http://schemas.openxmlformats.org/presentationml/2006/main">
+<file path=ppt/slides/slide4.xml><?xml version="1.0" encoding="utf-8"?>
+<p:sld xmlns:a="http://schemas.openxmlformats.org/drawingml/2006/main" xmlns:r="http://schemas.openxmlformats.org/officeDocument/2006/relationships" xmlns:mc="http://schemas.openxmlformats.org/markup-compatibility/2006" xmlns:mv="urn:schemas-microsoft-com:mac:vml" xmlns:p="http://schemas.openxmlformats.org/presentationml/2006/main" mc:Ignorable="mv" mc:PreserveAttributes="mv:*">
   <p:cSld>
     <p:spTree>
       <p:nvGrpSpPr>
@@ -5398,7 +5294,7 @@
         </p:spPr>
         <p:txBody>
           <a:bodyPr>
-            <a:normAutofit fontScale="85000" lnSpcReduction="20000"/>
+            <a:normAutofit fontScale="77500" lnSpcReduction="20000"/>
           </a:bodyPr>
           <a:lstStyle/>
           <a:p>
@@ -5662,7 +5558,7 @@
           <a:blip r:embed="rId2" cstate="print">
             <a:extLst>
               <a:ext uri="{28A0092B-C50C-407E-A947-70E740481C1C}">
-                <a14:useLocalDpi xmlns:a14="http://schemas.microsoft.com/office/drawing/2010/main" val="0"/>
+                <a14:useLocalDpi xmlns:a14="http://schemas.microsoft.com/office/drawing/2010/main" xmlns:p="http://schemas.openxmlformats.org/presentationml/2006/main" xmlns:r="http://schemas.openxmlformats.org/officeDocument/2006/relationships" xmlns:a="http://schemas.openxmlformats.org/drawingml/2006/main" xmlns="" val="0"/>
               </a:ext>
             </a:extLst>
           </a:blip>
@@ -5682,7 +5578,7 @@
           <a:noFill/>
           <a:extLst>
             <a:ext uri="{909E8E84-426E-40DD-AFC4-6F175D3DCCD1}">
-              <a14:hiddenFill xmlns:a14="http://schemas.microsoft.com/office/drawing/2010/main">
+              <a14:hiddenFill xmlns:a14="http://schemas.microsoft.com/office/drawing/2010/main" xmlns:p="http://schemas.openxmlformats.org/presentationml/2006/main" xmlns:r="http://schemas.openxmlformats.org/officeDocument/2006/relationships" xmlns:a="http://schemas.openxmlformats.org/drawingml/2006/main" xmlns="">
                 <a:solidFill>
                   <a:srgbClr val="FFFFFF"/>
                 </a:solidFill>
@@ -5766,7 +5662,7 @@
     </p:spTree>
     <p:extLst>
       <p:ext uri="{BB962C8B-B14F-4D97-AF65-F5344CB8AC3E}">
-        <p14:creationId xmlns:p14="http://schemas.microsoft.com/office/powerpoint/2010/main" val="423157456"/>
+        <p14:creationId xmlns:p14="http://schemas.microsoft.com/office/powerpoint/2010/main" xmlns:p="http://schemas.openxmlformats.org/presentationml/2006/main" xmlns:r="http://schemas.openxmlformats.org/officeDocument/2006/relationships" xmlns:a="http://schemas.openxmlformats.org/drawingml/2006/main" xmlns="" val="423157456"/>
       </p:ext>
     </p:extLst>
   </p:cSld>
@@ -5783,8 +5679,8 @@
 </p:sld>
 </file>
 
-<file path=ppt/slides/slide6.xml><?xml version="1.0" encoding="utf-8"?>
-<p:sld xmlns:a="http://schemas.openxmlformats.org/drawingml/2006/main" xmlns:r="http://schemas.openxmlformats.org/officeDocument/2006/relationships" xmlns:p="http://schemas.openxmlformats.org/presentationml/2006/main">
+<file path=ppt/slides/slide5.xml><?xml version="1.0" encoding="utf-8"?>
+<p:sld xmlns:a="http://schemas.openxmlformats.org/drawingml/2006/main" xmlns:r="http://schemas.openxmlformats.org/officeDocument/2006/relationships" xmlns:mc="http://schemas.openxmlformats.org/markup-compatibility/2006" xmlns:mv="urn:schemas-microsoft-com:mac:vml" xmlns:p="http://schemas.openxmlformats.org/presentationml/2006/main" mc:Ignorable="mv" mc:PreserveAttributes="mv:*">
   <p:cSld>
     <p:spTree>
       <p:nvGrpSpPr>
@@ -6048,7 +5944,7 @@
           <a:blip r:embed="rId2" cstate="print">
             <a:extLst>
               <a:ext uri="{28A0092B-C50C-407E-A947-70E740481C1C}">
-                <a14:useLocalDpi xmlns:a14="http://schemas.microsoft.com/office/drawing/2010/main" val="0"/>
+                <a14:useLocalDpi xmlns:a14="http://schemas.microsoft.com/office/drawing/2010/main" xmlns:p="http://schemas.openxmlformats.org/presentationml/2006/main" xmlns:r="http://schemas.openxmlformats.org/officeDocument/2006/relationships" xmlns:a="http://schemas.openxmlformats.org/drawingml/2006/main" xmlns="" val="0"/>
               </a:ext>
             </a:extLst>
           </a:blip>
@@ -6068,7 +5964,7 @@
           <a:noFill/>
           <a:extLst>
             <a:ext uri="{909E8E84-426E-40DD-AFC4-6F175D3DCCD1}">
-              <a14:hiddenFill xmlns:a14="http://schemas.microsoft.com/office/drawing/2010/main">
+              <a14:hiddenFill xmlns:a14="http://schemas.microsoft.com/office/drawing/2010/main" xmlns:p="http://schemas.openxmlformats.org/presentationml/2006/main" xmlns:r="http://schemas.openxmlformats.org/officeDocument/2006/relationships" xmlns:a="http://schemas.openxmlformats.org/drawingml/2006/main" xmlns="">
                 <a:solidFill>
                   <a:srgbClr val="FFFFFF"/>
                 </a:solidFill>
@@ -6219,7 +6115,7 @@
     </p:spTree>
     <p:extLst>
       <p:ext uri="{BB962C8B-B14F-4D97-AF65-F5344CB8AC3E}">
-        <p14:creationId xmlns:p14="http://schemas.microsoft.com/office/powerpoint/2010/main" val="516542529"/>
+        <p14:creationId xmlns:p14="http://schemas.microsoft.com/office/powerpoint/2010/main" xmlns:p="http://schemas.openxmlformats.org/presentationml/2006/main" xmlns:r="http://schemas.openxmlformats.org/officeDocument/2006/relationships" xmlns:a="http://schemas.openxmlformats.org/drawingml/2006/main" xmlns="" val="516542529"/>
       </p:ext>
     </p:extLst>
   </p:cSld>
@@ -6236,8 +6132,8 @@
 </p:sld>
 </file>
 
-<file path=ppt/slides/slide7.xml><?xml version="1.0" encoding="utf-8"?>
-<p:sld xmlns:a="http://schemas.openxmlformats.org/drawingml/2006/main" xmlns:r="http://schemas.openxmlformats.org/officeDocument/2006/relationships" xmlns:p="http://schemas.openxmlformats.org/presentationml/2006/main">
+<file path=ppt/slides/slide6.xml><?xml version="1.0" encoding="utf-8"?>
+<p:sld xmlns:a="http://schemas.openxmlformats.org/drawingml/2006/main" xmlns:r="http://schemas.openxmlformats.org/officeDocument/2006/relationships" xmlns:mc="http://schemas.openxmlformats.org/markup-compatibility/2006" xmlns:mv="urn:schemas-microsoft-com:mac:vml" xmlns:p="http://schemas.openxmlformats.org/presentationml/2006/main" mc:Ignorable="mv" mc:PreserveAttributes="mv:*">
   <p:cSld>
     <p:spTree>
       <p:nvGrpSpPr>
@@ -6458,7 +6354,7 @@
           <a:blip r:embed="rId2" cstate="print">
             <a:extLst>
               <a:ext uri="{28A0092B-C50C-407E-A947-70E740481C1C}">
-                <a14:useLocalDpi xmlns:a14="http://schemas.microsoft.com/office/drawing/2010/main" val="0"/>
+                <a14:useLocalDpi xmlns:a14="http://schemas.microsoft.com/office/drawing/2010/main" xmlns:p="http://schemas.openxmlformats.org/presentationml/2006/main" xmlns:r="http://schemas.openxmlformats.org/officeDocument/2006/relationships" xmlns:a="http://schemas.openxmlformats.org/drawingml/2006/main" xmlns="" val="0"/>
               </a:ext>
             </a:extLst>
           </a:blip>
@@ -6478,7 +6374,7 @@
           <a:noFill/>
           <a:extLst>
             <a:ext uri="{909E8E84-426E-40DD-AFC4-6F175D3DCCD1}">
-              <a14:hiddenFill xmlns:a14="http://schemas.microsoft.com/office/drawing/2010/main">
+              <a14:hiddenFill xmlns:a14="http://schemas.microsoft.com/office/drawing/2010/main" xmlns:p="http://schemas.openxmlformats.org/presentationml/2006/main" xmlns:r="http://schemas.openxmlformats.org/officeDocument/2006/relationships" xmlns:a="http://schemas.openxmlformats.org/drawingml/2006/main" xmlns="">
                 <a:solidFill>
                   <a:srgbClr val="FFFFFF"/>
                 </a:solidFill>
@@ -6633,7 +6529,7 @@
     </p:spTree>
     <p:extLst>
       <p:ext uri="{BB962C8B-B14F-4D97-AF65-F5344CB8AC3E}">
-        <p14:creationId xmlns:p14="http://schemas.microsoft.com/office/powerpoint/2010/main" val="2849923190"/>
+        <p14:creationId xmlns:p14="http://schemas.microsoft.com/office/powerpoint/2010/main" xmlns:p="http://schemas.openxmlformats.org/presentationml/2006/main" xmlns:r="http://schemas.openxmlformats.org/officeDocument/2006/relationships" xmlns:a="http://schemas.openxmlformats.org/drawingml/2006/main" xmlns="" val="2849923190"/>
       </p:ext>
     </p:extLst>
   </p:cSld>
@@ -6650,8 +6546,8 @@
 </p:sld>
 </file>
 
-<file path=ppt/slides/slide8.xml><?xml version="1.0" encoding="utf-8"?>
-<p:sld xmlns:a="http://schemas.openxmlformats.org/drawingml/2006/main" xmlns:r="http://schemas.openxmlformats.org/officeDocument/2006/relationships" xmlns:p="http://schemas.openxmlformats.org/presentationml/2006/main">
+<file path=ppt/slides/slide7.xml><?xml version="1.0" encoding="utf-8"?>
+<p:sld xmlns:a="http://schemas.openxmlformats.org/drawingml/2006/main" xmlns:r="http://schemas.openxmlformats.org/officeDocument/2006/relationships" xmlns:mc="http://schemas.openxmlformats.org/markup-compatibility/2006" xmlns:mv="urn:schemas-microsoft-com:mac:vml" xmlns:p="http://schemas.openxmlformats.org/presentationml/2006/main" mc:Ignorable="mv" mc:PreserveAttributes="mv:*">
   <p:cSld>
     <p:spTree>
       <p:nvGrpSpPr>
@@ -6792,7 +6688,7 @@
           <a:blip r:embed="rId3" cstate="print">
             <a:extLst>
               <a:ext uri="{28A0092B-C50C-407E-A947-70E740481C1C}">
-                <a14:useLocalDpi xmlns:a14="http://schemas.microsoft.com/office/drawing/2010/main" val="0"/>
+                <a14:useLocalDpi xmlns:a14="http://schemas.microsoft.com/office/drawing/2010/main" xmlns:p="http://schemas.openxmlformats.org/presentationml/2006/main" xmlns:r="http://schemas.openxmlformats.org/officeDocument/2006/relationships" xmlns:a="http://schemas.openxmlformats.org/drawingml/2006/main" xmlns="" val="0"/>
               </a:ext>
             </a:extLst>
           </a:blip>
@@ -6812,7 +6708,7 @@
           <a:noFill/>
           <a:extLst>
             <a:ext uri="{909E8E84-426E-40DD-AFC4-6F175D3DCCD1}">
-              <a14:hiddenFill xmlns:a14="http://schemas.microsoft.com/office/drawing/2010/main">
+              <a14:hiddenFill xmlns:a14="http://schemas.microsoft.com/office/drawing/2010/main" xmlns:p="http://schemas.openxmlformats.org/presentationml/2006/main" xmlns:r="http://schemas.openxmlformats.org/officeDocument/2006/relationships" xmlns:a="http://schemas.openxmlformats.org/drawingml/2006/main" xmlns="">
                 <a:solidFill>
                   <a:srgbClr val="FFFFFF"/>
                 </a:solidFill>
@@ -6833,7 +6729,7 @@
           <a:blip r:embed="rId4">
             <a:extLst>
               <a:ext uri="{28A0092B-C50C-407E-A947-70E740481C1C}">
-                <a14:useLocalDpi xmlns:a14="http://schemas.microsoft.com/office/drawing/2010/main" val="0"/>
+                <a14:useLocalDpi xmlns:a14="http://schemas.microsoft.com/office/drawing/2010/main" xmlns:p="http://schemas.openxmlformats.org/presentationml/2006/main" xmlns:r="http://schemas.openxmlformats.org/officeDocument/2006/relationships" xmlns:a="http://schemas.openxmlformats.org/drawingml/2006/main" xmlns="" val="0"/>
               </a:ext>
             </a:extLst>
           </a:blip>
@@ -6926,7 +6822,7 @@
     </p:spTree>
     <p:extLst>
       <p:ext uri="{BB962C8B-B14F-4D97-AF65-F5344CB8AC3E}">
-        <p14:creationId xmlns:p14="http://schemas.microsoft.com/office/powerpoint/2010/main" val="3253568864"/>
+        <p14:creationId xmlns:p14="http://schemas.microsoft.com/office/powerpoint/2010/main" xmlns:p="http://schemas.openxmlformats.org/presentationml/2006/main" xmlns:r="http://schemas.openxmlformats.org/officeDocument/2006/relationships" xmlns:a="http://schemas.openxmlformats.org/drawingml/2006/main" xmlns="" val="3253568864"/>
       </p:ext>
     </p:extLst>
   </p:cSld>
@@ -6943,8 +6839,8 @@
 </p:sld>
 </file>
 
-<file path=ppt/slides/slide9.xml><?xml version="1.0" encoding="utf-8"?>
-<p:sld xmlns:a="http://schemas.openxmlformats.org/drawingml/2006/main" xmlns:r="http://schemas.openxmlformats.org/officeDocument/2006/relationships" xmlns:p="http://schemas.openxmlformats.org/presentationml/2006/main">
+<file path=ppt/slides/slide8.xml><?xml version="1.0" encoding="utf-8"?>
+<p:sld xmlns:a="http://schemas.openxmlformats.org/drawingml/2006/main" xmlns:r="http://schemas.openxmlformats.org/officeDocument/2006/relationships" xmlns:mc="http://schemas.openxmlformats.org/markup-compatibility/2006" xmlns:mv="urn:schemas-microsoft-com:mac:vml" xmlns:p="http://schemas.openxmlformats.org/presentationml/2006/main" mc:Ignorable="mv" mc:PreserveAttributes="mv:*">
   <p:cSld>
     <p:spTree>
       <p:nvGrpSpPr>
@@ -6972,7 +6868,7 @@
           <a:blip r:embed="rId3">
             <a:extLst>
               <a:ext uri="{BEBA8EAE-BF5A-486C-A8C5-ECC9F3942E4B}">
-                <a14:imgProps xmlns:a14="http://schemas.microsoft.com/office/drawing/2010/main">
+                <a14:imgProps xmlns:a14="http://schemas.microsoft.com/office/drawing/2010/main" xmlns:p="http://schemas.openxmlformats.org/presentationml/2006/main" xmlns:r="http://schemas.openxmlformats.org/officeDocument/2006/relationships" xmlns:a="http://schemas.openxmlformats.org/drawingml/2006/main" xmlns="">
                   <a14:imgLayer r:embed="rId4">
                     <a14:imgEffect>
                       <a14:artisticGlowEdges trans="0" smoothness="1"/>
@@ -6981,7 +6877,7 @@
                 </a14:imgProps>
               </a:ext>
               <a:ext uri="{28A0092B-C50C-407E-A947-70E740481C1C}">
-                <a14:useLocalDpi xmlns:a14="http://schemas.microsoft.com/office/drawing/2010/main" val="0"/>
+                <a14:useLocalDpi xmlns:a14="http://schemas.microsoft.com/office/drawing/2010/main" xmlns:p="http://schemas.openxmlformats.org/presentationml/2006/main" xmlns:r="http://schemas.openxmlformats.org/officeDocument/2006/relationships" xmlns:a="http://schemas.openxmlformats.org/drawingml/2006/main" xmlns="" val="0"/>
               </a:ext>
             </a:extLst>
           </a:blip>
@@ -7004,14 +6900,14 @@
           </a:ln>
           <a:extLst>
             <a:ext uri="{909E8E84-426E-40DD-AFC4-6F175D3DCCD1}">
-              <a14:hiddenFill xmlns:a14="http://schemas.microsoft.com/office/drawing/2010/main">
+              <a14:hiddenFill xmlns:a14="http://schemas.microsoft.com/office/drawing/2010/main" xmlns:p="http://schemas.openxmlformats.org/presentationml/2006/main" xmlns:r="http://schemas.openxmlformats.org/officeDocument/2006/relationships" xmlns:a="http://schemas.openxmlformats.org/drawingml/2006/main" xmlns="">
                 <a:solidFill>
                   <a:schemeClr val="accent1"/>
                 </a:solidFill>
               </a14:hiddenFill>
             </a:ext>
             <a:ext uri="{91240B29-F687-4F45-9708-019B960494DF}">
-              <a14:hiddenLine xmlns:a14="http://schemas.microsoft.com/office/drawing/2010/main" w="9525">
+              <a14:hiddenLine xmlns:a14="http://schemas.microsoft.com/office/drawing/2010/main" xmlns:p="http://schemas.openxmlformats.org/presentationml/2006/main" xmlns:r="http://schemas.openxmlformats.org/officeDocument/2006/relationships" xmlns:a="http://schemas.openxmlformats.org/drawingml/2006/main" xmlns="" w="9525">
                 <a:solidFill>
                   <a:schemeClr val="tx1"/>
                 </a:solidFill>
@@ -7148,7 +7044,7 @@
           <a:blip r:embed="rId5" cstate="print">
             <a:extLst>
               <a:ext uri="{28A0092B-C50C-407E-A947-70E740481C1C}">
-                <a14:useLocalDpi xmlns:a14="http://schemas.microsoft.com/office/drawing/2010/main" val="0"/>
+                <a14:useLocalDpi xmlns:a14="http://schemas.microsoft.com/office/drawing/2010/main" xmlns:p="http://schemas.openxmlformats.org/presentationml/2006/main" xmlns:r="http://schemas.openxmlformats.org/officeDocument/2006/relationships" xmlns:a="http://schemas.openxmlformats.org/drawingml/2006/main" xmlns="" val="0"/>
               </a:ext>
             </a:extLst>
           </a:blip>
@@ -7168,7 +7064,7 @@
           <a:noFill/>
           <a:extLst>
             <a:ext uri="{909E8E84-426E-40DD-AFC4-6F175D3DCCD1}">
-              <a14:hiddenFill xmlns:a14="http://schemas.microsoft.com/office/drawing/2010/main">
+              <a14:hiddenFill xmlns:a14="http://schemas.microsoft.com/office/drawing/2010/main" xmlns:p="http://schemas.openxmlformats.org/presentationml/2006/main" xmlns:r="http://schemas.openxmlformats.org/officeDocument/2006/relationships" xmlns:a="http://schemas.openxmlformats.org/drawingml/2006/main" xmlns="">
                 <a:solidFill>
                   <a:srgbClr val="FFFFFF"/>
                 </a:solidFill>
@@ -7189,7 +7085,7 @@
           <a:blip r:embed="rId6">
             <a:extLst>
               <a:ext uri="{28A0092B-C50C-407E-A947-70E740481C1C}">
-                <a14:useLocalDpi xmlns:a14="http://schemas.microsoft.com/office/drawing/2010/main" val="0"/>
+                <a14:useLocalDpi xmlns:a14="http://schemas.microsoft.com/office/drawing/2010/main" xmlns:p="http://schemas.openxmlformats.org/presentationml/2006/main" xmlns:r="http://schemas.openxmlformats.org/officeDocument/2006/relationships" xmlns:a="http://schemas.openxmlformats.org/drawingml/2006/main" xmlns="" val="0"/>
               </a:ext>
             </a:extLst>
           </a:blip>
@@ -7210,7 +7106,7 @@
     </p:spTree>
     <p:extLst>
       <p:ext uri="{BB962C8B-B14F-4D97-AF65-F5344CB8AC3E}">
-        <p14:creationId xmlns:p14="http://schemas.microsoft.com/office/powerpoint/2010/main" val="2504158806"/>
+        <p14:creationId xmlns:p14="http://schemas.microsoft.com/office/powerpoint/2010/main" xmlns:p="http://schemas.openxmlformats.org/presentationml/2006/main" xmlns:r="http://schemas.openxmlformats.org/officeDocument/2006/relationships" xmlns:a="http://schemas.openxmlformats.org/drawingml/2006/main" xmlns="" val="2504158806"/>
       </p:ext>
     </p:extLst>
   </p:cSld>

--- a/documents/Presentation 3.pptx
+++ b/documents/Presentation 3.pptx
@@ -1,21 +1,25 @@
 
 <file path=ppt/presentation.xml><?xml version="1.0" encoding="utf-8"?>
-<p:presentation xmlns:a="http://schemas.openxmlformats.org/drawingml/2006/main" xmlns:r="http://schemas.openxmlformats.org/officeDocument/2006/relationships" xmlns:mc="http://schemas.openxmlformats.org/markup-compatibility/2006" xmlns:mv="urn:schemas-microsoft-com:mac:vml" xmlns:p="http://schemas.openxmlformats.org/presentationml/2006/main" mc:Ignorable="mv" mc:PreserveAttributes="mv:*" saveSubsetFonts="1">
+<p:presentation xmlns:a="http://schemas.openxmlformats.org/drawingml/2006/main" xmlns:r="http://schemas.openxmlformats.org/officeDocument/2006/relationships" xmlns:p="http://schemas.openxmlformats.org/presentationml/2006/main" saveSubsetFonts="1">
   <p:sldMasterIdLst>
     <p:sldMasterId id="2147483696" r:id="rId1"/>
   </p:sldMasterIdLst>
   <p:notesMasterIdLst>
-    <p:notesMasterId r:id="rId10"/>
+    <p:notesMasterId r:id="rId14"/>
   </p:notesMasterIdLst>
   <p:sldIdLst>
     <p:sldId id="256" r:id="rId2"/>
     <p:sldId id="304" r:id="rId3"/>
     <p:sldId id="305" r:id="rId4"/>
     <p:sldId id="281" r:id="rId5"/>
-    <p:sldId id="302" r:id="rId6"/>
-    <p:sldId id="303" r:id="rId7"/>
-    <p:sldId id="266" r:id="rId8"/>
-    <p:sldId id="306" r:id="rId9"/>
+    <p:sldId id="307" r:id="rId6"/>
+    <p:sldId id="302" r:id="rId7"/>
+    <p:sldId id="308" r:id="rId8"/>
+    <p:sldId id="310" r:id="rId9"/>
+    <p:sldId id="309" r:id="rId10"/>
+    <p:sldId id="303" r:id="rId11"/>
+    <p:sldId id="266" r:id="rId12"/>
+    <p:sldId id="306" r:id="rId13"/>
   </p:sldIdLst>
   <p:sldSz cx="9144000" cy="6858000" type="screen4x3"/>
   <p:notesSz cx="6858000" cy="9144000"/>
@@ -116,10 +120,9 @@
   </p:defaultTextStyle>
   <p:extLst>
     <p:ext uri="{521415D9-36F7-43E2-AB2F-B90AF26B5E84}">
-      <p14:sectionLst xmlns:p14="http://schemas.microsoft.com/office/powerpoint/2010/main" xmlns:p="http://schemas.openxmlformats.org/presentationml/2006/main" xmlns:r="http://schemas.openxmlformats.org/officeDocument/2006/relationships" xmlns:a="http://schemas.openxmlformats.org/drawingml/2006/main" xmlns="">
+      <p14:sectionLst xmlns:p14="http://schemas.microsoft.com/office/powerpoint/2010/main">
         <p14:section name="Introduction" id="{35E0183A-0792-4662-BF25-BBFFD4AD5638}">
           <p14:sldIdLst>
-            <p14:sldId id="258"/>
             <p14:sldId id="256"/>
             <p14:sldId id="304"/>
           </p14:sldIdLst>
@@ -128,7 +131,11 @@
           <p14:sldIdLst>
             <p14:sldId id="305"/>
             <p14:sldId id="281"/>
+            <p14:sldId id="307"/>
             <p14:sldId id="302"/>
+            <p14:sldId id="308"/>
+            <p14:sldId id="310"/>
+            <p14:sldId id="309"/>
             <p14:sldId id="303"/>
           </p14:sldIdLst>
         </p14:section>
@@ -145,7 +152,7 @@
 </file>
 
 <file path=ppt/notesMasters/notesMaster1.xml><?xml version="1.0" encoding="utf-8"?>
-<p:notesMaster xmlns:a="http://schemas.openxmlformats.org/drawingml/2006/main" xmlns:r="http://schemas.openxmlformats.org/officeDocument/2006/relationships" xmlns:mc="http://schemas.openxmlformats.org/markup-compatibility/2006" xmlns:mv="urn:schemas-microsoft-com:mac:vml" xmlns:p="http://schemas.openxmlformats.org/presentationml/2006/main" mc:Ignorable="mv" mc:PreserveAttributes="mv:*">
+<p:notesMaster xmlns:a="http://schemas.openxmlformats.org/drawingml/2006/main" xmlns:r="http://schemas.openxmlformats.org/officeDocument/2006/relationships" xmlns:p="http://schemas.openxmlformats.org/presentationml/2006/main">
   <p:cSld>
     <p:bg>
       <p:bgRef idx="1001">
@@ -227,7 +234,7 @@
             <a:fld id="{2CEB4496-0C0B-4D02-B180-604D34149E7D}" type="datetimeFigureOut">
               <a:rPr lang="en-US" smtClean="0"/>
               <a:pPr/>
-              <a:t>3/20/13</a:t>
+              <a:t>3/21/2013</a:t>
             </a:fld>
             <a:endParaRPr lang="en-US"/>
           </a:p>
@@ -396,7 +403,7 @@
     </p:spTree>
     <p:extLst>
       <p:ext uri="{BB962C8B-B14F-4D97-AF65-F5344CB8AC3E}">
-        <p14:creationId xmlns:p14="http://schemas.microsoft.com/office/powerpoint/2010/main" xmlns:p="http://schemas.openxmlformats.org/presentationml/2006/main" xmlns:r="http://schemas.openxmlformats.org/officeDocument/2006/relationships" xmlns:a="http://schemas.openxmlformats.org/drawingml/2006/main" xmlns="" val="1754599466"/>
+        <p14:creationId xmlns:p14="http://schemas.microsoft.com/office/powerpoint/2010/main" val="1754599466"/>
       </p:ext>
     </p:extLst>
   </p:cSld>
@@ -497,7 +504,7 @@
 </file>
 
 <file path=ppt/notesSlides/notesSlide1.xml><?xml version="1.0" encoding="utf-8"?>
-<p:notes xmlns:a="http://schemas.openxmlformats.org/drawingml/2006/main" xmlns:r="http://schemas.openxmlformats.org/officeDocument/2006/relationships" xmlns:mc="http://schemas.openxmlformats.org/markup-compatibility/2006" xmlns:mv="urn:schemas-microsoft-com:mac:vml" xmlns:p="http://schemas.openxmlformats.org/presentationml/2006/main" mc:Ignorable="mv" mc:PreserveAttributes="mv:*">
+<p:notes xmlns:a="http://schemas.openxmlformats.org/drawingml/2006/main" xmlns:r="http://schemas.openxmlformats.org/officeDocument/2006/relationships" xmlns:p="http://schemas.openxmlformats.org/presentationml/2006/main">
   <p:cSld>
     <p:spTree>
       <p:nvGrpSpPr>
@@ -567,7 +574,7 @@
             <a:fld id="{5DC301D2-5269-4862-B25E-BB027DA95AEE}" type="slidenum">
               <a:rPr lang="en-US" smtClean="0"/>
               <a:pPr/>
-              <a:t>7</a:t>
+              <a:t>11</a:t>
             </a:fld>
             <a:endParaRPr lang="en-US"/>
           </a:p>
@@ -576,7 +583,7 @@
     </p:spTree>
     <p:extLst>
       <p:ext uri="{BB962C8B-B14F-4D97-AF65-F5344CB8AC3E}">
-        <p14:creationId xmlns:p14="http://schemas.microsoft.com/office/powerpoint/2010/main" xmlns:p="http://schemas.openxmlformats.org/presentationml/2006/main" xmlns:r="http://schemas.openxmlformats.org/officeDocument/2006/relationships" xmlns:a="http://schemas.openxmlformats.org/drawingml/2006/main" xmlns="" val="2380251963"/>
+        <p14:creationId xmlns:p14="http://schemas.microsoft.com/office/powerpoint/2010/main" val="2380251963"/>
       </p:ext>
     </p:extLst>
   </p:cSld>
@@ -587,7 +594,7 @@
 </file>
 
 <file path=ppt/notesSlides/notesSlide2.xml><?xml version="1.0" encoding="utf-8"?>
-<p:notes xmlns:a="http://schemas.openxmlformats.org/drawingml/2006/main" xmlns:r="http://schemas.openxmlformats.org/officeDocument/2006/relationships" xmlns:mc="http://schemas.openxmlformats.org/markup-compatibility/2006" xmlns:mv="urn:schemas-microsoft-com:mac:vml" xmlns:p="http://schemas.openxmlformats.org/presentationml/2006/main" mc:Ignorable="mv" mc:PreserveAttributes="mv:*">
+<p:notes xmlns:a="http://schemas.openxmlformats.org/drawingml/2006/main" xmlns:r="http://schemas.openxmlformats.org/officeDocument/2006/relationships" xmlns:p="http://schemas.openxmlformats.org/presentationml/2006/main">
   <p:cSld>
     <p:spTree>
       <p:nvGrpSpPr>
@@ -657,7 +664,7 @@
             <a:fld id="{5DC301D2-5269-4862-B25E-BB027DA95AEE}" type="slidenum">
               <a:rPr lang="en-US" smtClean="0"/>
               <a:pPr/>
-              <a:t>8</a:t>
+              <a:t>12</a:t>
             </a:fld>
             <a:endParaRPr lang="en-US"/>
           </a:p>
@@ -666,7 +673,7 @@
     </p:spTree>
     <p:extLst>
       <p:ext uri="{BB962C8B-B14F-4D97-AF65-F5344CB8AC3E}">
-        <p14:creationId xmlns:p14="http://schemas.microsoft.com/office/powerpoint/2010/main" xmlns:p="http://schemas.openxmlformats.org/presentationml/2006/main" xmlns:r="http://schemas.openxmlformats.org/officeDocument/2006/relationships" xmlns:a="http://schemas.openxmlformats.org/drawingml/2006/main" xmlns="" val="2380251963"/>
+        <p14:creationId xmlns:p14="http://schemas.microsoft.com/office/powerpoint/2010/main" val="2380251963"/>
       </p:ext>
     </p:extLst>
   </p:cSld>
@@ -677,7 +684,7 @@
 </file>
 
 <file path=ppt/slideLayouts/slideLayout1.xml><?xml version="1.0" encoding="utf-8"?>
-<p:sldLayout xmlns:a="http://schemas.openxmlformats.org/drawingml/2006/main" xmlns:r="http://schemas.openxmlformats.org/officeDocument/2006/relationships" xmlns:mc="http://schemas.openxmlformats.org/markup-compatibility/2006" xmlns:mv="urn:schemas-microsoft-com:mac:vml" xmlns:p="http://schemas.openxmlformats.org/presentationml/2006/main" mc:Ignorable="mv" mc:PreserveAttributes="mv:*" type="title" preserve="1">
+<p:sldLayout xmlns:a="http://schemas.openxmlformats.org/drawingml/2006/main" xmlns:r="http://schemas.openxmlformats.org/officeDocument/2006/relationships" xmlns:p="http://schemas.openxmlformats.org/presentationml/2006/main" type="title" preserve="1">
   <p:cSld name="Title Slide">
     <p:spTree>
       <p:nvGrpSpPr>
@@ -913,7 +920,7 @@
             <a:fld id="{3238A554-0062-4B18-8749-3E8553542432}" type="datetimeFigureOut">
               <a:rPr lang="en-US" smtClean="0"/>
               <a:pPr/>
-              <a:t>3/20/13</a:t>
+              <a:t>3/21/2013</a:t>
             </a:fld>
             <a:endParaRPr lang="en-US"/>
           </a:p>
@@ -1036,7 +1043,7 @@
 </file>
 
 <file path=ppt/slideLayouts/slideLayout10.xml><?xml version="1.0" encoding="utf-8"?>
-<p:sldLayout xmlns:a="http://schemas.openxmlformats.org/drawingml/2006/main" xmlns:r="http://schemas.openxmlformats.org/officeDocument/2006/relationships" xmlns:mc="http://schemas.openxmlformats.org/markup-compatibility/2006" xmlns:mv="urn:schemas-microsoft-com:mac:vml" xmlns:p="http://schemas.openxmlformats.org/presentationml/2006/main" mc:Ignorable="mv" mc:PreserveAttributes="mv:*" type="vertTx" preserve="1">
+<p:sldLayout xmlns:a="http://schemas.openxmlformats.org/drawingml/2006/main" xmlns:r="http://schemas.openxmlformats.org/officeDocument/2006/relationships" xmlns:p="http://schemas.openxmlformats.org/presentationml/2006/main" type="vertTx" preserve="1">
   <p:cSld name="Title and Vertical Text">
     <p:spTree>
       <p:nvGrpSpPr>
@@ -1193,7 +1200,7 @@
             <a:fld id="{3238A554-0062-4B18-8749-3E8553542432}" type="datetimeFigureOut">
               <a:rPr lang="en-US" smtClean="0"/>
               <a:pPr/>
-              <a:t>3/20/13</a:t>
+              <a:t>3/21/2013</a:t>
             </a:fld>
             <a:endParaRPr lang="en-US"/>
           </a:p>
@@ -1251,7 +1258,7 @@
 </file>
 
 <file path=ppt/slideLayouts/slideLayout11.xml><?xml version="1.0" encoding="utf-8"?>
-<p:sldLayout xmlns:a="http://schemas.openxmlformats.org/drawingml/2006/main" xmlns:r="http://schemas.openxmlformats.org/officeDocument/2006/relationships" xmlns:mc="http://schemas.openxmlformats.org/markup-compatibility/2006" xmlns:mv="urn:schemas-microsoft-com:mac:vml" xmlns:p="http://schemas.openxmlformats.org/presentationml/2006/main" mc:Ignorable="mv" mc:PreserveAttributes="mv:*" type="vertTitleAndTx" preserve="1">
+<p:sldLayout xmlns:a="http://schemas.openxmlformats.org/drawingml/2006/main" xmlns:r="http://schemas.openxmlformats.org/officeDocument/2006/relationships" xmlns:p="http://schemas.openxmlformats.org/presentationml/2006/main" type="vertTitleAndTx" preserve="1">
   <p:cSld name="Vertical Title and Text">
     <p:spTree>
       <p:nvGrpSpPr>
@@ -1418,7 +1425,7 @@
             <a:fld id="{3238A554-0062-4B18-8749-3E8553542432}" type="datetimeFigureOut">
               <a:rPr lang="en-US" smtClean="0"/>
               <a:pPr/>
-              <a:t>3/20/13</a:t>
+              <a:t>3/21/2013</a:t>
             </a:fld>
             <a:endParaRPr lang="en-US"/>
           </a:p>
@@ -1476,7 +1483,7 @@
 </file>
 
 <file path=ppt/slideLayouts/slideLayout2.xml><?xml version="1.0" encoding="utf-8"?>
-<p:sldLayout xmlns:a="http://schemas.openxmlformats.org/drawingml/2006/main" xmlns:r="http://schemas.openxmlformats.org/officeDocument/2006/relationships" xmlns:mc="http://schemas.openxmlformats.org/markup-compatibility/2006" xmlns:mv="urn:schemas-microsoft-com:mac:vml" xmlns:p="http://schemas.openxmlformats.org/presentationml/2006/main" mc:Ignorable="mv" mc:PreserveAttributes="mv:*" type="obj" preserve="1">
+<p:sldLayout xmlns:a="http://schemas.openxmlformats.org/drawingml/2006/main" xmlns:r="http://schemas.openxmlformats.org/officeDocument/2006/relationships" xmlns:p="http://schemas.openxmlformats.org/presentationml/2006/main" type="obj" preserve="1">
   <p:cSld name="Title and Content">
     <p:spTree>
       <p:nvGrpSpPr>
@@ -1615,7 +1622,7 @@
             <a:fld id="{3238A554-0062-4B18-8749-3E8553542432}" type="datetimeFigureOut">
               <a:rPr lang="en-US" smtClean="0"/>
               <a:pPr/>
-              <a:t>3/20/13</a:t>
+              <a:t>3/21/2013</a:t>
             </a:fld>
             <a:endParaRPr lang="en-US"/>
           </a:p>
@@ -1696,7 +1703,7 @@
 </file>
 
 <file path=ppt/slideLayouts/slideLayout3.xml><?xml version="1.0" encoding="utf-8"?>
-<p:sldLayout xmlns:a="http://schemas.openxmlformats.org/drawingml/2006/main" xmlns:r="http://schemas.openxmlformats.org/officeDocument/2006/relationships" xmlns:mc="http://schemas.openxmlformats.org/markup-compatibility/2006" xmlns:mv="urn:schemas-microsoft-com:mac:vml" xmlns:p="http://schemas.openxmlformats.org/presentationml/2006/main" mc:Ignorable="mv" mc:PreserveAttributes="mv:*" type="secHead" preserve="1">
+<p:sldLayout xmlns:a="http://schemas.openxmlformats.org/drawingml/2006/main" xmlns:r="http://schemas.openxmlformats.org/officeDocument/2006/relationships" xmlns:p="http://schemas.openxmlformats.org/presentationml/2006/main" type="secHead" preserve="1">
   <p:cSld name="Section Header">
     <p:spTree>
       <p:nvGrpSpPr>
@@ -1897,7 +1904,7 @@
             <a:fld id="{3238A554-0062-4B18-8749-3E8553542432}" type="datetimeFigureOut">
               <a:rPr lang="en-US" smtClean="0"/>
               <a:pPr/>
-              <a:t>3/20/13</a:t>
+              <a:t>3/21/2013</a:t>
             </a:fld>
             <a:endParaRPr lang="en-US"/>
           </a:p>
@@ -2117,7 +2124,7 @@
 </file>
 
 <file path=ppt/slideLayouts/slideLayout4.xml><?xml version="1.0" encoding="utf-8"?>
-<p:sldLayout xmlns:a="http://schemas.openxmlformats.org/drawingml/2006/main" xmlns:r="http://schemas.openxmlformats.org/officeDocument/2006/relationships" xmlns:mc="http://schemas.openxmlformats.org/markup-compatibility/2006" xmlns:mv="urn:schemas-microsoft-com:mac:vml" xmlns:p="http://schemas.openxmlformats.org/presentationml/2006/main" mc:Ignorable="mv" mc:PreserveAttributes="mv:*" type="twoObj" preserve="1">
+<p:sldLayout xmlns:a="http://schemas.openxmlformats.org/drawingml/2006/main" xmlns:r="http://schemas.openxmlformats.org/officeDocument/2006/relationships" xmlns:p="http://schemas.openxmlformats.org/presentationml/2006/main" type="twoObj" preserve="1">
   <p:cSld name="Two Content">
     <p:spTree>
       <p:nvGrpSpPr>
@@ -2372,7 +2379,7 @@
             <a:fld id="{3238A554-0062-4B18-8749-3E8553542432}" type="datetimeFigureOut">
               <a:rPr lang="en-US" smtClean="0"/>
               <a:pPr/>
-              <a:t>3/20/13</a:t>
+              <a:t>3/21/2013</a:t>
             </a:fld>
             <a:endParaRPr lang="en-US"/>
           </a:p>
@@ -2430,7 +2437,7 @@
 </file>
 
 <file path=ppt/slideLayouts/slideLayout5.xml><?xml version="1.0" encoding="utf-8"?>
-<p:sldLayout xmlns:a="http://schemas.openxmlformats.org/drawingml/2006/main" xmlns:r="http://schemas.openxmlformats.org/officeDocument/2006/relationships" xmlns:mc="http://schemas.openxmlformats.org/markup-compatibility/2006" xmlns:mv="urn:schemas-microsoft-com:mac:vml" xmlns:p="http://schemas.openxmlformats.org/presentationml/2006/main" mc:Ignorable="mv" mc:PreserveAttributes="mv:*" type="twoTxTwoObj" preserve="1">
+<p:sldLayout xmlns:a="http://schemas.openxmlformats.org/drawingml/2006/main" xmlns:r="http://schemas.openxmlformats.org/officeDocument/2006/relationships" xmlns:p="http://schemas.openxmlformats.org/presentationml/2006/main" type="twoTxTwoObj" preserve="1">
   <p:cSld name="Comparison">
     <p:spTree>
       <p:nvGrpSpPr>
@@ -2829,7 +2836,7 @@
             <a:fld id="{3238A554-0062-4B18-8749-3E8553542432}" type="datetimeFigureOut">
               <a:rPr lang="en-US" smtClean="0"/>
               <a:pPr/>
-              <a:t>3/20/13</a:t>
+              <a:t>3/21/2013</a:t>
             </a:fld>
             <a:endParaRPr lang="en-US"/>
           </a:p>
@@ -2887,7 +2894,7 @@
 </file>
 
 <file path=ppt/slideLayouts/slideLayout6.xml><?xml version="1.0" encoding="utf-8"?>
-<p:sldLayout xmlns:a="http://schemas.openxmlformats.org/drawingml/2006/main" xmlns:r="http://schemas.openxmlformats.org/officeDocument/2006/relationships" xmlns:mc="http://schemas.openxmlformats.org/markup-compatibility/2006" xmlns:mv="urn:schemas-microsoft-com:mac:vml" xmlns:p="http://schemas.openxmlformats.org/presentationml/2006/main" mc:Ignorable="mv" mc:PreserveAttributes="mv:*" type="titleOnly" preserve="1">
+<p:sldLayout xmlns:a="http://schemas.openxmlformats.org/drawingml/2006/main" xmlns:r="http://schemas.openxmlformats.org/officeDocument/2006/relationships" xmlns:p="http://schemas.openxmlformats.org/presentationml/2006/main" type="titleOnly" preserve="1">
   <p:cSld name="Title Only">
     <p:spTree>
       <p:nvGrpSpPr>
@@ -2969,7 +2976,7 @@
             <a:fld id="{3238A554-0062-4B18-8749-3E8553542432}" type="datetimeFigureOut">
               <a:rPr lang="en-US" smtClean="0"/>
               <a:pPr/>
-              <a:t>3/20/13</a:t>
+              <a:t>3/21/2013</a:t>
             </a:fld>
             <a:endParaRPr lang="en-US"/>
           </a:p>
@@ -3050,7 +3057,7 @@
 </file>
 
 <file path=ppt/slideLayouts/slideLayout7.xml><?xml version="1.0" encoding="utf-8"?>
-<p:sldLayout xmlns:a="http://schemas.openxmlformats.org/drawingml/2006/main" xmlns:r="http://schemas.openxmlformats.org/officeDocument/2006/relationships" xmlns:mc="http://schemas.openxmlformats.org/markup-compatibility/2006" xmlns:mv="urn:schemas-microsoft-com:mac:vml" xmlns:p="http://schemas.openxmlformats.org/presentationml/2006/main" mc:Ignorable="mv" mc:PreserveAttributes="mv:*" type="blank" preserve="1">
+<p:sldLayout xmlns:a="http://schemas.openxmlformats.org/drawingml/2006/main" xmlns:r="http://schemas.openxmlformats.org/officeDocument/2006/relationships" xmlns:p="http://schemas.openxmlformats.org/presentationml/2006/main" type="blank" preserve="1">
   <p:cSld name="Blank">
     <p:spTree>
       <p:nvGrpSpPr>
@@ -3132,7 +3139,7 @@
             <a:fld id="{3238A554-0062-4B18-8749-3E8553542432}" type="datetimeFigureOut">
               <a:rPr lang="en-US" smtClean="0"/>
               <a:pPr/>
-              <a:t>3/20/13</a:t>
+              <a:t>3/21/2013</a:t>
             </a:fld>
             <a:endParaRPr lang="en-US"/>
           </a:p>
@@ -3190,7 +3197,7 @@
 </file>
 
 <file path=ppt/slideLayouts/slideLayout8.xml><?xml version="1.0" encoding="utf-8"?>
-<p:sldLayout xmlns:a="http://schemas.openxmlformats.org/drawingml/2006/main" xmlns:r="http://schemas.openxmlformats.org/officeDocument/2006/relationships" xmlns:mc="http://schemas.openxmlformats.org/markup-compatibility/2006" xmlns:mv="urn:schemas-microsoft-com:mac:vml" xmlns:p="http://schemas.openxmlformats.org/presentationml/2006/main" mc:Ignorable="mv" mc:PreserveAttributes="mv:*" type="objTx" preserve="1">
+<p:sldLayout xmlns:a="http://schemas.openxmlformats.org/drawingml/2006/main" xmlns:r="http://schemas.openxmlformats.org/officeDocument/2006/relationships" xmlns:p="http://schemas.openxmlformats.org/presentationml/2006/main" type="objTx" preserve="1">
   <p:cSld name="Content with Caption">
     <p:spTree>
       <p:nvGrpSpPr>
@@ -3528,7 +3535,7 @@
             <a:fld id="{3238A554-0062-4B18-8749-3E8553542432}" type="datetimeFigureOut">
               <a:rPr lang="en-US" smtClean="0"/>
               <a:pPr/>
-              <a:t>3/20/13</a:t>
+              <a:t>3/21/2013</a:t>
             </a:fld>
             <a:endParaRPr lang="en-US"/>
           </a:p>
@@ -3586,7 +3593,7 @@
 </file>
 
 <file path=ppt/slideLayouts/slideLayout9.xml><?xml version="1.0" encoding="utf-8"?>
-<p:sldLayout xmlns:a="http://schemas.openxmlformats.org/drawingml/2006/main" xmlns:r="http://schemas.openxmlformats.org/officeDocument/2006/relationships" xmlns:mc="http://schemas.openxmlformats.org/markup-compatibility/2006" xmlns:mv="urn:schemas-microsoft-com:mac:vml" xmlns:p="http://schemas.openxmlformats.org/presentationml/2006/main" mc:Ignorable="mv" mc:PreserveAttributes="mv:*" type="picTx" preserve="1">
+<p:sldLayout xmlns:a="http://schemas.openxmlformats.org/drawingml/2006/main" xmlns:r="http://schemas.openxmlformats.org/officeDocument/2006/relationships" xmlns:p="http://schemas.openxmlformats.org/presentationml/2006/main" type="picTx" preserve="1">
   <p:cSld name="Picture with Caption">
     <p:spTree>
       <p:nvGrpSpPr>
@@ -3930,7 +3937,7 @@
             <a:fld id="{3238A554-0062-4B18-8749-3E8553542432}" type="datetimeFigureOut">
               <a:rPr lang="en-US" smtClean="0"/>
               <a:pPr/>
-              <a:t>3/20/13</a:t>
+              <a:t>3/21/2013</a:t>
             </a:fld>
             <a:endParaRPr lang="en-US"/>
           </a:p>
@@ -3988,7 +3995,7 @@
 </file>
 
 <file path=ppt/slideMasters/slideMaster1.xml><?xml version="1.0" encoding="utf-8"?>
-<p:sldMaster xmlns:a="http://schemas.openxmlformats.org/drawingml/2006/main" xmlns:r="http://schemas.openxmlformats.org/officeDocument/2006/relationships" xmlns:mc="http://schemas.openxmlformats.org/markup-compatibility/2006" xmlns:mv="urn:schemas-microsoft-com:mac:vml" xmlns:p="http://schemas.openxmlformats.org/presentationml/2006/main" mc:Ignorable="mv" mc:PreserveAttributes="mv:*">
+<p:sldMaster xmlns:a="http://schemas.openxmlformats.org/drawingml/2006/main" xmlns:r="http://schemas.openxmlformats.org/officeDocument/2006/relationships" xmlns:p="http://schemas.openxmlformats.org/presentationml/2006/main">
   <p:cSld>
     <p:bg>
       <p:bgRef idx="1003">
@@ -4142,7 +4149,7 @@
             <a:fld id="{3238A554-0062-4B18-8749-3E8553542432}" type="datetimeFigureOut">
               <a:rPr lang="en-US" smtClean="0"/>
               <a:pPr/>
-              <a:t>3/20/13</a:t>
+              <a:t>3/21/2013</a:t>
             </a:fld>
             <a:endParaRPr lang="en-US"/>
           </a:p>
@@ -4531,7 +4538,7 @@
 </file>
 
 <file path=ppt/slides/slide1.xml><?xml version="1.0" encoding="utf-8"?>
-<p:sld xmlns:a="http://schemas.openxmlformats.org/drawingml/2006/main" xmlns:r="http://schemas.openxmlformats.org/officeDocument/2006/relationships" xmlns:mc="http://schemas.openxmlformats.org/markup-compatibility/2006" xmlns:mv="urn:schemas-microsoft-com:mac:vml" xmlns:p="http://schemas.openxmlformats.org/presentationml/2006/main" mc:Ignorable="mv" mc:PreserveAttributes="mv:*">
+<p:sld xmlns:a="http://schemas.openxmlformats.org/drawingml/2006/main" xmlns:r="http://schemas.openxmlformats.org/officeDocument/2006/relationships" xmlns:p="http://schemas.openxmlformats.org/presentationml/2006/main">
   <p:cSld>
     <p:spTree>
       <p:nvGrpSpPr>
@@ -4547,89 +4554,6 @@
           <a:chExt cx="0" cy="0"/>
         </a:xfrm>
       </p:grpSpPr>
-      <p:sp>
-        <p:nvSpPr>
-          <p:cNvPr id="3" name="Subtitle 2"/>
-          <p:cNvSpPr>
-            <a:spLocks noGrp="1"/>
-          </p:cNvSpPr>
-          <p:nvPr>
-            <p:ph type="subTitle" idx="1"/>
-          </p:nvPr>
-        </p:nvSpPr>
-        <p:spPr/>
-        <p:txBody>
-          <a:bodyPr/>
-          <a:lstStyle/>
-          <a:p>
-            <a:r>
-              <a:rPr lang="en-US" dirty="0" smtClean="0"/>
-              <a:t>By Interactive Lighting</a:t>
-            </a:r>
-          </a:p>
-        </p:txBody>
-      </p:sp>
-      <p:sp>
-        <p:nvSpPr>
-          <p:cNvPr id="2" name="Title 1"/>
-          <p:cNvSpPr>
-            <a:spLocks noGrp="1"/>
-          </p:cNvSpPr>
-          <p:nvPr>
-            <p:ph type="title"/>
-          </p:nvPr>
-        </p:nvSpPr>
-        <p:spPr/>
-        <p:txBody>
-          <a:bodyPr>
-            <a:normAutofit/>
-          </a:bodyPr>
-          <a:lstStyle/>
-          <a:p>
-            <a:r>
-              <a:rPr lang="en-US" dirty="0" smtClean="0"/>
-              <a:t>Christmas Lights Animation</a:t>
-            </a:r>
-            <a:endParaRPr lang="en-US" dirty="0"/>
-          </a:p>
-        </p:txBody>
-      </p:sp>
-      <p:sp>
-        <p:nvSpPr>
-          <p:cNvPr id="7" name="TextBox 6"/>
-          <p:cNvSpPr txBox="1"/>
-          <p:nvPr/>
-        </p:nvSpPr>
-        <p:spPr>
-          <a:xfrm>
-            <a:off x="76200" y="4876801"/>
-            <a:ext cx="5410200" cy="646331"/>
-          </a:xfrm>
-          <a:prstGeom prst="rect">
-            <a:avLst/>
-          </a:prstGeom>
-          <a:noFill/>
-        </p:spPr>
-        <p:txBody>
-          <a:bodyPr wrap="square" rtlCol="0">
-            <a:spAutoFit/>
-          </a:bodyPr>
-          <a:lstStyle/>
-          <a:p>
-            <a:r>
-              <a:rPr lang="en-US" dirty="0" smtClean="0"/>
-              <a:t>By:</a:t>
-            </a:r>
-          </a:p>
-          <a:p>
-            <a:r>
-              <a:rPr lang="en-US" dirty="0" smtClean="0"/>
-              <a:t>Austin Wentz and Jordan Doell</a:t>
-            </a:r>
-            <a:endParaRPr lang="en-US" dirty="0"/>
-          </a:p>
-        </p:txBody>
-      </p:sp>
       <p:pic>
         <p:nvPicPr>
           <p:cNvPr id="8" name="Picture 7" descr="Screen Shot 2013-03-20 at 4.56.06 PM.png"/>
@@ -4646,31 +4570,141 @@
         </p:blipFill>
         <p:spPr>
           <a:xfrm>
-            <a:off x="6248400" y="1253613"/>
-            <a:ext cx="2895600" cy="5604387"/>
+            <a:off x="6324600" y="1676400"/>
+            <a:ext cx="2590800" cy="5014452"/>
+          </a:xfrm>
+          <a:prstGeom prst="roundRect">
+            <a:avLst>
+              <a:gd name="adj" fmla="val 11111"/>
+            </a:avLst>
+          </a:prstGeom>
+          <a:ln w="190500" cap="rnd">
+            <a:solidFill>
+              <a:srgbClr val="C8C6BD"/>
+            </a:solidFill>
+            <a:prstDash val="solid"/>
+          </a:ln>
+          <a:effectLst>
+            <a:outerShdw blurRad="101600" dist="50800" dir="7200000" algn="tl" rotWithShape="0">
+              <a:srgbClr val="000000">
+                <a:alpha val="45000"/>
+              </a:srgbClr>
+            </a:outerShdw>
+          </a:effectLst>
+          <a:scene3d>
+            <a:camera prst="perspectiveFront" fov="5400000"/>
+            <a:lightRig rig="threePt" dir="t">
+              <a:rot lat="0" lon="0" rev="19200000"/>
+            </a:lightRig>
+          </a:scene3d>
+          <a:sp3d extrusionH="25400">
+            <a:bevelT w="304800" h="152400" prst="hardEdge"/>
+            <a:extrusionClr>
+              <a:srgbClr val="FFFFFF"/>
+            </a:extrusionClr>
+          </a:sp3d>
+        </p:spPr>
+      </p:pic>
+      <p:sp>
+        <p:nvSpPr>
+          <p:cNvPr id="3" name="Subtitle 2"/>
+          <p:cNvSpPr>
+            <a:spLocks noGrp="1"/>
+          </p:cNvSpPr>
+          <p:nvPr>
+            <p:ph type="subTitle" idx="1"/>
+          </p:nvPr>
+        </p:nvSpPr>
+        <p:spPr/>
+        <p:txBody>
+          <a:bodyPr/>
+          <a:lstStyle/>
+          <a:p>
+            <a:r>
+              <a:rPr lang="en-US" dirty="0" smtClean="0"/>
+              <a:t>By Interactive Lighting</a:t>
+            </a:r>
+          </a:p>
+        </p:txBody>
+      </p:sp>
+      <p:sp>
+        <p:nvSpPr>
+          <p:cNvPr id="7" name="TextBox 6"/>
+          <p:cNvSpPr txBox="1"/>
+          <p:nvPr/>
+        </p:nvSpPr>
+        <p:spPr>
+          <a:xfrm>
+            <a:off x="76200" y="4876801"/>
+            <a:ext cx="5410200" cy="646331"/>
           </a:xfrm>
           <a:prstGeom prst="rect">
             <a:avLst/>
           </a:prstGeom>
-        </p:spPr>
-      </p:pic>
+          <a:noFill/>
+        </p:spPr>
+        <p:txBody>
+          <a:bodyPr wrap="square" rtlCol="0">
+            <a:spAutoFit/>
+          </a:bodyPr>
+          <a:lstStyle/>
+          <a:p>
+            <a:r>
+              <a:rPr lang="en-US" dirty="0" smtClean="0"/>
+              <a:t>By:</a:t>
+            </a:r>
+          </a:p>
+          <a:p>
+            <a:r>
+              <a:rPr lang="en-US" dirty="0" smtClean="0"/>
+              <a:t>Austin Wentz and Jordan Doell</a:t>
+            </a:r>
+            <a:endParaRPr lang="en-US" dirty="0"/>
+          </a:p>
+        </p:txBody>
+      </p:sp>
+      <p:sp>
+        <p:nvSpPr>
+          <p:cNvPr id="2" name="Title 1"/>
+          <p:cNvSpPr>
+            <a:spLocks noGrp="1"/>
+          </p:cNvSpPr>
+          <p:nvPr>
+            <p:ph type="title"/>
+          </p:nvPr>
+        </p:nvSpPr>
+        <p:spPr/>
+        <p:txBody>
+          <a:bodyPr>
+            <a:normAutofit/>
+          </a:bodyPr>
+          <a:lstStyle/>
+          <a:p>
+            <a:r>
+              <a:rPr lang="en-US" dirty="0" smtClean="0"/>
+              <a:t>Christmas Lights Animation</a:t>
+            </a:r>
+            <a:endParaRPr lang="en-US" dirty="0"/>
+          </a:p>
+        </p:txBody>
+      </p:sp>
     </p:spTree>
     <p:extLst>
       <p:ext uri="{BB962C8B-B14F-4D97-AF65-F5344CB8AC3E}">
-        <p14:creationId xmlns:p14="http://schemas.microsoft.com/office/powerpoint/2010/main" xmlns:p="http://schemas.openxmlformats.org/presentationml/2006/main" xmlns:r="http://schemas.openxmlformats.org/officeDocument/2006/relationships" xmlns:a="http://schemas.openxmlformats.org/drawingml/2006/main" xmlns="" val="2485164157"/>
+        <p14:creationId xmlns:p14="http://schemas.microsoft.com/office/powerpoint/2010/main" val="2485164157"/>
       </p:ext>
     </p:extLst>
   </p:cSld>
   <p:clrMapOvr>
     <a:masterClrMapping/>
   </p:clrMapOvr>
-  <mc:AlternateContent>
-    <mc:Choice xmlns:mc="http://schemas.openxmlformats.org/markup-compatibility/2006" xmlns:p14="http://schemas.microsoft.com/office/powerpoint/2010/main" xmlns:p="http://schemas.openxmlformats.org/presentationml/2006/main" xmlns:r="http://schemas.openxmlformats.org/officeDocument/2006/relationships" xmlns:a="http://schemas.openxmlformats.org/drawingml/2006/main" xmlns="" Requires="p14">
+  <mc:AlternateContent xmlns:mc="http://schemas.openxmlformats.org/markup-compatibility/2006" xmlns:p14="http://schemas.microsoft.com/office/powerpoint/2010/main">
+    <mc:Choice Requires="p14">
       <p:transition spd="slow">
         <p14:flash/>
       </p:transition>
     </mc:Choice>
-    <mc:Fallback>
+    <mc:Fallback xmlns:mv="urn:schemas-microsoft-com:mac:vml" xmlns="">
       <mp:transition xmlns:mp="http://schemas.microsoft.com/office/mac/powerpoint/2008/main" spd="slow"/>
     </mc:Fallback>
   </mc:AlternateContent>
@@ -4684,8 +4718,8 @@
 </p:sld>
 </file>
 
-<file path=ppt/slides/slide2.xml><?xml version="1.0" encoding="utf-8"?>
-<p:sld xmlns:a="http://schemas.openxmlformats.org/drawingml/2006/main" xmlns:r="http://schemas.openxmlformats.org/officeDocument/2006/relationships" xmlns:mc="http://schemas.openxmlformats.org/markup-compatibility/2006" xmlns:mv="urn:schemas-microsoft-com:mac:vml" xmlns:p="http://schemas.openxmlformats.org/presentationml/2006/main" mc:Ignorable="mv" mc:PreserveAttributes="mv:*">
+<file path=ppt/slides/slide10.xml><?xml version="1.0" encoding="utf-8"?>
+<p:sld xmlns:a="http://schemas.openxmlformats.org/drawingml/2006/main" xmlns:r="http://schemas.openxmlformats.org/officeDocument/2006/relationships" xmlns:p="http://schemas.openxmlformats.org/presentationml/2006/main">
   <p:cSld>
     <p:spTree>
       <p:nvGrpSpPr>
@@ -4713,588 +4747,13 @@
         </p:nvSpPr>
         <p:spPr>
           <a:xfrm>
-            <a:off x="352426" y="3048000"/>
-            <a:ext cx="7496174" cy="3352800"/>
+            <a:off x="381000" y="3429000"/>
+            <a:ext cx="6581775" cy="2133600"/>
           </a:xfrm>
         </p:spPr>
         <p:txBody>
           <a:bodyPr>
-            <a:normAutofit/>
-          </a:bodyPr>
-          <a:lstStyle/>
-          <a:p>
-            <a:pPr>
-              <a:buClr>
-                <a:schemeClr val="tx1"/>
-              </a:buClr>
-            </a:pPr>
-            <a:r>
-              <a:rPr lang="en-US" dirty="0" smtClean="0"/>
-              <a:t>Sponsor -  L3 Communications</a:t>
-            </a:r>
-          </a:p>
-          <a:p>
-            <a:pPr>
-              <a:buClr>
-                <a:schemeClr val="tx1"/>
-              </a:buClr>
-            </a:pPr>
-            <a:r>
-              <a:rPr lang="en-US" dirty="0" smtClean="0"/>
-              <a:t>Description - Christmas lights synced to music and controlled 	via an iPhone</a:t>
-            </a:r>
-          </a:p>
-        </p:txBody>
-      </p:sp>
-      <p:sp>
-        <p:nvSpPr>
-          <p:cNvPr id="3" name="Title 2"/>
-          <p:cNvSpPr>
-            <a:spLocks noGrp="1"/>
-          </p:cNvSpPr>
-          <p:nvPr>
-            <p:ph type="title"/>
-          </p:nvPr>
-        </p:nvSpPr>
-        <p:spPr>
-          <a:xfrm>
-            <a:off x="354366" y="1990078"/>
-            <a:ext cx="8439912" cy="1210322"/>
-          </a:xfrm>
-        </p:spPr>
-        <p:txBody>
-          <a:bodyPr anchor="t"/>
-          <a:lstStyle/>
-          <a:p>
-            <a:r>
-              <a:rPr lang="en-US" dirty="0" smtClean="0"/>
-              <a:t>Summary of project:</a:t>
-            </a:r>
-            <a:endParaRPr lang="en-US" dirty="0"/>
-          </a:p>
-        </p:txBody>
-      </p:sp>
-      <p:sp>
-        <p:nvSpPr>
-          <p:cNvPr id="4" name="TextBox 3"/>
-          <p:cNvSpPr txBox="1"/>
-          <p:nvPr/>
-        </p:nvSpPr>
-        <p:spPr>
-          <a:xfrm>
-            <a:off x="0" y="0"/>
-            <a:ext cx="5638800" cy="461665"/>
-          </a:xfrm>
-          <a:prstGeom prst="rect">
-            <a:avLst/>
-          </a:prstGeom>
-          <a:noFill/>
-        </p:spPr>
-        <p:txBody>
-          <a:bodyPr wrap="square" rtlCol="0">
-            <a:spAutoFit/>
-          </a:bodyPr>
-          <a:lstStyle/>
-          <a:p>
-            <a:r>
-              <a:rPr lang="en-US" sz="2400" dirty="0"/>
-              <a:t>Christmas Lights Animation</a:t>
-            </a:r>
-          </a:p>
-        </p:txBody>
-      </p:sp>
-      <p:cxnSp>
-        <p:nvCxnSpPr>
-          <p:cNvPr id="7" name="Straight Connector 6"/>
-          <p:cNvCxnSpPr/>
-          <p:nvPr/>
-        </p:nvCxnSpPr>
-        <p:spPr>
-          <a:xfrm>
-            <a:off x="0" y="461665"/>
-            <a:ext cx="9144000" cy="0"/>
-          </a:xfrm>
-          <a:prstGeom prst="line">
-            <a:avLst/>
-          </a:prstGeom>
-        </p:spPr>
-        <p:style>
-          <a:lnRef idx="3">
-            <a:schemeClr val="accent2"/>
-          </a:lnRef>
-          <a:fillRef idx="0">
-            <a:schemeClr val="accent2"/>
-          </a:fillRef>
-          <a:effectRef idx="2">
-            <a:schemeClr val="accent2"/>
-          </a:effectRef>
-          <a:fontRef idx="minor">
-            <a:schemeClr val="tx1"/>
-          </a:fontRef>
-        </p:style>
-      </p:cxnSp>
-      <p:cxnSp>
-        <p:nvCxnSpPr>
-          <p:cNvPr id="9" name="Straight Connector 8"/>
-          <p:cNvCxnSpPr/>
-          <p:nvPr/>
-        </p:nvCxnSpPr>
-        <p:spPr>
-          <a:xfrm>
-            <a:off x="5791200" y="0"/>
-            <a:ext cx="0" cy="1752600"/>
-          </a:xfrm>
-          <a:prstGeom prst="line">
-            <a:avLst/>
-          </a:prstGeom>
-        </p:spPr>
-        <p:style>
-          <a:lnRef idx="3">
-            <a:schemeClr val="accent2"/>
-          </a:lnRef>
-          <a:fillRef idx="0">
-            <a:schemeClr val="accent2"/>
-          </a:fillRef>
-          <a:effectRef idx="2">
-            <a:schemeClr val="accent2"/>
-          </a:effectRef>
-          <a:fontRef idx="minor">
-            <a:schemeClr val="tx1"/>
-          </a:fontRef>
-        </p:style>
-      </p:cxnSp>
-      <p:pic>
-        <p:nvPicPr>
-          <p:cNvPr id="12" name="Picture 2" descr="http://3.bp.blogspot.com/-rMWOJSD6B08/TviTPhqHvAI/AAAAAAAAAbg/xMHjQIMeY9Y/s1600/ChristmasLights.png"/>
-          <p:cNvPicPr>
-            <a:picLocks noChangeAspect="1" noChangeArrowheads="1"/>
-          </p:cNvPicPr>
-          <p:nvPr/>
-        </p:nvPicPr>
-        <p:blipFill>
-          <a:blip r:embed="rId2" cstate="print">
-            <a:extLst>
-              <a:ext uri="{28A0092B-C50C-407E-A947-70E740481C1C}">
-                <a14:useLocalDpi xmlns:a14="http://schemas.microsoft.com/office/drawing/2010/main" xmlns:p="http://schemas.openxmlformats.org/presentationml/2006/main" xmlns:r="http://schemas.openxmlformats.org/officeDocument/2006/relationships" xmlns:a="http://schemas.openxmlformats.org/drawingml/2006/main" xmlns="" val="0"/>
-              </a:ext>
-            </a:extLst>
-          </a:blip>
-          <a:srcRect/>
-          <a:stretch>
-            <a:fillRect/>
-          </a:stretch>
-        </p:blipFill>
-        <p:spPr bwMode="auto">
-          <a:xfrm>
-            <a:off x="5852615" y="0"/>
-            <a:ext cx="3352800" cy="626533"/>
-          </a:xfrm>
-          <a:prstGeom prst="rect">
-            <a:avLst/>
-          </a:prstGeom>
-          <a:noFill/>
-          <a:extLst>
-            <a:ext uri="{909E8E84-426E-40DD-AFC4-6F175D3DCCD1}">
-              <a14:hiddenFill xmlns:a14="http://schemas.microsoft.com/office/drawing/2010/main" xmlns:p="http://schemas.openxmlformats.org/presentationml/2006/main" xmlns:r="http://schemas.openxmlformats.org/officeDocument/2006/relationships" xmlns:a="http://schemas.openxmlformats.org/drawingml/2006/main" xmlns="">
-                <a:solidFill>
-                  <a:srgbClr val="FFFFFF"/>
-                </a:solidFill>
-              </a14:hiddenFill>
-            </a:ext>
-          </a:extLst>
-        </p:spPr>
-      </p:pic>
-    </p:spTree>
-    <p:extLst>
-      <p:ext uri="{BB962C8B-B14F-4D97-AF65-F5344CB8AC3E}">
-        <p14:creationId xmlns:p14="http://schemas.microsoft.com/office/powerpoint/2010/main" xmlns:p="http://schemas.openxmlformats.org/presentationml/2006/main" xmlns:r="http://schemas.openxmlformats.org/officeDocument/2006/relationships" xmlns:a="http://schemas.openxmlformats.org/drawingml/2006/main" xmlns="" val="1632473049"/>
-      </p:ext>
-    </p:extLst>
-  </p:cSld>
-  <p:clrMapOvr>
-    <a:masterClrMapping/>
-  </p:clrMapOvr>
-  <p:timing>
-    <p:tnLst>
-      <p:par>
-        <p:cTn id="1" dur="indefinite" restart="never" nodeType="tmRoot"/>
-      </p:par>
-    </p:tnLst>
-  </p:timing>
-</p:sld>
-</file>
-
-<file path=ppt/slides/slide3.xml><?xml version="1.0" encoding="utf-8"?>
-<p:sld xmlns:a="http://schemas.openxmlformats.org/drawingml/2006/main" xmlns:r="http://schemas.openxmlformats.org/officeDocument/2006/relationships" xmlns:mc="http://schemas.openxmlformats.org/markup-compatibility/2006" xmlns:mv="urn:schemas-microsoft-com:mac:vml" xmlns:p="http://schemas.openxmlformats.org/presentationml/2006/main" mc:Ignorable="mv" mc:PreserveAttributes="mv:*">
-  <p:cSld>
-    <p:spTree>
-      <p:nvGrpSpPr>
-        <p:cNvPr id="1" name=""/>
-        <p:cNvGrpSpPr/>
-        <p:nvPr/>
-      </p:nvGrpSpPr>
-      <p:grpSpPr>
-        <a:xfrm>
-          <a:off x="0" y="0"/>
-          <a:ext cx="0" cy="0"/>
-          <a:chOff x="0" y="0"/>
-          <a:chExt cx="0" cy="0"/>
-        </a:xfrm>
-      </p:grpSpPr>
-      <p:sp>
-        <p:nvSpPr>
-          <p:cNvPr id="5" name="TextBox 4"/>
-          <p:cNvSpPr txBox="1"/>
-          <p:nvPr/>
-        </p:nvSpPr>
-        <p:spPr>
-          <a:xfrm>
-            <a:off x="0" y="0"/>
-            <a:ext cx="5638800" cy="461665"/>
-          </a:xfrm>
-          <a:prstGeom prst="rect">
-            <a:avLst/>
-          </a:prstGeom>
-          <a:noFill/>
-        </p:spPr>
-        <p:txBody>
-          <a:bodyPr wrap="square" rtlCol="0">
-            <a:spAutoFit/>
-          </a:bodyPr>
-          <a:lstStyle/>
-          <a:p>
-            <a:r>
-              <a:rPr lang="en-US" sz="2400" dirty="0"/>
-              <a:t>Christmas Lights Animation</a:t>
-            </a:r>
-          </a:p>
-        </p:txBody>
-      </p:sp>
-      <p:cxnSp>
-        <p:nvCxnSpPr>
-          <p:cNvPr id="6" name="Straight Connector 5"/>
-          <p:cNvCxnSpPr/>
-          <p:nvPr/>
-        </p:nvCxnSpPr>
-        <p:spPr>
-          <a:xfrm>
-            <a:off x="0" y="461665"/>
-            <a:ext cx="9144000" cy="0"/>
-          </a:xfrm>
-          <a:prstGeom prst="line">
-            <a:avLst/>
-          </a:prstGeom>
-        </p:spPr>
-        <p:style>
-          <a:lnRef idx="3">
-            <a:schemeClr val="accent2"/>
-          </a:lnRef>
-          <a:fillRef idx="0">
-            <a:schemeClr val="accent2"/>
-          </a:fillRef>
-          <a:effectRef idx="2">
-            <a:schemeClr val="accent2"/>
-          </a:effectRef>
-          <a:fontRef idx="minor">
-            <a:schemeClr val="tx1"/>
-          </a:fontRef>
-        </p:style>
-      </p:cxnSp>
-      <p:cxnSp>
-        <p:nvCxnSpPr>
-          <p:cNvPr id="7" name="Straight Connector 6"/>
-          <p:cNvCxnSpPr/>
-          <p:nvPr/>
-        </p:nvCxnSpPr>
-        <p:spPr>
-          <a:xfrm>
-            <a:off x="5791200" y="0"/>
-            <a:ext cx="0" cy="1752600"/>
-          </a:xfrm>
-          <a:prstGeom prst="line">
-            <a:avLst/>
-          </a:prstGeom>
-        </p:spPr>
-        <p:style>
-          <a:lnRef idx="3">
-            <a:schemeClr val="accent2"/>
-          </a:lnRef>
-          <a:fillRef idx="0">
-            <a:schemeClr val="accent2"/>
-          </a:fillRef>
-          <a:effectRef idx="2">
-            <a:schemeClr val="accent2"/>
-          </a:effectRef>
-          <a:fontRef idx="minor">
-            <a:schemeClr val="tx1"/>
-          </a:fontRef>
-        </p:style>
-      </p:cxnSp>
-      <p:sp>
-        <p:nvSpPr>
-          <p:cNvPr id="8" name="TextBox 7"/>
-          <p:cNvSpPr txBox="1"/>
-          <p:nvPr/>
-        </p:nvSpPr>
-        <p:spPr>
-          <a:xfrm>
-            <a:off x="152400" y="609600"/>
-            <a:ext cx="5486400" cy="923330"/>
-          </a:xfrm>
-          <a:prstGeom prst="rect">
-            <a:avLst/>
-          </a:prstGeom>
-          <a:noFill/>
-        </p:spPr>
-        <p:txBody>
-          <a:bodyPr wrap="square" rtlCol="0">
-            <a:spAutoFit/>
-          </a:bodyPr>
-          <a:lstStyle/>
-          <a:p>
-            <a:pPr marL="457200" indent="-457200">
-              <a:buClr>
-                <a:schemeClr val="tx1"/>
-              </a:buClr>
-              <a:buFont typeface="+mj-lt"/>
-              <a:buAutoNum type="arabicPeriod"/>
-            </a:pPr>
-            <a:r>
-              <a:rPr lang="en-US" dirty="0">
-                <a:solidFill>
-                  <a:schemeClr val="accent2"/>
-                </a:solidFill>
-              </a:rPr>
-              <a:t>Analysis</a:t>
-            </a:r>
-            <a:endParaRPr lang="en-US" dirty="0"/>
-          </a:p>
-          <a:p>
-            <a:pPr marL="457200" indent="-457200">
-              <a:buClr>
-                <a:schemeClr val="tx1"/>
-              </a:buClr>
-              <a:buFont typeface="+mj-lt"/>
-              <a:buAutoNum type="arabicPeriod"/>
-            </a:pPr>
-            <a:r>
-              <a:rPr lang="en-US" dirty="0" smtClean="0"/>
-              <a:t>Sprints</a:t>
-            </a:r>
-            <a:endParaRPr lang="en-US" dirty="0"/>
-          </a:p>
-          <a:p>
-            <a:pPr marL="457200" indent="-457200">
-              <a:buClr>
-                <a:schemeClr val="tx1"/>
-              </a:buClr>
-              <a:buFont typeface="+mj-lt"/>
-              <a:buAutoNum type="arabicPeriod"/>
-            </a:pPr>
-            <a:r>
-              <a:rPr lang="en-US" dirty="0" smtClean="0"/>
-              <a:t>Live Demo</a:t>
-            </a:r>
-            <a:endParaRPr lang="en-US" dirty="0"/>
-          </a:p>
-        </p:txBody>
-      </p:sp>
-      <p:sp>
-        <p:nvSpPr>
-          <p:cNvPr id="11" name="Title 10"/>
-          <p:cNvSpPr>
-            <a:spLocks noGrp="1"/>
-          </p:cNvSpPr>
-          <p:nvPr>
-            <p:ph type="title"/>
-          </p:nvPr>
-        </p:nvSpPr>
-        <p:spPr>
-          <a:xfrm>
-            <a:off x="352044" y="2057400"/>
-            <a:ext cx="8439912" cy="1002526"/>
-          </a:xfrm>
-        </p:spPr>
-        <p:txBody>
-          <a:bodyPr/>
-          <a:lstStyle/>
-          <a:p>
-            <a:r>
-              <a:rPr lang="en-US" dirty="0" smtClean="0"/>
-              <a:t>Analysis:</a:t>
-            </a:r>
-            <a:endParaRPr lang="en-US" dirty="0"/>
-          </a:p>
-        </p:txBody>
-      </p:sp>
-      <p:sp>
-        <p:nvSpPr>
-          <p:cNvPr id="14" name="Subtitle 13"/>
-          <p:cNvSpPr>
-            <a:spLocks noGrp="1"/>
-          </p:cNvSpPr>
-          <p:nvPr>
-            <p:ph type="subTitle" idx="1"/>
-          </p:nvPr>
-        </p:nvSpPr>
-        <p:spPr>
-          <a:xfrm>
-            <a:off x="381000" y="3429000"/>
-            <a:ext cx="7924800" cy="3276600"/>
-          </a:xfrm>
-        </p:spPr>
-        <p:txBody>
-          <a:bodyPr>
-            <a:normAutofit/>
-          </a:bodyPr>
-          <a:lstStyle/>
-          <a:p>
-            <a:pPr marL="342900" indent="-342900">
-              <a:buFont typeface="+mj-lt"/>
-              <a:buAutoNum type="arabicPeriod"/>
-            </a:pPr>
-            <a:r>
-              <a:rPr lang="en-US" i="0" dirty="0" smtClean="0"/>
-              <a:t>Use SSR’s to power lights on and off</a:t>
-            </a:r>
-            <a:endParaRPr lang="en-US" i="0" dirty="0"/>
-          </a:p>
-          <a:p>
-            <a:pPr marL="342900" indent="-342900">
-              <a:buFont typeface="+mj-lt"/>
-              <a:buAutoNum type="arabicPeriod"/>
-            </a:pPr>
-            <a:r>
-              <a:rPr lang="en-US" i="0" dirty="0" smtClean="0"/>
-              <a:t>Laptop running XBMC, connected to a separate controller</a:t>
-            </a:r>
-          </a:p>
-          <a:p>
-            <a:pPr marL="342900" indent="-342900">
-              <a:buFont typeface="+mj-lt"/>
-              <a:buAutoNum type="arabicPeriod"/>
-            </a:pPr>
-            <a:r>
-              <a:rPr lang="en-US" i="0" dirty="0" smtClean="0"/>
-              <a:t>Connect controller to SSR’s</a:t>
-            </a:r>
-          </a:p>
-          <a:p>
-            <a:pPr marL="342900" indent="-342900">
-              <a:buFont typeface="+mj-lt"/>
-              <a:buAutoNum type="arabicPeriod"/>
-            </a:pPr>
-            <a:r>
-              <a:rPr lang="en-US" i="0" dirty="0" smtClean="0"/>
-              <a:t>Develop an iPhone app that can connect to the system from any wireless location</a:t>
-            </a:r>
-            <a:endParaRPr lang="en-US" i="0" dirty="0"/>
-          </a:p>
-          <a:p>
-            <a:endParaRPr lang="en-US" dirty="0"/>
-          </a:p>
-        </p:txBody>
-      </p:sp>
-      <p:pic>
-        <p:nvPicPr>
-          <p:cNvPr id="12" name="Picture 2" descr="http://3.bp.blogspot.com/-rMWOJSD6B08/TviTPhqHvAI/AAAAAAAAAbg/xMHjQIMeY9Y/s1600/ChristmasLights.png"/>
-          <p:cNvPicPr>
-            <a:picLocks noChangeAspect="1" noChangeArrowheads="1"/>
-          </p:cNvPicPr>
-          <p:nvPr/>
-        </p:nvPicPr>
-        <p:blipFill>
-          <a:blip r:embed="rId2" cstate="print">
-            <a:extLst>
-              <a:ext uri="{28A0092B-C50C-407E-A947-70E740481C1C}">
-                <a14:useLocalDpi xmlns:a14="http://schemas.microsoft.com/office/drawing/2010/main" xmlns:p="http://schemas.openxmlformats.org/presentationml/2006/main" xmlns:r="http://schemas.openxmlformats.org/officeDocument/2006/relationships" xmlns:a="http://schemas.openxmlformats.org/drawingml/2006/main" xmlns="" val="0"/>
-              </a:ext>
-            </a:extLst>
-          </a:blip>
-          <a:srcRect/>
-          <a:stretch>
-            <a:fillRect/>
-          </a:stretch>
-        </p:blipFill>
-        <p:spPr bwMode="auto">
-          <a:xfrm>
-            <a:off x="5852615" y="0"/>
-            <a:ext cx="3352800" cy="626533"/>
-          </a:xfrm>
-          <a:prstGeom prst="rect">
-            <a:avLst/>
-          </a:prstGeom>
-          <a:noFill/>
-          <a:extLst>
-            <a:ext uri="{909E8E84-426E-40DD-AFC4-6F175D3DCCD1}">
-              <a14:hiddenFill xmlns:a14="http://schemas.microsoft.com/office/drawing/2010/main" xmlns:p="http://schemas.openxmlformats.org/presentationml/2006/main" xmlns:r="http://schemas.openxmlformats.org/officeDocument/2006/relationships" xmlns:a="http://schemas.openxmlformats.org/drawingml/2006/main" xmlns="">
-                <a:solidFill>
-                  <a:srgbClr val="FFFFFF"/>
-                </a:solidFill>
-              </a14:hiddenFill>
-            </a:ext>
-          </a:extLst>
-        </p:spPr>
-      </p:pic>
-    </p:spTree>
-    <p:extLst>
-      <p:ext uri="{BB962C8B-B14F-4D97-AF65-F5344CB8AC3E}">
-        <p14:creationId xmlns:p14="http://schemas.microsoft.com/office/powerpoint/2010/main" xmlns:p="http://schemas.openxmlformats.org/presentationml/2006/main" xmlns:r="http://schemas.openxmlformats.org/officeDocument/2006/relationships" xmlns:a="http://schemas.openxmlformats.org/drawingml/2006/main" xmlns="" val="117187453"/>
-      </p:ext>
-    </p:extLst>
-  </p:cSld>
-  <p:clrMapOvr>
-    <a:masterClrMapping/>
-  </p:clrMapOvr>
-  <p:transition spd="slow">
-    <p:pull/>
-  </p:transition>
-  <p:timing>
-    <p:tnLst>
-      <p:par>
-        <p:cTn id="1" dur="indefinite" restart="never" nodeType="tmRoot"/>
-      </p:par>
-    </p:tnLst>
-  </p:timing>
-</p:sld>
-</file>
-
-<file path=ppt/slides/slide4.xml><?xml version="1.0" encoding="utf-8"?>
-<p:sld xmlns:a="http://schemas.openxmlformats.org/drawingml/2006/main" xmlns:r="http://schemas.openxmlformats.org/officeDocument/2006/relationships" xmlns:mc="http://schemas.openxmlformats.org/markup-compatibility/2006" xmlns:mv="urn:schemas-microsoft-com:mac:vml" xmlns:p="http://schemas.openxmlformats.org/presentationml/2006/main" mc:Ignorable="mv" mc:PreserveAttributes="mv:*">
-  <p:cSld>
-    <p:spTree>
-      <p:nvGrpSpPr>
-        <p:cNvPr id="1" name=""/>
-        <p:cNvGrpSpPr/>
-        <p:nvPr/>
-      </p:nvGrpSpPr>
-      <p:grpSpPr>
-        <a:xfrm>
-          <a:off x="0" y="0"/>
-          <a:ext cx="0" cy="0"/>
-          <a:chOff x="0" y="0"/>
-          <a:chExt cx="0" cy="0"/>
-        </a:xfrm>
-      </p:grpSpPr>
-      <p:sp>
-        <p:nvSpPr>
-          <p:cNvPr id="2" name="Subtitle 1"/>
-          <p:cNvSpPr>
-            <a:spLocks noGrp="1"/>
-          </p:cNvSpPr>
-          <p:nvPr>
-            <p:ph type="subTitle" idx="1"/>
-          </p:nvPr>
-        </p:nvSpPr>
-        <p:spPr>
-          <a:xfrm>
-            <a:off x="381000" y="3429000"/>
-            <a:ext cx="6581775" cy="1940298"/>
-          </a:xfrm>
-        </p:spPr>
-        <p:txBody>
-          <a:bodyPr>
-            <a:normAutofit fontScale="77500" lnSpcReduction="20000"/>
+            <a:normAutofit fontScale="32500" lnSpcReduction="20000"/>
           </a:bodyPr>
           <a:lstStyle/>
           <a:p>
@@ -5305,426 +4764,6 @@
             <a:endParaRPr lang="en-US" dirty="0" smtClean="0"/>
           </a:p>
           <a:p>
-            <a:pPr marL="457200" indent="-457200">
-              <a:buFont typeface="+mj-lt"/>
-              <a:buAutoNum type="arabicPeriod"/>
-            </a:pPr>
-            <a:r>
-              <a:rPr lang="en-US" sz="2100" i="0" dirty="0"/>
-              <a:t>Configure EC2 server to act as middleman between iPhone app and </a:t>
-            </a:r>
-            <a:r>
-              <a:rPr lang="en-US" sz="2100" i="0" dirty="0" smtClean="0"/>
-              <a:t>Christmas lights</a:t>
-            </a:r>
-            <a:endParaRPr lang="en-US" sz="2100" i="0" dirty="0"/>
-          </a:p>
-          <a:p>
-            <a:pPr marL="457200" indent="-457200">
-              <a:buFont typeface="+mj-lt"/>
-              <a:buAutoNum type="arabicPeriod"/>
-            </a:pPr>
-            <a:r>
-              <a:rPr lang="en-US" sz="2100" i="0" dirty="0"/>
-              <a:t>Develop </a:t>
-            </a:r>
-            <a:r>
-              <a:rPr lang="en-US" sz="2100" i="0" dirty="0" err="1"/>
-              <a:t>RESTful</a:t>
-            </a:r>
-            <a:r>
-              <a:rPr lang="en-US" sz="2100" i="0" dirty="0"/>
-              <a:t> web service to allow iPhone to send commands and Raspberry Pi to </a:t>
-            </a:r>
-            <a:r>
-              <a:rPr lang="en-US" sz="2100" i="0" dirty="0" smtClean="0"/>
-              <a:t>get commands</a:t>
-            </a:r>
-            <a:endParaRPr lang="en-US" sz="2100" i="0" dirty="0"/>
-          </a:p>
-          <a:p>
-            <a:pPr marL="457200" indent="-457200">
-              <a:buFont typeface="+mj-lt"/>
-              <a:buAutoNum type="arabicPeriod"/>
-            </a:pPr>
-            <a:r>
-              <a:rPr lang="en-US" sz="2100" i="0" dirty="0"/>
-              <a:t>Begin connecting </a:t>
-            </a:r>
-            <a:r>
-              <a:rPr lang="en-US" sz="2100" i="0" dirty="0" err="1"/>
-              <a:t>iOS</a:t>
-            </a:r>
-            <a:r>
-              <a:rPr lang="en-US" sz="2100" i="0" dirty="0"/>
-              <a:t> framework to UI</a:t>
-            </a:r>
-            <a:endParaRPr lang="en-US" sz="2100" dirty="0"/>
-          </a:p>
-        </p:txBody>
-      </p:sp>
-      <p:sp>
-        <p:nvSpPr>
-          <p:cNvPr id="3" name="Title 2"/>
-          <p:cNvSpPr>
-            <a:spLocks noGrp="1"/>
-          </p:cNvSpPr>
-          <p:nvPr>
-            <p:ph type="title"/>
-          </p:nvPr>
-        </p:nvSpPr>
-        <p:spPr/>
-        <p:txBody>
-          <a:bodyPr anchor="t"/>
-          <a:lstStyle/>
-          <a:p>
-            <a:r>
-              <a:rPr dirty="0" smtClean="0"/>
-              <a:t>Sprint 4</a:t>
-            </a:r>
-            <a:r>
-              <a:rPr lang="en-US" dirty="0" smtClean="0"/>
-              <a:t>:</a:t>
-            </a:r>
-            <a:endParaRPr lang="en-US" dirty="0"/>
-          </a:p>
-        </p:txBody>
-      </p:sp>
-      <p:sp>
-        <p:nvSpPr>
-          <p:cNvPr id="5" name="TextBox 4"/>
-          <p:cNvSpPr txBox="1"/>
-          <p:nvPr/>
-        </p:nvSpPr>
-        <p:spPr>
-          <a:xfrm>
-            <a:off x="0" y="1"/>
-            <a:ext cx="5638800" cy="461665"/>
-          </a:xfrm>
-          <a:prstGeom prst="rect">
-            <a:avLst/>
-          </a:prstGeom>
-          <a:noFill/>
-        </p:spPr>
-        <p:txBody>
-          <a:bodyPr wrap="square" rtlCol="0">
-            <a:spAutoFit/>
-          </a:bodyPr>
-          <a:lstStyle/>
-          <a:p>
-            <a:r>
-              <a:rPr lang="en-US" sz="2400" dirty="0"/>
-              <a:t>Christmas Lights Animation</a:t>
-            </a:r>
-          </a:p>
-        </p:txBody>
-      </p:sp>
-      <p:cxnSp>
-        <p:nvCxnSpPr>
-          <p:cNvPr id="6" name="Straight Connector 5"/>
-          <p:cNvCxnSpPr/>
-          <p:nvPr/>
-        </p:nvCxnSpPr>
-        <p:spPr>
-          <a:xfrm>
-            <a:off x="0" y="461665"/>
-            <a:ext cx="9144000" cy="0"/>
-          </a:xfrm>
-          <a:prstGeom prst="line">
-            <a:avLst/>
-          </a:prstGeom>
-        </p:spPr>
-        <p:style>
-          <a:lnRef idx="3">
-            <a:schemeClr val="accent2"/>
-          </a:lnRef>
-          <a:fillRef idx="0">
-            <a:schemeClr val="accent2"/>
-          </a:fillRef>
-          <a:effectRef idx="2">
-            <a:schemeClr val="accent2"/>
-          </a:effectRef>
-          <a:fontRef idx="minor">
-            <a:schemeClr val="tx1"/>
-          </a:fontRef>
-        </p:style>
-      </p:cxnSp>
-      <p:cxnSp>
-        <p:nvCxnSpPr>
-          <p:cNvPr id="7" name="Straight Connector 6"/>
-          <p:cNvCxnSpPr/>
-          <p:nvPr/>
-        </p:nvCxnSpPr>
-        <p:spPr>
-          <a:xfrm>
-            <a:off x="5791200" y="0"/>
-            <a:ext cx="0" cy="1752600"/>
-          </a:xfrm>
-          <a:prstGeom prst="line">
-            <a:avLst/>
-          </a:prstGeom>
-        </p:spPr>
-        <p:style>
-          <a:lnRef idx="3">
-            <a:schemeClr val="accent2"/>
-          </a:lnRef>
-          <a:fillRef idx="0">
-            <a:schemeClr val="accent2"/>
-          </a:fillRef>
-          <a:effectRef idx="2">
-            <a:schemeClr val="accent2"/>
-          </a:effectRef>
-          <a:fontRef idx="minor">
-            <a:schemeClr val="tx1"/>
-          </a:fontRef>
-        </p:style>
-      </p:cxnSp>
-      <p:sp>
-        <p:nvSpPr>
-          <p:cNvPr id="8" name="TextBox 7"/>
-          <p:cNvSpPr txBox="1"/>
-          <p:nvPr/>
-        </p:nvSpPr>
-        <p:spPr>
-          <a:xfrm>
-            <a:off x="5852615" y="635633"/>
-            <a:ext cx="2514600" cy="923330"/>
-          </a:xfrm>
-          <a:prstGeom prst="rect">
-            <a:avLst/>
-          </a:prstGeom>
-          <a:noFill/>
-        </p:spPr>
-        <p:txBody>
-          <a:bodyPr wrap="square" rtlCol="0">
-            <a:spAutoFit/>
-          </a:bodyPr>
-          <a:lstStyle/>
-          <a:p>
-            <a:pPr marL="457200" indent="-457200">
-              <a:buClr>
-                <a:schemeClr val="tx1"/>
-              </a:buClr>
-              <a:buFont typeface="+mj-lt"/>
-              <a:buAutoNum type="arabicPeriod"/>
-            </a:pPr>
-            <a:r>
-              <a:rPr lang="en-US" dirty="0" smtClean="0">
-                <a:solidFill>
-                  <a:srgbClr val="FFC000"/>
-                </a:solidFill>
-              </a:rPr>
-              <a:t>Sprint 4</a:t>
-            </a:r>
-          </a:p>
-          <a:p>
-            <a:pPr marL="457200" indent="-457200">
-              <a:buClr>
-                <a:schemeClr val="tx1"/>
-              </a:buClr>
-              <a:buFont typeface="+mj-lt"/>
-              <a:buAutoNum type="arabicPeriod"/>
-            </a:pPr>
-            <a:r>
-              <a:rPr lang="en-US" dirty="0" smtClean="0"/>
-              <a:t>Sprint 5</a:t>
-            </a:r>
-          </a:p>
-          <a:p>
-            <a:pPr marL="457200" indent="-457200">
-              <a:buClr>
-                <a:schemeClr val="tx1"/>
-              </a:buClr>
-              <a:buFont typeface="+mj-lt"/>
-              <a:buAutoNum type="arabicPeriod"/>
-            </a:pPr>
-            <a:r>
-              <a:rPr lang="en-US" dirty="0" smtClean="0"/>
-              <a:t>Backlog</a:t>
-            </a:r>
-            <a:endParaRPr lang="en-US" dirty="0"/>
-          </a:p>
-        </p:txBody>
-      </p:sp>
-      <p:pic>
-        <p:nvPicPr>
-          <p:cNvPr id="10" name="Picture 2" descr="http://3.bp.blogspot.com/-rMWOJSD6B08/TviTPhqHvAI/AAAAAAAAAbg/xMHjQIMeY9Y/s1600/ChristmasLights.png"/>
-          <p:cNvPicPr>
-            <a:picLocks noChangeAspect="1" noChangeArrowheads="1"/>
-          </p:cNvPicPr>
-          <p:nvPr/>
-        </p:nvPicPr>
-        <p:blipFill>
-          <a:blip r:embed="rId2" cstate="print">
-            <a:extLst>
-              <a:ext uri="{28A0092B-C50C-407E-A947-70E740481C1C}">
-                <a14:useLocalDpi xmlns:a14="http://schemas.microsoft.com/office/drawing/2010/main" xmlns:p="http://schemas.openxmlformats.org/presentationml/2006/main" xmlns:r="http://schemas.openxmlformats.org/officeDocument/2006/relationships" xmlns:a="http://schemas.openxmlformats.org/drawingml/2006/main" xmlns="" val="0"/>
-              </a:ext>
-            </a:extLst>
-          </a:blip>
-          <a:srcRect/>
-          <a:stretch>
-            <a:fillRect/>
-          </a:stretch>
-        </p:blipFill>
-        <p:spPr bwMode="auto">
-          <a:xfrm>
-            <a:off x="5852615" y="1"/>
-            <a:ext cx="3352800" cy="626533"/>
-          </a:xfrm>
-          <a:prstGeom prst="rect">
-            <a:avLst/>
-          </a:prstGeom>
-          <a:noFill/>
-          <a:extLst>
-            <a:ext uri="{909E8E84-426E-40DD-AFC4-6F175D3DCCD1}">
-              <a14:hiddenFill xmlns:a14="http://schemas.microsoft.com/office/drawing/2010/main" xmlns:p="http://schemas.openxmlformats.org/presentationml/2006/main" xmlns:r="http://schemas.openxmlformats.org/officeDocument/2006/relationships" xmlns:a="http://schemas.openxmlformats.org/drawingml/2006/main" xmlns="">
-                <a:solidFill>
-                  <a:srgbClr val="FFFFFF"/>
-                </a:solidFill>
-              </a14:hiddenFill>
-            </a:ext>
-          </a:extLst>
-        </p:spPr>
-      </p:pic>
-      <p:sp>
-        <p:nvSpPr>
-          <p:cNvPr id="9" name="TextBox 8"/>
-          <p:cNvSpPr txBox="1"/>
-          <p:nvPr/>
-        </p:nvSpPr>
-        <p:spPr>
-          <a:xfrm>
-            <a:off x="152400" y="609600"/>
-            <a:ext cx="5486400" cy="923330"/>
-          </a:xfrm>
-          <a:prstGeom prst="rect">
-            <a:avLst/>
-          </a:prstGeom>
-          <a:noFill/>
-        </p:spPr>
-        <p:txBody>
-          <a:bodyPr wrap="square" rtlCol="0">
-            <a:spAutoFit/>
-          </a:bodyPr>
-          <a:lstStyle/>
-          <a:p>
-            <a:pPr marL="457200" indent="-457200">
-              <a:buClr>
-                <a:schemeClr val="tx1"/>
-              </a:buClr>
-              <a:buFont typeface="+mj-lt"/>
-              <a:buAutoNum type="arabicPeriod"/>
-            </a:pPr>
-            <a:r>
-              <a:rPr lang="en-US" dirty="0"/>
-              <a:t>Analysis</a:t>
-            </a:r>
-          </a:p>
-          <a:p>
-            <a:pPr marL="457200" indent="-457200">
-              <a:buClr>
-                <a:schemeClr val="tx1"/>
-              </a:buClr>
-              <a:buFont typeface="+mj-lt"/>
-              <a:buAutoNum type="arabicPeriod"/>
-            </a:pPr>
-            <a:r>
-              <a:rPr lang="en-US" dirty="0" smtClean="0">
-                <a:solidFill>
-                  <a:schemeClr val="accent2"/>
-                </a:solidFill>
-              </a:rPr>
-              <a:t>Sprints</a:t>
-            </a:r>
-            <a:endParaRPr lang="en-US" dirty="0">
-              <a:solidFill>
-                <a:schemeClr val="accent2"/>
-              </a:solidFill>
-            </a:endParaRPr>
-          </a:p>
-          <a:p>
-            <a:pPr marL="457200" indent="-457200">
-              <a:buClr>
-                <a:schemeClr val="tx1"/>
-              </a:buClr>
-              <a:buFont typeface="+mj-lt"/>
-              <a:buAutoNum type="arabicPeriod"/>
-            </a:pPr>
-            <a:r>
-              <a:rPr lang="en-US" dirty="0" smtClean="0"/>
-              <a:t>Live Demo</a:t>
-            </a:r>
-            <a:endParaRPr lang="en-US" dirty="0"/>
-          </a:p>
-        </p:txBody>
-      </p:sp>
-    </p:spTree>
-    <p:extLst>
-      <p:ext uri="{BB962C8B-B14F-4D97-AF65-F5344CB8AC3E}">
-        <p14:creationId xmlns:p14="http://schemas.microsoft.com/office/powerpoint/2010/main" xmlns:p="http://schemas.openxmlformats.org/presentationml/2006/main" xmlns:r="http://schemas.openxmlformats.org/officeDocument/2006/relationships" xmlns:a="http://schemas.openxmlformats.org/drawingml/2006/main" xmlns="" val="423157456"/>
-      </p:ext>
-    </p:extLst>
-  </p:cSld>
-  <p:clrMapOvr>
-    <a:masterClrMapping/>
-  </p:clrMapOvr>
-  <p:timing>
-    <p:tnLst>
-      <p:par>
-        <p:cTn id="1" dur="indefinite" restart="never" nodeType="tmRoot"/>
-      </p:par>
-    </p:tnLst>
-  </p:timing>
-</p:sld>
-</file>
-
-<file path=ppt/slides/slide5.xml><?xml version="1.0" encoding="utf-8"?>
-<p:sld xmlns:a="http://schemas.openxmlformats.org/drawingml/2006/main" xmlns:r="http://schemas.openxmlformats.org/officeDocument/2006/relationships" xmlns:mc="http://schemas.openxmlformats.org/markup-compatibility/2006" xmlns:mv="urn:schemas-microsoft-com:mac:vml" xmlns:p="http://schemas.openxmlformats.org/presentationml/2006/main" mc:Ignorable="mv" mc:PreserveAttributes="mv:*">
-  <p:cSld>
-    <p:spTree>
-      <p:nvGrpSpPr>
-        <p:cNvPr id="1" name=""/>
-        <p:cNvGrpSpPr/>
-        <p:nvPr/>
-      </p:nvGrpSpPr>
-      <p:grpSpPr>
-        <a:xfrm>
-          <a:off x="0" y="0"/>
-          <a:ext cx="0" cy="0"/>
-          <a:chOff x="0" y="0"/>
-          <a:chExt cx="0" cy="0"/>
-        </a:xfrm>
-      </p:grpSpPr>
-      <p:sp>
-        <p:nvSpPr>
-          <p:cNvPr id="2" name="Subtitle 1"/>
-          <p:cNvSpPr>
-            <a:spLocks noGrp="1"/>
-          </p:cNvSpPr>
-          <p:nvPr>
-            <p:ph type="subTitle" idx="1"/>
-          </p:nvPr>
-        </p:nvSpPr>
-        <p:spPr>
-          <a:xfrm>
-            <a:off x="381000" y="3429000"/>
-            <a:ext cx="6581775" cy="2133600"/>
-          </a:xfrm>
-        </p:spPr>
-        <p:txBody>
-          <a:bodyPr>
-            <a:normAutofit fontScale="25000" lnSpcReduction="20000"/>
-          </a:bodyPr>
-          <a:lstStyle/>
-          <a:p>
-            <a:pPr marL="457200" indent="-457200">
-              <a:buFont typeface="+mj-lt"/>
-              <a:buAutoNum type="arabicPeriod"/>
-            </a:pPr>
-            <a:endParaRPr lang="en-US" dirty="0" smtClean="0"/>
-          </a:p>
-          <a:p>
             <a:endParaRPr lang="en-US" i="0" dirty="0"/>
           </a:p>
           <a:p>
@@ -5739,36 +4778,8 @@
               <a:buAutoNum type="arabicPeriod"/>
             </a:pPr>
             <a:r>
-              <a:rPr lang="fr-FR" sz="7200" i="0" dirty="0" err="1"/>
-              <a:t>I</a:t>
-            </a:r>
-            <a:r>
-              <a:rPr lang="fr-FR" sz="7200" i="0" dirty="0" err="1" smtClean="0"/>
-              <a:t>mplement</a:t>
-            </a:r>
-            <a:r>
-              <a:rPr lang="fr-FR" sz="7200" i="0" dirty="0" smtClean="0"/>
-              <a:t> </a:t>
-            </a:r>
-            <a:r>
-              <a:rPr lang="fr-FR" sz="7200" i="0" dirty="0"/>
-              <a:t>client code on </a:t>
-            </a:r>
-            <a:r>
-              <a:rPr lang="fr-FR" sz="7200" i="0" dirty="0" err="1"/>
-              <a:t>Raspberry</a:t>
-            </a:r>
-            <a:r>
-              <a:rPr lang="fr-FR" sz="7200" i="0" dirty="0"/>
-              <a:t> Pi/</a:t>
-            </a:r>
-            <a:r>
-              <a:rPr lang="fr-FR" sz="7200" i="0" dirty="0" err="1"/>
-              <a:t>laptop</a:t>
-            </a:r>
-            <a:r>
-              <a:rPr lang="fr-FR" sz="7200" i="0" dirty="0"/>
-              <a:t> </a:t>
+              <a:rPr lang="en-US" sz="7200" i="0" dirty="0" smtClean="0"/>
+              <a:t>Test web service</a:t>
             </a:r>
           </a:p>
           <a:p>
@@ -5777,16 +4788,8 @@
               <a:buAutoNum type="arabicPeriod"/>
             </a:pPr>
             <a:r>
-              <a:rPr lang="en-US" sz="7200" i="0" dirty="0"/>
-              <a:t>Refine </a:t>
-            </a:r>
-            <a:r>
-              <a:rPr lang="en-US" sz="7200" i="0" dirty="0" err="1"/>
-              <a:t>RESTful</a:t>
-            </a:r>
-            <a:r>
-              <a:rPr lang="en-US" sz="7200" i="0" dirty="0"/>
-              <a:t> web service on EC2 server </a:t>
+              <a:rPr lang="en-US" sz="7200" i="0" dirty="0" smtClean="0"/>
+              <a:t>Test client code</a:t>
             </a:r>
           </a:p>
           <a:p>
@@ -5796,22 +4799,15 @@
             </a:pPr>
             <a:r>
               <a:rPr lang="en-US" sz="7200" i="0" dirty="0" smtClean="0"/>
-              <a:t>Reworked app interface</a:t>
-            </a:r>
-            <a:endParaRPr lang="en-US" sz="7200" i="0" dirty="0"/>
-          </a:p>
-          <a:p>
-            <a:pPr marL="1143000" indent="-1143000">
-              <a:buFont typeface="+mj-lt"/>
-              <a:buAutoNum type="arabicPeriod"/>
-            </a:pPr>
+              <a:t>Test </a:t>
+            </a:r>
+            <a:r>
+              <a:rPr lang="en-US" sz="7200" i="0" dirty="0" err="1" smtClean="0"/>
+              <a:t>iOS</a:t>
+            </a:r>
             <a:r>
               <a:rPr lang="en-US" sz="7200" i="0" dirty="0" smtClean="0"/>
-              <a:t>Send </a:t>
-            </a:r>
-            <a:r>
-              <a:rPr lang="en-US" sz="7200" i="0" dirty="0"/>
-              <a:t>JSON from iPhone to server </a:t>
+              <a:t> App</a:t>
             </a:r>
           </a:p>
         </p:txBody>
@@ -5833,7 +4829,7 @@
           <a:p>
             <a:r>
               <a:rPr dirty="0" smtClean="0"/>
-              <a:t>Sprint 5</a:t>
+              <a:t>Backlog</a:t>
             </a:r>
             <a:r>
               <a:rPr lang="en-US" dirty="0" smtClean="0"/>
@@ -5944,7 +4940,7 @@
           <a:blip r:embed="rId2" cstate="print">
             <a:extLst>
               <a:ext uri="{28A0092B-C50C-407E-A947-70E740481C1C}">
-                <a14:useLocalDpi xmlns:a14="http://schemas.microsoft.com/office/drawing/2010/main" xmlns:p="http://schemas.openxmlformats.org/presentationml/2006/main" xmlns:r="http://schemas.openxmlformats.org/officeDocument/2006/relationships" xmlns:a="http://schemas.openxmlformats.org/drawingml/2006/main" xmlns="" val="0"/>
+                <a14:useLocalDpi xmlns:a14="http://schemas.microsoft.com/office/drawing/2010/main" val="0"/>
               </a:ext>
             </a:extLst>
           </a:blip>
@@ -5964,7 +4960,7 @@
           <a:noFill/>
           <a:extLst>
             <a:ext uri="{909E8E84-426E-40DD-AFC4-6F175D3DCCD1}">
-              <a14:hiddenFill xmlns:a14="http://schemas.microsoft.com/office/drawing/2010/main" xmlns:p="http://schemas.openxmlformats.org/presentationml/2006/main" xmlns:r="http://schemas.openxmlformats.org/officeDocument/2006/relationships" xmlns:a="http://schemas.openxmlformats.org/drawingml/2006/main" xmlns="">
+              <a14:hiddenFill xmlns:a14="http://schemas.microsoft.com/office/drawing/2010/main">
                 <a:solidFill>
                   <a:srgbClr val="FFFFFF"/>
                 </a:solidFill>
@@ -6016,11 +5012,7 @@
               <a:buAutoNum type="arabicPeriod"/>
             </a:pPr>
             <a:r>
-              <a:rPr lang="en-US" dirty="0" smtClean="0">
-                <a:solidFill>
-                  <a:schemeClr val="accent2"/>
-                </a:solidFill>
-              </a:rPr>
+              <a:rPr lang="en-US" dirty="0" smtClean="0"/>
               <a:t>Sprint 5</a:t>
             </a:r>
           </a:p>
@@ -6033,10 +5025,18 @@
               <a:buAutoNum type="arabicPeriod"/>
             </a:pPr>
             <a:r>
-              <a:rPr lang="en-US" dirty="0" smtClean="0"/>
+              <a:rPr lang="en-US" dirty="0" smtClean="0">
+                <a:solidFill>
+                  <a:schemeClr val="accent2"/>
+                </a:solidFill>
+              </a:rPr>
               <a:t>Backlog</a:t>
             </a:r>
-            <a:endParaRPr lang="en-US" dirty="0"/>
+            <a:endParaRPr lang="en-US" dirty="0">
+              <a:solidFill>
+                <a:schemeClr val="accent2"/>
+              </a:solidFill>
+            </a:endParaRPr>
           </a:p>
         </p:txBody>
       </p:sp>
@@ -6115,7 +5115,7 @@
     </p:spTree>
     <p:extLst>
       <p:ext uri="{BB962C8B-B14F-4D97-AF65-F5344CB8AC3E}">
-        <p14:creationId xmlns:p14="http://schemas.microsoft.com/office/powerpoint/2010/main" xmlns:p="http://schemas.openxmlformats.org/presentationml/2006/main" xmlns:r="http://schemas.openxmlformats.org/officeDocument/2006/relationships" xmlns:a="http://schemas.openxmlformats.org/drawingml/2006/main" xmlns="" val="516542529"/>
+        <p14:creationId xmlns:p14="http://schemas.microsoft.com/office/powerpoint/2010/main" val="2849923190"/>
       </p:ext>
     </p:extLst>
   </p:cSld>
@@ -6132,422 +5132,8 @@
 </p:sld>
 </file>
 
-<file path=ppt/slides/slide6.xml><?xml version="1.0" encoding="utf-8"?>
-<p:sld xmlns:a="http://schemas.openxmlformats.org/drawingml/2006/main" xmlns:r="http://schemas.openxmlformats.org/officeDocument/2006/relationships" xmlns:mc="http://schemas.openxmlformats.org/markup-compatibility/2006" xmlns:mv="urn:schemas-microsoft-com:mac:vml" xmlns:p="http://schemas.openxmlformats.org/presentationml/2006/main" mc:Ignorable="mv" mc:PreserveAttributes="mv:*">
-  <p:cSld>
-    <p:spTree>
-      <p:nvGrpSpPr>
-        <p:cNvPr id="1" name=""/>
-        <p:cNvGrpSpPr/>
-        <p:nvPr/>
-      </p:nvGrpSpPr>
-      <p:grpSpPr>
-        <a:xfrm>
-          <a:off x="0" y="0"/>
-          <a:ext cx="0" cy="0"/>
-          <a:chOff x="0" y="0"/>
-          <a:chExt cx="0" cy="0"/>
-        </a:xfrm>
-      </p:grpSpPr>
-      <p:sp>
-        <p:nvSpPr>
-          <p:cNvPr id="2" name="Subtitle 1"/>
-          <p:cNvSpPr>
-            <a:spLocks noGrp="1"/>
-          </p:cNvSpPr>
-          <p:nvPr>
-            <p:ph type="subTitle" idx="1"/>
-          </p:nvPr>
-        </p:nvSpPr>
-        <p:spPr>
-          <a:xfrm>
-            <a:off x="381000" y="3429000"/>
-            <a:ext cx="6581775" cy="2133600"/>
-          </a:xfrm>
-        </p:spPr>
-        <p:txBody>
-          <a:bodyPr>
-            <a:normAutofit fontScale="32500" lnSpcReduction="20000"/>
-          </a:bodyPr>
-          <a:lstStyle/>
-          <a:p>
-            <a:pPr marL="457200" indent="-457200">
-              <a:buFont typeface="+mj-lt"/>
-              <a:buAutoNum type="arabicPeriod"/>
-            </a:pPr>
-            <a:endParaRPr lang="en-US" dirty="0" smtClean="0"/>
-          </a:p>
-          <a:p>
-            <a:endParaRPr lang="en-US" i="0" dirty="0"/>
-          </a:p>
-          <a:p>
-            <a:r>
-              <a:rPr lang="en-US" i="0" dirty="0"/>
-              <a:t> </a:t>
-            </a:r>
-          </a:p>
-          <a:p>
-            <a:pPr marL="1143000" indent="-1143000">
-              <a:buFont typeface="+mj-lt"/>
-              <a:buAutoNum type="arabicPeriod"/>
-            </a:pPr>
-            <a:r>
-              <a:rPr lang="en-US" sz="7200" i="0" dirty="0" smtClean="0"/>
-              <a:t>Test web service</a:t>
-            </a:r>
-          </a:p>
-          <a:p>
-            <a:pPr marL="1143000" indent="-1143000">
-              <a:buFont typeface="+mj-lt"/>
-              <a:buAutoNum type="arabicPeriod"/>
-            </a:pPr>
-            <a:r>
-              <a:rPr lang="en-US" sz="7200" i="0" dirty="0" smtClean="0"/>
-              <a:t>Test client code</a:t>
-            </a:r>
-          </a:p>
-          <a:p>
-            <a:pPr marL="1143000" indent="-1143000">
-              <a:buFont typeface="+mj-lt"/>
-              <a:buAutoNum type="arabicPeriod"/>
-            </a:pPr>
-            <a:r>
-              <a:rPr lang="en-US" sz="7200" i="0" dirty="0" smtClean="0"/>
-              <a:t>Test </a:t>
-            </a:r>
-            <a:r>
-              <a:rPr lang="en-US" sz="7200" i="0" dirty="0" err="1" smtClean="0"/>
-              <a:t>iOS</a:t>
-            </a:r>
-            <a:r>
-              <a:rPr lang="en-US" sz="7200" i="0" dirty="0" smtClean="0"/>
-              <a:t> App</a:t>
-            </a:r>
-          </a:p>
-        </p:txBody>
-      </p:sp>
-      <p:sp>
-        <p:nvSpPr>
-          <p:cNvPr id="3" name="Title 2"/>
-          <p:cNvSpPr>
-            <a:spLocks noGrp="1"/>
-          </p:cNvSpPr>
-          <p:nvPr>
-            <p:ph type="title"/>
-          </p:nvPr>
-        </p:nvSpPr>
-        <p:spPr/>
-        <p:txBody>
-          <a:bodyPr anchor="t"/>
-          <a:lstStyle/>
-          <a:p>
-            <a:r>
-              <a:rPr dirty="0" smtClean="0"/>
-              <a:t>Backlog</a:t>
-            </a:r>
-            <a:r>
-              <a:rPr lang="en-US" dirty="0" smtClean="0"/>
-              <a:t>:</a:t>
-            </a:r>
-            <a:endParaRPr lang="en-US" dirty="0"/>
-          </a:p>
-        </p:txBody>
-      </p:sp>
-      <p:sp>
-        <p:nvSpPr>
-          <p:cNvPr id="5" name="TextBox 4"/>
-          <p:cNvSpPr txBox="1"/>
-          <p:nvPr/>
-        </p:nvSpPr>
-        <p:spPr>
-          <a:xfrm>
-            <a:off x="0" y="1"/>
-            <a:ext cx="5638800" cy="461665"/>
-          </a:xfrm>
-          <a:prstGeom prst="rect">
-            <a:avLst/>
-          </a:prstGeom>
-          <a:noFill/>
-        </p:spPr>
-        <p:txBody>
-          <a:bodyPr wrap="square" rtlCol="0">
-            <a:spAutoFit/>
-          </a:bodyPr>
-          <a:lstStyle/>
-          <a:p>
-            <a:r>
-              <a:rPr lang="en-US" sz="2400" dirty="0"/>
-              <a:t>Christmas Lights Animation</a:t>
-            </a:r>
-          </a:p>
-        </p:txBody>
-      </p:sp>
-      <p:cxnSp>
-        <p:nvCxnSpPr>
-          <p:cNvPr id="6" name="Straight Connector 5"/>
-          <p:cNvCxnSpPr/>
-          <p:nvPr/>
-        </p:nvCxnSpPr>
-        <p:spPr>
-          <a:xfrm>
-            <a:off x="0" y="461665"/>
-            <a:ext cx="9144000" cy="0"/>
-          </a:xfrm>
-          <a:prstGeom prst="line">
-            <a:avLst/>
-          </a:prstGeom>
-        </p:spPr>
-        <p:style>
-          <a:lnRef idx="3">
-            <a:schemeClr val="accent2"/>
-          </a:lnRef>
-          <a:fillRef idx="0">
-            <a:schemeClr val="accent2"/>
-          </a:fillRef>
-          <a:effectRef idx="2">
-            <a:schemeClr val="accent2"/>
-          </a:effectRef>
-          <a:fontRef idx="minor">
-            <a:schemeClr val="tx1"/>
-          </a:fontRef>
-        </p:style>
-      </p:cxnSp>
-      <p:cxnSp>
-        <p:nvCxnSpPr>
-          <p:cNvPr id="7" name="Straight Connector 6"/>
-          <p:cNvCxnSpPr/>
-          <p:nvPr/>
-        </p:nvCxnSpPr>
-        <p:spPr>
-          <a:xfrm>
-            <a:off x="5791200" y="0"/>
-            <a:ext cx="0" cy="1752600"/>
-          </a:xfrm>
-          <a:prstGeom prst="line">
-            <a:avLst/>
-          </a:prstGeom>
-        </p:spPr>
-        <p:style>
-          <a:lnRef idx="3">
-            <a:schemeClr val="accent2"/>
-          </a:lnRef>
-          <a:fillRef idx="0">
-            <a:schemeClr val="accent2"/>
-          </a:fillRef>
-          <a:effectRef idx="2">
-            <a:schemeClr val="accent2"/>
-          </a:effectRef>
-          <a:fontRef idx="minor">
-            <a:schemeClr val="tx1"/>
-          </a:fontRef>
-        </p:style>
-      </p:cxnSp>
-      <p:pic>
-        <p:nvPicPr>
-          <p:cNvPr id="10" name="Picture 2" descr="http://3.bp.blogspot.com/-rMWOJSD6B08/TviTPhqHvAI/AAAAAAAAAbg/xMHjQIMeY9Y/s1600/ChristmasLights.png"/>
-          <p:cNvPicPr>
-            <a:picLocks noChangeAspect="1" noChangeArrowheads="1"/>
-          </p:cNvPicPr>
-          <p:nvPr/>
-        </p:nvPicPr>
-        <p:blipFill>
-          <a:blip r:embed="rId2" cstate="print">
-            <a:extLst>
-              <a:ext uri="{28A0092B-C50C-407E-A947-70E740481C1C}">
-                <a14:useLocalDpi xmlns:a14="http://schemas.microsoft.com/office/drawing/2010/main" xmlns:p="http://schemas.openxmlformats.org/presentationml/2006/main" xmlns:r="http://schemas.openxmlformats.org/officeDocument/2006/relationships" xmlns:a="http://schemas.openxmlformats.org/drawingml/2006/main" xmlns="" val="0"/>
-              </a:ext>
-            </a:extLst>
-          </a:blip>
-          <a:srcRect/>
-          <a:stretch>
-            <a:fillRect/>
-          </a:stretch>
-        </p:blipFill>
-        <p:spPr bwMode="auto">
-          <a:xfrm>
-            <a:off x="5852615" y="1"/>
-            <a:ext cx="3352800" cy="626533"/>
-          </a:xfrm>
-          <a:prstGeom prst="rect">
-            <a:avLst/>
-          </a:prstGeom>
-          <a:noFill/>
-          <a:extLst>
-            <a:ext uri="{909E8E84-426E-40DD-AFC4-6F175D3DCCD1}">
-              <a14:hiddenFill xmlns:a14="http://schemas.microsoft.com/office/drawing/2010/main" xmlns:p="http://schemas.openxmlformats.org/presentationml/2006/main" xmlns:r="http://schemas.openxmlformats.org/officeDocument/2006/relationships" xmlns:a="http://schemas.openxmlformats.org/drawingml/2006/main" xmlns="">
-                <a:solidFill>
-                  <a:srgbClr val="FFFFFF"/>
-                </a:solidFill>
-              </a14:hiddenFill>
-            </a:ext>
-          </a:extLst>
-        </p:spPr>
-      </p:pic>
-      <p:sp>
-        <p:nvSpPr>
-          <p:cNvPr id="9" name="TextBox 8"/>
-          <p:cNvSpPr txBox="1"/>
-          <p:nvPr/>
-        </p:nvSpPr>
-        <p:spPr>
-          <a:xfrm>
-            <a:off x="5852615" y="635633"/>
-            <a:ext cx="2514600" cy="923330"/>
-          </a:xfrm>
-          <a:prstGeom prst="rect">
-            <a:avLst/>
-          </a:prstGeom>
-          <a:noFill/>
-        </p:spPr>
-        <p:txBody>
-          <a:bodyPr wrap="square" rtlCol="0">
-            <a:spAutoFit/>
-          </a:bodyPr>
-          <a:lstStyle/>
-          <a:p>
-            <a:pPr marL="457200" indent="-457200">
-              <a:buClr>
-                <a:schemeClr val="tx1"/>
-              </a:buClr>
-              <a:buFont typeface="+mj-lt"/>
-              <a:buAutoNum type="arabicPeriod"/>
-            </a:pPr>
-            <a:r>
-              <a:rPr lang="en-US" dirty="0" smtClean="0"/>
-              <a:t>Sprint 4</a:t>
-            </a:r>
-          </a:p>
-          <a:p>
-            <a:pPr marL="457200" indent="-457200">
-              <a:buClr>
-                <a:schemeClr val="tx1"/>
-              </a:buClr>
-              <a:buFont typeface="+mj-lt"/>
-              <a:buAutoNum type="arabicPeriod"/>
-            </a:pPr>
-            <a:r>
-              <a:rPr lang="en-US" dirty="0" smtClean="0"/>
-              <a:t>Sprint 5</a:t>
-            </a:r>
-          </a:p>
-          <a:p>
-            <a:pPr marL="457200" indent="-457200">
-              <a:buClr>
-                <a:schemeClr val="tx1"/>
-              </a:buClr>
-              <a:buFont typeface="+mj-lt"/>
-              <a:buAutoNum type="arabicPeriod"/>
-            </a:pPr>
-            <a:r>
-              <a:rPr lang="en-US" dirty="0" smtClean="0">
-                <a:solidFill>
-                  <a:schemeClr val="accent2"/>
-                </a:solidFill>
-              </a:rPr>
-              <a:t>Backlog</a:t>
-            </a:r>
-            <a:endParaRPr lang="en-US" dirty="0">
-              <a:solidFill>
-                <a:schemeClr val="accent2"/>
-              </a:solidFill>
-            </a:endParaRPr>
-          </a:p>
-        </p:txBody>
-      </p:sp>
-      <p:sp>
-        <p:nvSpPr>
-          <p:cNvPr id="11" name="TextBox 10"/>
-          <p:cNvSpPr txBox="1"/>
-          <p:nvPr/>
-        </p:nvSpPr>
-        <p:spPr>
-          <a:xfrm>
-            <a:off x="152400" y="609600"/>
-            <a:ext cx="5486400" cy="923330"/>
-          </a:xfrm>
-          <a:prstGeom prst="rect">
-            <a:avLst/>
-          </a:prstGeom>
-          <a:noFill/>
-        </p:spPr>
-        <p:txBody>
-          <a:bodyPr wrap="square" rtlCol="0">
-            <a:spAutoFit/>
-          </a:bodyPr>
-          <a:lstStyle/>
-          <a:p>
-            <a:pPr marL="457200" indent="-457200">
-              <a:buClr>
-                <a:schemeClr val="tx1"/>
-              </a:buClr>
-              <a:buFont typeface="+mj-lt"/>
-              <a:buAutoNum type="arabicPeriod"/>
-            </a:pPr>
-            <a:r>
-              <a:rPr lang="en-US" dirty="0"/>
-              <a:t>Analysis</a:t>
-            </a:r>
-          </a:p>
-          <a:p>
-            <a:pPr marL="457200" indent="-457200">
-              <a:buClr>
-                <a:schemeClr val="tx1"/>
-              </a:buClr>
-              <a:buFont typeface="+mj-lt"/>
-              <a:buAutoNum type="arabicPeriod"/>
-            </a:pPr>
-            <a:r>
-              <a:rPr lang="en-US" dirty="0" smtClean="0">
-                <a:solidFill>
-                  <a:schemeClr val="accent2"/>
-                </a:solidFill>
-              </a:rPr>
-              <a:t>Sprints</a:t>
-            </a:r>
-            <a:endParaRPr lang="en-US" dirty="0">
-              <a:solidFill>
-                <a:schemeClr val="accent2"/>
-              </a:solidFill>
-            </a:endParaRPr>
-          </a:p>
-          <a:p>
-            <a:pPr marL="457200" indent="-457200">
-              <a:buClr>
-                <a:schemeClr val="tx1"/>
-              </a:buClr>
-              <a:buFont typeface="+mj-lt"/>
-              <a:buAutoNum type="arabicPeriod"/>
-            </a:pPr>
-            <a:r>
-              <a:rPr lang="en-US" dirty="0" smtClean="0"/>
-              <a:t>Live Demo</a:t>
-            </a:r>
-            <a:endParaRPr lang="en-US" dirty="0"/>
-          </a:p>
-        </p:txBody>
-      </p:sp>
-    </p:spTree>
-    <p:extLst>
-      <p:ext uri="{BB962C8B-B14F-4D97-AF65-F5344CB8AC3E}">
-        <p14:creationId xmlns:p14="http://schemas.microsoft.com/office/powerpoint/2010/main" xmlns:p="http://schemas.openxmlformats.org/presentationml/2006/main" xmlns:r="http://schemas.openxmlformats.org/officeDocument/2006/relationships" xmlns:a="http://schemas.openxmlformats.org/drawingml/2006/main" xmlns="" val="2849923190"/>
-      </p:ext>
-    </p:extLst>
-  </p:cSld>
-  <p:clrMapOvr>
-    <a:masterClrMapping/>
-  </p:clrMapOvr>
-  <p:timing>
-    <p:tnLst>
-      <p:par>
-        <p:cTn id="1" dur="indefinite" restart="never" nodeType="tmRoot"/>
-      </p:par>
-    </p:tnLst>
-  </p:timing>
-</p:sld>
-</file>
-
-<file path=ppt/slides/slide7.xml><?xml version="1.0" encoding="utf-8"?>
-<p:sld xmlns:a="http://schemas.openxmlformats.org/drawingml/2006/main" xmlns:r="http://schemas.openxmlformats.org/officeDocument/2006/relationships" xmlns:mc="http://schemas.openxmlformats.org/markup-compatibility/2006" xmlns:mv="urn:schemas-microsoft-com:mac:vml" xmlns:p="http://schemas.openxmlformats.org/presentationml/2006/main" mc:Ignorable="mv" mc:PreserveAttributes="mv:*">
+<file path=ppt/slides/slide11.xml><?xml version="1.0" encoding="utf-8"?>
+<p:sld xmlns:a="http://schemas.openxmlformats.org/drawingml/2006/main" xmlns:r="http://schemas.openxmlformats.org/officeDocument/2006/relationships" xmlns:p="http://schemas.openxmlformats.org/presentationml/2006/main">
   <p:cSld>
     <p:spTree>
       <p:nvGrpSpPr>
@@ -6688,7 +5274,7 @@
           <a:blip r:embed="rId3" cstate="print">
             <a:extLst>
               <a:ext uri="{28A0092B-C50C-407E-A947-70E740481C1C}">
-                <a14:useLocalDpi xmlns:a14="http://schemas.microsoft.com/office/drawing/2010/main" xmlns:p="http://schemas.openxmlformats.org/presentationml/2006/main" xmlns:r="http://schemas.openxmlformats.org/officeDocument/2006/relationships" xmlns:a="http://schemas.openxmlformats.org/drawingml/2006/main" xmlns="" val="0"/>
+                <a14:useLocalDpi xmlns:a14="http://schemas.microsoft.com/office/drawing/2010/main" val="0"/>
               </a:ext>
             </a:extLst>
           </a:blip>
@@ -6708,7 +5294,7 @@
           <a:noFill/>
           <a:extLst>
             <a:ext uri="{909E8E84-426E-40DD-AFC4-6F175D3DCCD1}">
-              <a14:hiddenFill xmlns:a14="http://schemas.microsoft.com/office/drawing/2010/main" xmlns:p="http://schemas.openxmlformats.org/presentationml/2006/main" xmlns:r="http://schemas.openxmlformats.org/officeDocument/2006/relationships" xmlns:a="http://schemas.openxmlformats.org/drawingml/2006/main" xmlns="">
+              <a14:hiddenFill xmlns:a14="http://schemas.microsoft.com/office/drawing/2010/main">
                 <a:solidFill>
                   <a:srgbClr val="FFFFFF"/>
                 </a:solidFill>
@@ -6729,7 +5315,7 @@
           <a:blip r:embed="rId4">
             <a:extLst>
               <a:ext uri="{28A0092B-C50C-407E-A947-70E740481C1C}">
-                <a14:useLocalDpi xmlns:a14="http://schemas.microsoft.com/office/drawing/2010/main" xmlns:p="http://schemas.openxmlformats.org/presentationml/2006/main" xmlns:r="http://schemas.openxmlformats.org/officeDocument/2006/relationships" xmlns:a="http://schemas.openxmlformats.org/drawingml/2006/main" xmlns="" val="0"/>
+                <a14:useLocalDpi xmlns:a14="http://schemas.microsoft.com/office/drawing/2010/main" val="0"/>
               </a:ext>
             </a:extLst>
           </a:blip>
@@ -6822,7 +5408,7 @@
     </p:spTree>
     <p:extLst>
       <p:ext uri="{BB962C8B-B14F-4D97-AF65-F5344CB8AC3E}">
-        <p14:creationId xmlns:p14="http://schemas.microsoft.com/office/powerpoint/2010/main" xmlns:p="http://schemas.openxmlformats.org/presentationml/2006/main" xmlns:r="http://schemas.openxmlformats.org/officeDocument/2006/relationships" xmlns:a="http://schemas.openxmlformats.org/drawingml/2006/main" xmlns="" val="3253568864"/>
+        <p14:creationId xmlns:p14="http://schemas.microsoft.com/office/powerpoint/2010/main" val="3253568864"/>
       </p:ext>
     </p:extLst>
   </p:cSld>
@@ -6839,8 +5425,8 @@
 </p:sld>
 </file>
 
-<file path=ppt/slides/slide8.xml><?xml version="1.0" encoding="utf-8"?>
-<p:sld xmlns:a="http://schemas.openxmlformats.org/drawingml/2006/main" xmlns:r="http://schemas.openxmlformats.org/officeDocument/2006/relationships" xmlns:mc="http://schemas.openxmlformats.org/markup-compatibility/2006" xmlns:mv="urn:schemas-microsoft-com:mac:vml" xmlns:p="http://schemas.openxmlformats.org/presentationml/2006/main" mc:Ignorable="mv" mc:PreserveAttributes="mv:*">
+<file path=ppt/slides/slide12.xml><?xml version="1.0" encoding="utf-8"?>
+<p:sld xmlns:a="http://schemas.openxmlformats.org/drawingml/2006/main" xmlns:r="http://schemas.openxmlformats.org/officeDocument/2006/relationships" xmlns:p="http://schemas.openxmlformats.org/presentationml/2006/main">
   <p:cSld>
     <p:spTree>
       <p:nvGrpSpPr>
@@ -6868,7 +5454,7 @@
           <a:blip r:embed="rId3">
             <a:extLst>
               <a:ext uri="{BEBA8EAE-BF5A-486C-A8C5-ECC9F3942E4B}">
-                <a14:imgProps xmlns:a14="http://schemas.microsoft.com/office/drawing/2010/main" xmlns:p="http://schemas.openxmlformats.org/presentationml/2006/main" xmlns:r="http://schemas.openxmlformats.org/officeDocument/2006/relationships" xmlns:a="http://schemas.openxmlformats.org/drawingml/2006/main" xmlns="">
+                <a14:imgProps xmlns:a14="http://schemas.microsoft.com/office/drawing/2010/main">
                   <a14:imgLayer r:embed="rId4">
                     <a14:imgEffect>
                       <a14:artisticGlowEdges trans="0" smoothness="1"/>
@@ -6877,7 +5463,7 @@
                 </a14:imgProps>
               </a:ext>
               <a:ext uri="{28A0092B-C50C-407E-A947-70E740481C1C}">
-                <a14:useLocalDpi xmlns:a14="http://schemas.microsoft.com/office/drawing/2010/main" xmlns:p="http://schemas.openxmlformats.org/presentationml/2006/main" xmlns:r="http://schemas.openxmlformats.org/officeDocument/2006/relationships" xmlns:a="http://schemas.openxmlformats.org/drawingml/2006/main" xmlns="" val="0"/>
+                <a14:useLocalDpi xmlns:a14="http://schemas.microsoft.com/office/drawing/2010/main" val="0"/>
               </a:ext>
             </a:extLst>
           </a:blip>
@@ -6900,14 +5486,14 @@
           </a:ln>
           <a:extLst>
             <a:ext uri="{909E8E84-426E-40DD-AFC4-6F175D3DCCD1}">
-              <a14:hiddenFill xmlns:a14="http://schemas.microsoft.com/office/drawing/2010/main" xmlns:p="http://schemas.openxmlformats.org/presentationml/2006/main" xmlns:r="http://schemas.openxmlformats.org/officeDocument/2006/relationships" xmlns:a="http://schemas.openxmlformats.org/drawingml/2006/main" xmlns="">
+              <a14:hiddenFill xmlns:a14="http://schemas.microsoft.com/office/drawing/2010/main">
                 <a:solidFill>
                   <a:schemeClr val="accent1"/>
                 </a:solidFill>
               </a14:hiddenFill>
             </a:ext>
             <a:ext uri="{91240B29-F687-4F45-9708-019B960494DF}">
-              <a14:hiddenLine xmlns:a14="http://schemas.microsoft.com/office/drawing/2010/main" xmlns:p="http://schemas.openxmlformats.org/presentationml/2006/main" xmlns:r="http://schemas.openxmlformats.org/officeDocument/2006/relationships" xmlns:a="http://schemas.openxmlformats.org/drawingml/2006/main" xmlns="" w="9525">
+              <a14:hiddenLine xmlns:a14="http://schemas.microsoft.com/office/drawing/2010/main" w="9525">
                 <a:solidFill>
                   <a:schemeClr val="tx1"/>
                 </a:solidFill>
@@ -7044,7 +5630,7 @@
           <a:blip r:embed="rId5" cstate="print">
             <a:extLst>
               <a:ext uri="{28A0092B-C50C-407E-A947-70E740481C1C}">
-                <a14:useLocalDpi xmlns:a14="http://schemas.microsoft.com/office/drawing/2010/main" xmlns:p="http://schemas.openxmlformats.org/presentationml/2006/main" xmlns:r="http://schemas.openxmlformats.org/officeDocument/2006/relationships" xmlns:a="http://schemas.openxmlformats.org/drawingml/2006/main" xmlns="" val="0"/>
+                <a14:useLocalDpi xmlns:a14="http://schemas.microsoft.com/office/drawing/2010/main" val="0"/>
               </a:ext>
             </a:extLst>
           </a:blip>
@@ -7064,7 +5650,7 @@
           <a:noFill/>
           <a:extLst>
             <a:ext uri="{909E8E84-426E-40DD-AFC4-6F175D3DCCD1}">
-              <a14:hiddenFill xmlns:a14="http://schemas.microsoft.com/office/drawing/2010/main" xmlns:p="http://schemas.openxmlformats.org/presentationml/2006/main" xmlns:r="http://schemas.openxmlformats.org/officeDocument/2006/relationships" xmlns:a="http://schemas.openxmlformats.org/drawingml/2006/main" xmlns="">
+              <a14:hiddenFill xmlns:a14="http://schemas.microsoft.com/office/drawing/2010/main">
                 <a:solidFill>
                   <a:srgbClr val="FFFFFF"/>
                 </a:solidFill>
@@ -7085,7 +5671,7 @@
           <a:blip r:embed="rId6">
             <a:extLst>
               <a:ext uri="{28A0092B-C50C-407E-A947-70E740481C1C}">
-                <a14:useLocalDpi xmlns:a14="http://schemas.microsoft.com/office/drawing/2010/main" xmlns:p="http://schemas.openxmlformats.org/presentationml/2006/main" xmlns:r="http://schemas.openxmlformats.org/officeDocument/2006/relationships" xmlns:a="http://schemas.openxmlformats.org/drawingml/2006/main" xmlns="" val="0"/>
+                <a14:useLocalDpi xmlns:a14="http://schemas.microsoft.com/office/drawing/2010/main" val="0"/>
               </a:ext>
             </a:extLst>
           </a:blip>
@@ -7106,7 +5692,7 @@
     </p:spTree>
     <p:extLst>
       <p:ext uri="{BB962C8B-B14F-4D97-AF65-F5344CB8AC3E}">
-        <p14:creationId xmlns:p14="http://schemas.microsoft.com/office/powerpoint/2010/main" xmlns:p="http://schemas.openxmlformats.org/presentationml/2006/main" xmlns:r="http://schemas.openxmlformats.org/officeDocument/2006/relationships" xmlns:a="http://schemas.openxmlformats.org/drawingml/2006/main" xmlns="" val="2504158806"/>
+        <p14:creationId xmlns:p14="http://schemas.microsoft.com/office/powerpoint/2010/main" val="2504158806"/>
       </p:ext>
     </p:extLst>
   </p:cSld>
@@ -7242,6 +5828,2030 @@
             </p:seq>
           </p:childTnLst>
         </p:cTn>
+      </p:par>
+    </p:tnLst>
+  </p:timing>
+</p:sld>
+</file>
+
+<file path=ppt/slides/slide2.xml><?xml version="1.0" encoding="utf-8"?>
+<p:sld xmlns:a="http://schemas.openxmlformats.org/drawingml/2006/main" xmlns:r="http://schemas.openxmlformats.org/officeDocument/2006/relationships" xmlns:p="http://schemas.openxmlformats.org/presentationml/2006/main">
+  <p:cSld>
+    <p:spTree>
+      <p:nvGrpSpPr>
+        <p:cNvPr id="1" name=""/>
+        <p:cNvGrpSpPr/>
+        <p:nvPr/>
+      </p:nvGrpSpPr>
+      <p:grpSpPr>
+        <a:xfrm>
+          <a:off x="0" y="0"/>
+          <a:ext cx="0" cy="0"/>
+          <a:chOff x="0" y="0"/>
+          <a:chExt cx="0" cy="0"/>
+        </a:xfrm>
+      </p:grpSpPr>
+      <p:sp>
+        <p:nvSpPr>
+          <p:cNvPr id="2" name="Subtitle 1"/>
+          <p:cNvSpPr>
+            <a:spLocks noGrp="1"/>
+          </p:cNvSpPr>
+          <p:nvPr>
+            <p:ph type="subTitle" idx="1"/>
+          </p:nvPr>
+        </p:nvSpPr>
+        <p:spPr>
+          <a:xfrm>
+            <a:off x="352426" y="3048000"/>
+            <a:ext cx="7496174" cy="3352800"/>
+          </a:xfrm>
+        </p:spPr>
+        <p:txBody>
+          <a:bodyPr>
+            <a:normAutofit/>
+          </a:bodyPr>
+          <a:lstStyle/>
+          <a:p>
+            <a:pPr>
+              <a:buClr>
+                <a:schemeClr val="tx1"/>
+              </a:buClr>
+            </a:pPr>
+            <a:r>
+              <a:rPr lang="en-US" dirty="0" smtClean="0"/>
+              <a:t>Sponsor -  L3 Communications</a:t>
+            </a:r>
+          </a:p>
+          <a:p>
+            <a:pPr>
+              <a:buClr>
+                <a:schemeClr val="tx1"/>
+              </a:buClr>
+            </a:pPr>
+            <a:r>
+              <a:rPr lang="en-US" dirty="0" smtClean="0"/>
+              <a:t>Description - Christmas lights synced to music and controlled 	via an iPhone</a:t>
+            </a:r>
+          </a:p>
+        </p:txBody>
+      </p:sp>
+      <p:sp>
+        <p:nvSpPr>
+          <p:cNvPr id="3" name="Title 2"/>
+          <p:cNvSpPr>
+            <a:spLocks noGrp="1"/>
+          </p:cNvSpPr>
+          <p:nvPr>
+            <p:ph type="title"/>
+          </p:nvPr>
+        </p:nvSpPr>
+        <p:spPr>
+          <a:xfrm>
+            <a:off x="354366" y="1990078"/>
+            <a:ext cx="8439912" cy="1210322"/>
+          </a:xfrm>
+        </p:spPr>
+        <p:txBody>
+          <a:bodyPr anchor="t"/>
+          <a:lstStyle/>
+          <a:p>
+            <a:r>
+              <a:rPr lang="en-US" dirty="0" smtClean="0"/>
+              <a:t>Summary of project:</a:t>
+            </a:r>
+            <a:endParaRPr lang="en-US" dirty="0"/>
+          </a:p>
+        </p:txBody>
+      </p:sp>
+      <p:sp>
+        <p:nvSpPr>
+          <p:cNvPr id="4" name="TextBox 3"/>
+          <p:cNvSpPr txBox="1"/>
+          <p:nvPr/>
+        </p:nvSpPr>
+        <p:spPr>
+          <a:xfrm>
+            <a:off x="0" y="0"/>
+            <a:ext cx="5638800" cy="461665"/>
+          </a:xfrm>
+          <a:prstGeom prst="rect">
+            <a:avLst/>
+          </a:prstGeom>
+          <a:noFill/>
+        </p:spPr>
+        <p:txBody>
+          <a:bodyPr wrap="square" rtlCol="0">
+            <a:spAutoFit/>
+          </a:bodyPr>
+          <a:lstStyle/>
+          <a:p>
+            <a:r>
+              <a:rPr lang="en-US" sz="2400" dirty="0"/>
+              <a:t>Christmas Lights Animation</a:t>
+            </a:r>
+          </a:p>
+        </p:txBody>
+      </p:sp>
+      <p:cxnSp>
+        <p:nvCxnSpPr>
+          <p:cNvPr id="7" name="Straight Connector 6"/>
+          <p:cNvCxnSpPr/>
+          <p:nvPr/>
+        </p:nvCxnSpPr>
+        <p:spPr>
+          <a:xfrm>
+            <a:off x="0" y="461665"/>
+            <a:ext cx="9144000" cy="0"/>
+          </a:xfrm>
+          <a:prstGeom prst="line">
+            <a:avLst/>
+          </a:prstGeom>
+        </p:spPr>
+        <p:style>
+          <a:lnRef idx="3">
+            <a:schemeClr val="accent2"/>
+          </a:lnRef>
+          <a:fillRef idx="0">
+            <a:schemeClr val="accent2"/>
+          </a:fillRef>
+          <a:effectRef idx="2">
+            <a:schemeClr val="accent2"/>
+          </a:effectRef>
+          <a:fontRef idx="minor">
+            <a:schemeClr val="tx1"/>
+          </a:fontRef>
+        </p:style>
+      </p:cxnSp>
+      <p:cxnSp>
+        <p:nvCxnSpPr>
+          <p:cNvPr id="9" name="Straight Connector 8"/>
+          <p:cNvCxnSpPr/>
+          <p:nvPr/>
+        </p:nvCxnSpPr>
+        <p:spPr>
+          <a:xfrm>
+            <a:off x="5791200" y="0"/>
+            <a:ext cx="0" cy="1752600"/>
+          </a:xfrm>
+          <a:prstGeom prst="line">
+            <a:avLst/>
+          </a:prstGeom>
+        </p:spPr>
+        <p:style>
+          <a:lnRef idx="3">
+            <a:schemeClr val="accent2"/>
+          </a:lnRef>
+          <a:fillRef idx="0">
+            <a:schemeClr val="accent2"/>
+          </a:fillRef>
+          <a:effectRef idx="2">
+            <a:schemeClr val="accent2"/>
+          </a:effectRef>
+          <a:fontRef idx="minor">
+            <a:schemeClr val="tx1"/>
+          </a:fontRef>
+        </p:style>
+      </p:cxnSp>
+      <p:pic>
+        <p:nvPicPr>
+          <p:cNvPr id="12" name="Picture 2" descr="http://3.bp.blogspot.com/-rMWOJSD6B08/TviTPhqHvAI/AAAAAAAAAbg/xMHjQIMeY9Y/s1600/ChristmasLights.png"/>
+          <p:cNvPicPr>
+            <a:picLocks noChangeAspect="1" noChangeArrowheads="1"/>
+          </p:cNvPicPr>
+          <p:nvPr/>
+        </p:nvPicPr>
+        <p:blipFill>
+          <a:blip r:embed="rId2" cstate="print">
+            <a:extLst>
+              <a:ext uri="{28A0092B-C50C-407E-A947-70E740481C1C}">
+                <a14:useLocalDpi xmlns:a14="http://schemas.microsoft.com/office/drawing/2010/main" val="0"/>
+              </a:ext>
+            </a:extLst>
+          </a:blip>
+          <a:srcRect/>
+          <a:stretch>
+            <a:fillRect/>
+          </a:stretch>
+        </p:blipFill>
+        <p:spPr bwMode="auto">
+          <a:xfrm>
+            <a:off x="5852615" y="0"/>
+            <a:ext cx="3352800" cy="626533"/>
+          </a:xfrm>
+          <a:prstGeom prst="rect">
+            <a:avLst/>
+          </a:prstGeom>
+          <a:noFill/>
+          <a:extLst>
+            <a:ext uri="{909E8E84-426E-40DD-AFC4-6F175D3DCCD1}">
+              <a14:hiddenFill xmlns:a14="http://schemas.microsoft.com/office/drawing/2010/main">
+                <a:solidFill>
+                  <a:srgbClr val="FFFFFF"/>
+                </a:solidFill>
+              </a14:hiddenFill>
+            </a:ext>
+          </a:extLst>
+        </p:spPr>
+      </p:pic>
+    </p:spTree>
+    <p:extLst>
+      <p:ext uri="{BB962C8B-B14F-4D97-AF65-F5344CB8AC3E}">
+        <p14:creationId xmlns:p14="http://schemas.microsoft.com/office/powerpoint/2010/main" val="1632473049"/>
+      </p:ext>
+    </p:extLst>
+  </p:cSld>
+  <p:clrMapOvr>
+    <a:masterClrMapping/>
+  </p:clrMapOvr>
+  <p:timing>
+    <p:tnLst>
+      <p:par>
+        <p:cTn id="1" dur="indefinite" restart="never" nodeType="tmRoot"/>
+      </p:par>
+    </p:tnLst>
+  </p:timing>
+</p:sld>
+</file>
+
+<file path=ppt/slides/slide3.xml><?xml version="1.0" encoding="utf-8"?>
+<p:sld xmlns:a="http://schemas.openxmlformats.org/drawingml/2006/main" xmlns:r="http://schemas.openxmlformats.org/officeDocument/2006/relationships" xmlns:p="http://schemas.openxmlformats.org/presentationml/2006/main">
+  <p:cSld>
+    <p:spTree>
+      <p:nvGrpSpPr>
+        <p:cNvPr id="1" name=""/>
+        <p:cNvGrpSpPr/>
+        <p:nvPr/>
+      </p:nvGrpSpPr>
+      <p:grpSpPr>
+        <a:xfrm>
+          <a:off x="0" y="0"/>
+          <a:ext cx="0" cy="0"/>
+          <a:chOff x="0" y="0"/>
+          <a:chExt cx="0" cy="0"/>
+        </a:xfrm>
+      </p:grpSpPr>
+      <p:sp>
+        <p:nvSpPr>
+          <p:cNvPr id="5" name="TextBox 4"/>
+          <p:cNvSpPr txBox="1"/>
+          <p:nvPr/>
+        </p:nvSpPr>
+        <p:spPr>
+          <a:xfrm>
+            <a:off x="0" y="0"/>
+            <a:ext cx="5638800" cy="461665"/>
+          </a:xfrm>
+          <a:prstGeom prst="rect">
+            <a:avLst/>
+          </a:prstGeom>
+          <a:noFill/>
+        </p:spPr>
+        <p:txBody>
+          <a:bodyPr wrap="square" rtlCol="0">
+            <a:spAutoFit/>
+          </a:bodyPr>
+          <a:lstStyle/>
+          <a:p>
+            <a:r>
+              <a:rPr lang="en-US" sz="2400" dirty="0"/>
+              <a:t>Christmas Lights Animation</a:t>
+            </a:r>
+          </a:p>
+        </p:txBody>
+      </p:sp>
+      <p:cxnSp>
+        <p:nvCxnSpPr>
+          <p:cNvPr id="6" name="Straight Connector 5"/>
+          <p:cNvCxnSpPr/>
+          <p:nvPr/>
+        </p:nvCxnSpPr>
+        <p:spPr>
+          <a:xfrm>
+            <a:off x="0" y="461665"/>
+            <a:ext cx="9144000" cy="0"/>
+          </a:xfrm>
+          <a:prstGeom prst="line">
+            <a:avLst/>
+          </a:prstGeom>
+        </p:spPr>
+        <p:style>
+          <a:lnRef idx="3">
+            <a:schemeClr val="accent2"/>
+          </a:lnRef>
+          <a:fillRef idx="0">
+            <a:schemeClr val="accent2"/>
+          </a:fillRef>
+          <a:effectRef idx="2">
+            <a:schemeClr val="accent2"/>
+          </a:effectRef>
+          <a:fontRef idx="minor">
+            <a:schemeClr val="tx1"/>
+          </a:fontRef>
+        </p:style>
+      </p:cxnSp>
+      <p:cxnSp>
+        <p:nvCxnSpPr>
+          <p:cNvPr id="7" name="Straight Connector 6"/>
+          <p:cNvCxnSpPr/>
+          <p:nvPr/>
+        </p:nvCxnSpPr>
+        <p:spPr>
+          <a:xfrm>
+            <a:off x="5791200" y="0"/>
+            <a:ext cx="0" cy="1752600"/>
+          </a:xfrm>
+          <a:prstGeom prst="line">
+            <a:avLst/>
+          </a:prstGeom>
+        </p:spPr>
+        <p:style>
+          <a:lnRef idx="3">
+            <a:schemeClr val="accent2"/>
+          </a:lnRef>
+          <a:fillRef idx="0">
+            <a:schemeClr val="accent2"/>
+          </a:fillRef>
+          <a:effectRef idx="2">
+            <a:schemeClr val="accent2"/>
+          </a:effectRef>
+          <a:fontRef idx="minor">
+            <a:schemeClr val="tx1"/>
+          </a:fontRef>
+        </p:style>
+      </p:cxnSp>
+      <p:sp>
+        <p:nvSpPr>
+          <p:cNvPr id="8" name="TextBox 7"/>
+          <p:cNvSpPr txBox="1"/>
+          <p:nvPr/>
+        </p:nvSpPr>
+        <p:spPr>
+          <a:xfrm>
+            <a:off x="152400" y="609600"/>
+            <a:ext cx="5486400" cy="923330"/>
+          </a:xfrm>
+          <a:prstGeom prst="rect">
+            <a:avLst/>
+          </a:prstGeom>
+          <a:noFill/>
+        </p:spPr>
+        <p:txBody>
+          <a:bodyPr wrap="square" rtlCol="0">
+            <a:spAutoFit/>
+          </a:bodyPr>
+          <a:lstStyle/>
+          <a:p>
+            <a:pPr marL="457200" indent="-457200">
+              <a:buClr>
+                <a:schemeClr val="tx1"/>
+              </a:buClr>
+              <a:buFont typeface="+mj-lt"/>
+              <a:buAutoNum type="arabicPeriod"/>
+            </a:pPr>
+            <a:r>
+              <a:rPr lang="en-US" dirty="0">
+                <a:solidFill>
+                  <a:schemeClr val="accent2"/>
+                </a:solidFill>
+              </a:rPr>
+              <a:t>Analysis</a:t>
+            </a:r>
+            <a:endParaRPr lang="en-US" dirty="0"/>
+          </a:p>
+          <a:p>
+            <a:pPr marL="457200" indent="-457200">
+              <a:buClr>
+                <a:schemeClr val="tx1"/>
+              </a:buClr>
+              <a:buFont typeface="+mj-lt"/>
+              <a:buAutoNum type="arabicPeriod"/>
+            </a:pPr>
+            <a:r>
+              <a:rPr lang="en-US" dirty="0" smtClean="0"/>
+              <a:t>Sprints</a:t>
+            </a:r>
+            <a:endParaRPr lang="en-US" dirty="0"/>
+          </a:p>
+          <a:p>
+            <a:pPr marL="457200" indent="-457200">
+              <a:buClr>
+                <a:schemeClr val="tx1"/>
+              </a:buClr>
+              <a:buFont typeface="+mj-lt"/>
+              <a:buAutoNum type="arabicPeriod"/>
+            </a:pPr>
+            <a:r>
+              <a:rPr lang="en-US" dirty="0" smtClean="0"/>
+              <a:t>Live Demo</a:t>
+            </a:r>
+            <a:endParaRPr lang="en-US" dirty="0"/>
+          </a:p>
+        </p:txBody>
+      </p:sp>
+      <p:sp>
+        <p:nvSpPr>
+          <p:cNvPr id="11" name="Title 10"/>
+          <p:cNvSpPr>
+            <a:spLocks noGrp="1"/>
+          </p:cNvSpPr>
+          <p:nvPr>
+            <p:ph type="title"/>
+          </p:nvPr>
+        </p:nvSpPr>
+        <p:spPr>
+          <a:xfrm>
+            <a:off x="352044" y="2057400"/>
+            <a:ext cx="8439912" cy="1002526"/>
+          </a:xfrm>
+        </p:spPr>
+        <p:txBody>
+          <a:bodyPr/>
+          <a:lstStyle/>
+          <a:p>
+            <a:r>
+              <a:rPr lang="en-US" dirty="0" smtClean="0"/>
+              <a:t>Analysis:</a:t>
+            </a:r>
+            <a:endParaRPr lang="en-US" dirty="0"/>
+          </a:p>
+        </p:txBody>
+      </p:sp>
+      <p:sp>
+        <p:nvSpPr>
+          <p:cNvPr id="14" name="Subtitle 13"/>
+          <p:cNvSpPr>
+            <a:spLocks noGrp="1"/>
+          </p:cNvSpPr>
+          <p:nvPr>
+            <p:ph type="subTitle" idx="1"/>
+          </p:nvPr>
+        </p:nvSpPr>
+        <p:spPr>
+          <a:xfrm>
+            <a:off x="381000" y="3429000"/>
+            <a:ext cx="7924800" cy="3276600"/>
+          </a:xfrm>
+        </p:spPr>
+        <p:txBody>
+          <a:bodyPr>
+            <a:normAutofit/>
+          </a:bodyPr>
+          <a:lstStyle/>
+          <a:p>
+            <a:pPr marL="342900" indent="-342900">
+              <a:buFont typeface="+mj-lt"/>
+              <a:buAutoNum type="arabicPeriod"/>
+            </a:pPr>
+            <a:r>
+              <a:rPr lang="en-US" i="0" dirty="0" smtClean="0"/>
+              <a:t>Use SSR’s to power lights on and off</a:t>
+            </a:r>
+            <a:endParaRPr lang="en-US" i="0" dirty="0"/>
+          </a:p>
+          <a:p>
+            <a:pPr marL="342900" indent="-342900">
+              <a:buFont typeface="+mj-lt"/>
+              <a:buAutoNum type="arabicPeriod"/>
+            </a:pPr>
+            <a:r>
+              <a:rPr lang="en-US" i="0" dirty="0" smtClean="0"/>
+              <a:t>Laptop running XBMC, connected to a separate controller</a:t>
+            </a:r>
+          </a:p>
+          <a:p>
+            <a:pPr marL="342900" indent="-342900">
+              <a:buFont typeface="+mj-lt"/>
+              <a:buAutoNum type="arabicPeriod"/>
+            </a:pPr>
+            <a:r>
+              <a:rPr lang="en-US" i="0" dirty="0" smtClean="0"/>
+              <a:t>Connect controller to SSR’s</a:t>
+            </a:r>
+          </a:p>
+          <a:p>
+            <a:pPr marL="342900" indent="-342900">
+              <a:buFont typeface="+mj-lt"/>
+              <a:buAutoNum type="arabicPeriod"/>
+            </a:pPr>
+            <a:r>
+              <a:rPr lang="en-US" i="0" dirty="0" smtClean="0"/>
+              <a:t>Develop an iPhone app that can connect to the system from any wireless location</a:t>
+            </a:r>
+            <a:endParaRPr lang="en-US" i="0" dirty="0"/>
+          </a:p>
+          <a:p>
+            <a:endParaRPr lang="en-US" dirty="0"/>
+          </a:p>
+        </p:txBody>
+      </p:sp>
+      <p:pic>
+        <p:nvPicPr>
+          <p:cNvPr id="12" name="Picture 2" descr="http://3.bp.blogspot.com/-rMWOJSD6B08/TviTPhqHvAI/AAAAAAAAAbg/xMHjQIMeY9Y/s1600/ChristmasLights.png"/>
+          <p:cNvPicPr>
+            <a:picLocks noChangeAspect="1" noChangeArrowheads="1"/>
+          </p:cNvPicPr>
+          <p:nvPr/>
+        </p:nvPicPr>
+        <p:blipFill>
+          <a:blip r:embed="rId2" cstate="print">
+            <a:extLst>
+              <a:ext uri="{28A0092B-C50C-407E-A947-70E740481C1C}">
+                <a14:useLocalDpi xmlns:a14="http://schemas.microsoft.com/office/drawing/2010/main" val="0"/>
+              </a:ext>
+            </a:extLst>
+          </a:blip>
+          <a:srcRect/>
+          <a:stretch>
+            <a:fillRect/>
+          </a:stretch>
+        </p:blipFill>
+        <p:spPr bwMode="auto">
+          <a:xfrm>
+            <a:off x="5852615" y="0"/>
+            <a:ext cx="3352800" cy="626533"/>
+          </a:xfrm>
+          <a:prstGeom prst="rect">
+            <a:avLst/>
+          </a:prstGeom>
+          <a:noFill/>
+          <a:extLst>
+            <a:ext uri="{909E8E84-426E-40DD-AFC4-6F175D3DCCD1}">
+              <a14:hiddenFill xmlns:a14="http://schemas.microsoft.com/office/drawing/2010/main">
+                <a:solidFill>
+                  <a:srgbClr val="FFFFFF"/>
+                </a:solidFill>
+              </a14:hiddenFill>
+            </a:ext>
+          </a:extLst>
+        </p:spPr>
+      </p:pic>
+    </p:spTree>
+    <p:extLst>
+      <p:ext uri="{BB962C8B-B14F-4D97-AF65-F5344CB8AC3E}">
+        <p14:creationId xmlns:p14="http://schemas.microsoft.com/office/powerpoint/2010/main" val="117187453"/>
+      </p:ext>
+    </p:extLst>
+  </p:cSld>
+  <p:clrMapOvr>
+    <a:masterClrMapping/>
+  </p:clrMapOvr>
+  <p:transition spd="slow">
+    <p:pull/>
+  </p:transition>
+  <p:timing>
+    <p:tnLst>
+      <p:par>
+        <p:cTn id="1" dur="indefinite" restart="never" nodeType="tmRoot"/>
+      </p:par>
+    </p:tnLst>
+  </p:timing>
+</p:sld>
+</file>
+
+<file path=ppt/slides/slide4.xml><?xml version="1.0" encoding="utf-8"?>
+<p:sld xmlns:a="http://schemas.openxmlformats.org/drawingml/2006/main" xmlns:r="http://schemas.openxmlformats.org/officeDocument/2006/relationships" xmlns:p="http://schemas.openxmlformats.org/presentationml/2006/main">
+  <p:cSld>
+    <p:spTree>
+      <p:nvGrpSpPr>
+        <p:cNvPr id="1" name=""/>
+        <p:cNvGrpSpPr/>
+        <p:nvPr/>
+      </p:nvGrpSpPr>
+      <p:grpSpPr>
+        <a:xfrm>
+          <a:off x="0" y="0"/>
+          <a:ext cx="0" cy="0"/>
+          <a:chOff x="0" y="0"/>
+          <a:chExt cx="0" cy="0"/>
+        </a:xfrm>
+      </p:grpSpPr>
+      <p:sp>
+        <p:nvSpPr>
+          <p:cNvPr id="2" name="Subtitle 1"/>
+          <p:cNvSpPr>
+            <a:spLocks noGrp="1"/>
+          </p:cNvSpPr>
+          <p:nvPr>
+            <p:ph type="subTitle" idx="1"/>
+          </p:nvPr>
+        </p:nvSpPr>
+        <p:spPr>
+          <a:xfrm>
+            <a:off x="381000" y="3429000"/>
+            <a:ext cx="6581775" cy="1940298"/>
+          </a:xfrm>
+        </p:spPr>
+        <p:txBody>
+          <a:bodyPr>
+            <a:normAutofit fontScale="85000" lnSpcReduction="20000"/>
+          </a:bodyPr>
+          <a:lstStyle/>
+          <a:p>
+            <a:pPr marL="457200" indent="-457200">
+              <a:buFont typeface="+mj-lt"/>
+              <a:buAutoNum type="arabicPeriod"/>
+            </a:pPr>
+            <a:endParaRPr lang="en-US" dirty="0" smtClean="0"/>
+          </a:p>
+          <a:p>
+            <a:pPr marL="457200" indent="-457200">
+              <a:buFont typeface="+mj-lt"/>
+              <a:buAutoNum type="arabicPeriod"/>
+            </a:pPr>
+            <a:r>
+              <a:rPr lang="en-US" sz="2100" i="0" dirty="0"/>
+              <a:t>Configure EC2 server to act as middleman between iPhone app and </a:t>
+            </a:r>
+            <a:r>
+              <a:rPr lang="en-US" sz="2100" i="0" dirty="0" smtClean="0"/>
+              <a:t>Christmas lights</a:t>
+            </a:r>
+            <a:endParaRPr lang="en-US" sz="2100" i="0" dirty="0"/>
+          </a:p>
+          <a:p>
+            <a:pPr marL="457200" indent="-457200">
+              <a:buFont typeface="+mj-lt"/>
+              <a:buAutoNum type="arabicPeriod"/>
+            </a:pPr>
+            <a:r>
+              <a:rPr lang="en-US" sz="2100" i="0" dirty="0"/>
+              <a:t>Develop </a:t>
+            </a:r>
+            <a:r>
+              <a:rPr lang="en-US" sz="2100" i="0" dirty="0" err="1"/>
+              <a:t>RESTful</a:t>
+            </a:r>
+            <a:r>
+              <a:rPr lang="en-US" sz="2100" i="0" dirty="0"/>
+              <a:t> web service to allow iPhone to send commands and Raspberry Pi to </a:t>
+            </a:r>
+            <a:r>
+              <a:rPr lang="en-US" sz="2100" i="0" dirty="0" smtClean="0"/>
+              <a:t>get commands</a:t>
+            </a:r>
+            <a:endParaRPr lang="en-US" sz="2100" i="0" dirty="0"/>
+          </a:p>
+          <a:p>
+            <a:pPr marL="457200" indent="-457200">
+              <a:buFont typeface="+mj-lt"/>
+              <a:buAutoNum type="arabicPeriod"/>
+            </a:pPr>
+            <a:r>
+              <a:rPr lang="en-US" sz="2100" i="0" dirty="0"/>
+              <a:t>Begin connecting </a:t>
+            </a:r>
+            <a:r>
+              <a:rPr lang="en-US" sz="2100" i="0" dirty="0" err="1"/>
+              <a:t>iOS</a:t>
+            </a:r>
+            <a:r>
+              <a:rPr lang="en-US" sz="2100" i="0" dirty="0"/>
+              <a:t> framework to UI</a:t>
+            </a:r>
+            <a:endParaRPr lang="en-US" sz="2100" dirty="0"/>
+          </a:p>
+        </p:txBody>
+      </p:sp>
+      <p:sp>
+        <p:nvSpPr>
+          <p:cNvPr id="3" name="Title 2"/>
+          <p:cNvSpPr>
+            <a:spLocks noGrp="1"/>
+          </p:cNvSpPr>
+          <p:nvPr>
+            <p:ph type="title"/>
+          </p:nvPr>
+        </p:nvSpPr>
+        <p:spPr/>
+        <p:txBody>
+          <a:bodyPr anchor="t"/>
+          <a:lstStyle/>
+          <a:p>
+            <a:r>
+              <a:rPr dirty="0" smtClean="0"/>
+              <a:t>Sprint 4</a:t>
+            </a:r>
+            <a:r>
+              <a:rPr lang="en-US" dirty="0" smtClean="0"/>
+              <a:t>:</a:t>
+            </a:r>
+            <a:endParaRPr lang="en-US" dirty="0"/>
+          </a:p>
+        </p:txBody>
+      </p:sp>
+      <p:sp>
+        <p:nvSpPr>
+          <p:cNvPr id="5" name="TextBox 4"/>
+          <p:cNvSpPr txBox="1"/>
+          <p:nvPr/>
+        </p:nvSpPr>
+        <p:spPr>
+          <a:xfrm>
+            <a:off x="0" y="1"/>
+            <a:ext cx="5638800" cy="461665"/>
+          </a:xfrm>
+          <a:prstGeom prst="rect">
+            <a:avLst/>
+          </a:prstGeom>
+          <a:noFill/>
+        </p:spPr>
+        <p:txBody>
+          <a:bodyPr wrap="square" rtlCol="0">
+            <a:spAutoFit/>
+          </a:bodyPr>
+          <a:lstStyle/>
+          <a:p>
+            <a:r>
+              <a:rPr lang="en-US" sz="2400" dirty="0"/>
+              <a:t>Christmas Lights Animation</a:t>
+            </a:r>
+          </a:p>
+        </p:txBody>
+      </p:sp>
+      <p:cxnSp>
+        <p:nvCxnSpPr>
+          <p:cNvPr id="6" name="Straight Connector 5"/>
+          <p:cNvCxnSpPr/>
+          <p:nvPr/>
+        </p:nvCxnSpPr>
+        <p:spPr>
+          <a:xfrm>
+            <a:off x="0" y="461665"/>
+            <a:ext cx="9144000" cy="0"/>
+          </a:xfrm>
+          <a:prstGeom prst="line">
+            <a:avLst/>
+          </a:prstGeom>
+        </p:spPr>
+        <p:style>
+          <a:lnRef idx="3">
+            <a:schemeClr val="accent2"/>
+          </a:lnRef>
+          <a:fillRef idx="0">
+            <a:schemeClr val="accent2"/>
+          </a:fillRef>
+          <a:effectRef idx="2">
+            <a:schemeClr val="accent2"/>
+          </a:effectRef>
+          <a:fontRef idx="minor">
+            <a:schemeClr val="tx1"/>
+          </a:fontRef>
+        </p:style>
+      </p:cxnSp>
+      <p:cxnSp>
+        <p:nvCxnSpPr>
+          <p:cNvPr id="7" name="Straight Connector 6"/>
+          <p:cNvCxnSpPr/>
+          <p:nvPr/>
+        </p:nvCxnSpPr>
+        <p:spPr>
+          <a:xfrm>
+            <a:off x="5791200" y="0"/>
+            <a:ext cx="0" cy="1752600"/>
+          </a:xfrm>
+          <a:prstGeom prst="line">
+            <a:avLst/>
+          </a:prstGeom>
+        </p:spPr>
+        <p:style>
+          <a:lnRef idx="3">
+            <a:schemeClr val="accent2"/>
+          </a:lnRef>
+          <a:fillRef idx="0">
+            <a:schemeClr val="accent2"/>
+          </a:fillRef>
+          <a:effectRef idx="2">
+            <a:schemeClr val="accent2"/>
+          </a:effectRef>
+          <a:fontRef idx="minor">
+            <a:schemeClr val="tx1"/>
+          </a:fontRef>
+        </p:style>
+      </p:cxnSp>
+      <p:sp>
+        <p:nvSpPr>
+          <p:cNvPr id="8" name="TextBox 7"/>
+          <p:cNvSpPr txBox="1"/>
+          <p:nvPr/>
+        </p:nvSpPr>
+        <p:spPr>
+          <a:xfrm>
+            <a:off x="5852615" y="635633"/>
+            <a:ext cx="2514600" cy="923330"/>
+          </a:xfrm>
+          <a:prstGeom prst="rect">
+            <a:avLst/>
+          </a:prstGeom>
+          <a:noFill/>
+        </p:spPr>
+        <p:txBody>
+          <a:bodyPr wrap="square" rtlCol="0">
+            <a:spAutoFit/>
+          </a:bodyPr>
+          <a:lstStyle/>
+          <a:p>
+            <a:pPr marL="457200" indent="-457200">
+              <a:buClr>
+                <a:schemeClr val="tx1"/>
+              </a:buClr>
+              <a:buFont typeface="+mj-lt"/>
+              <a:buAutoNum type="arabicPeriod"/>
+            </a:pPr>
+            <a:r>
+              <a:rPr lang="en-US" dirty="0" smtClean="0">
+                <a:solidFill>
+                  <a:srgbClr val="FFC000"/>
+                </a:solidFill>
+              </a:rPr>
+              <a:t>Sprint 4</a:t>
+            </a:r>
+          </a:p>
+          <a:p>
+            <a:pPr marL="457200" indent="-457200">
+              <a:buClr>
+                <a:schemeClr val="tx1"/>
+              </a:buClr>
+              <a:buFont typeface="+mj-lt"/>
+              <a:buAutoNum type="arabicPeriod"/>
+            </a:pPr>
+            <a:r>
+              <a:rPr lang="en-US" dirty="0" smtClean="0"/>
+              <a:t>Sprint 5</a:t>
+            </a:r>
+          </a:p>
+          <a:p>
+            <a:pPr marL="457200" indent="-457200">
+              <a:buClr>
+                <a:schemeClr val="tx1"/>
+              </a:buClr>
+              <a:buFont typeface="+mj-lt"/>
+              <a:buAutoNum type="arabicPeriod"/>
+            </a:pPr>
+            <a:r>
+              <a:rPr lang="en-US" dirty="0" smtClean="0"/>
+              <a:t>Backlog</a:t>
+            </a:r>
+            <a:endParaRPr lang="en-US" dirty="0"/>
+          </a:p>
+        </p:txBody>
+      </p:sp>
+      <p:pic>
+        <p:nvPicPr>
+          <p:cNvPr id="10" name="Picture 2" descr="http://3.bp.blogspot.com/-rMWOJSD6B08/TviTPhqHvAI/AAAAAAAAAbg/xMHjQIMeY9Y/s1600/ChristmasLights.png"/>
+          <p:cNvPicPr>
+            <a:picLocks noChangeAspect="1" noChangeArrowheads="1"/>
+          </p:cNvPicPr>
+          <p:nvPr/>
+        </p:nvPicPr>
+        <p:blipFill>
+          <a:blip r:embed="rId2" cstate="print">
+            <a:extLst>
+              <a:ext uri="{28A0092B-C50C-407E-A947-70E740481C1C}">
+                <a14:useLocalDpi xmlns:a14="http://schemas.microsoft.com/office/drawing/2010/main" val="0"/>
+              </a:ext>
+            </a:extLst>
+          </a:blip>
+          <a:srcRect/>
+          <a:stretch>
+            <a:fillRect/>
+          </a:stretch>
+        </p:blipFill>
+        <p:spPr bwMode="auto">
+          <a:xfrm>
+            <a:off x="5852615" y="1"/>
+            <a:ext cx="3352800" cy="626533"/>
+          </a:xfrm>
+          <a:prstGeom prst="rect">
+            <a:avLst/>
+          </a:prstGeom>
+          <a:noFill/>
+          <a:extLst>
+            <a:ext uri="{909E8E84-426E-40DD-AFC4-6F175D3DCCD1}">
+              <a14:hiddenFill xmlns:a14="http://schemas.microsoft.com/office/drawing/2010/main">
+                <a:solidFill>
+                  <a:srgbClr val="FFFFFF"/>
+                </a:solidFill>
+              </a14:hiddenFill>
+            </a:ext>
+          </a:extLst>
+        </p:spPr>
+      </p:pic>
+      <p:sp>
+        <p:nvSpPr>
+          <p:cNvPr id="9" name="TextBox 8"/>
+          <p:cNvSpPr txBox="1"/>
+          <p:nvPr/>
+        </p:nvSpPr>
+        <p:spPr>
+          <a:xfrm>
+            <a:off x="152400" y="609600"/>
+            <a:ext cx="5486400" cy="923330"/>
+          </a:xfrm>
+          <a:prstGeom prst="rect">
+            <a:avLst/>
+          </a:prstGeom>
+          <a:noFill/>
+        </p:spPr>
+        <p:txBody>
+          <a:bodyPr wrap="square" rtlCol="0">
+            <a:spAutoFit/>
+          </a:bodyPr>
+          <a:lstStyle/>
+          <a:p>
+            <a:pPr marL="457200" indent="-457200">
+              <a:buClr>
+                <a:schemeClr val="tx1"/>
+              </a:buClr>
+              <a:buFont typeface="+mj-lt"/>
+              <a:buAutoNum type="arabicPeriod"/>
+            </a:pPr>
+            <a:r>
+              <a:rPr lang="en-US" dirty="0"/>
+              <a:t>Analysis</a:t>
+            </a:r>
+          </a:p>
+          <a:p>
+            <a:pPr marL="457200" indent="-457200">
+              <a:buClr>
+                <a:schemeClr val="tx1"/>
+              </a:buClr>
+              <a:buFont typeface="+mj-lt"/>
+              <a:buAutoNum type="arabicPeriod"/>
+            </a:pPr>
+            <a:r>
+              <a:rPr lang="en-US" dirty="0" smtClean="0">
+                <a:solidFill>
+                  <a:schemeClr val="accent2"/>
+                </a:solidFill>
+              </a:rPr>
+              <a:t>Sprints</a:t>
+            </a:r>
+            <a:endParaRPr lang="en-US" dirty="0">
+              <a:solidFill>
+                <a:schemeClr val="accent2"/>
+              </a:solidFill>
+            </a:endParaRPr>
+          </a:p>
+          <a:p>
+            <a:pPr marL="457200" indent="-457200">
+              <a:buClr>
+                <a:schemeClr val="tx1"/>
+              </a:buClr>
+              <a:buFont typeface="+mj-lt"/>
+              <a:buAutoNum type="arabicPeriod"/>
+            </a:pPr>
+            <a:r>
+              <a:rPr lang="en-US" dirty="0" smtClean="0"/>
+              <a:t>Live Demo</a:t>
+            </a:r>
+            <a:endParaRPr lang="en-US" dirty="0"/>
+          </a:p>
+        </p:txBody>
+      </p:sp>
+    </p:spTree>
+    <p:extLst>
+      <p:ext uri="{BB962C8B-B14F-4D97-AF65-F5344CB8AC3E}">
+        <p14:creationId xmlns:p14="http://schemas.microsoft.com/office/powerpoint/2010/main" val="423157456"/>
+      </p:ext>
+    </p:extLst>
+  </p:cSld>
+  <p:clrMapOvr>
+    <a:masterClrMapping/>
+  </p:clrMapOvr>
+  <p:timing>
+    <p:tnLst>
+      <p:par>
+        <p:cTn id="1" dur="indefinite" restart="never" nodeType="tmRoot"/>
+      </p:par>
+    </p:tnLst>
+  </p:timing>
+</p:sld>
+</file>
+
+<file path=ppt/slides/slide5.xml><?xml version="1.0" encoding="utf-8"?>
+<p:sld xmlns:a="http://schemas.openxmlformats.org/drawingml/2006/main" xmlns:r="http://schemas.openxmlformats.org/officeDocument/2006/relationships" xmlns:p="http://schemas.openxmlformats.org/presentationml/2006/main">
+  <p:cSld>
+    <p:spTree>
+      <p:nvGrpSpPr>
+        <p:cNvPr id="1" name=""/>
+        <p:cNvGrpSpPr/>
+        <p:nvPr/>
+      </p:nvGrpSpPr>
+      <p:grpSpPr>
+        <a:xfrm>
+          <a:off x="0" y="0"/>
+          <a:ext cx="0" cy="0"/>
+          <a:chOff x="0" y="0"/>
+          <a:chExt cx="0" cy="0"/>
+        </a:xfrm>
+      </p:grpSpPr>
+      <p:sp>
+        <p:nvSpPr>
+          <p:cNvPr id="9" name="Title 8"/>
+          <p:cNvSpPr>
+            <a:spLocks noGrp="1"/>
+          </p:cNvSpPr>
+          <p:nvPr>
+            <p:ph type="title"/>
+          </p:nvPr>
+        </p:nvSpPr>
+        <p:spPr/>
+        <p:txBody>
+          <a:bodyPr/>
+          <a:lstStyle/>
+          <a:p>
+            <a:r>
+              <a:rPr lang="en-US" dirty="0" smtClean="0"/>
+              <a:t>“Middleman” Server </a:t>
+            </a:r>
+            <a:endParaRPr lang="en-US" dirty="0"/>
+          </a:p>
+        </p:txBody>
+      </p:sp>
+      <p:sp>
+        <p:nvSpPr>
+          <p:cNvPr id="10" name="Text Placeholder 9"/>
+          <p:cNvSpPr>
+            <a:spLocks noGrp="1"/>
+          </p:cNvSpPr>
+          <p:nvPr>
+            <p:ph type="body" sz="half" idx="2"/>
+          </p:nvPr>
+        </p:nvSpPr>
+        <p:spPr/>
+        <p:txBody>
+          <a:bodyPr>
+            <a:normAutofit lnSpcReduction="10000"/>
+          </a:bodyPr>
+          <a:lstStyle/>
+          <a:p>
+            <a:pPr marL="285750" indent="-285750">
+              <a:buFont typeface="Arial" pitchFamily="34" charset="0"/>
+              <a:buChar char="•"/>
+            </a:pPr>
+            <a:r>
+              <a:rPr lang="en-US" dirty="0" smtClean="0"/>
+              <a:t>Amazon EC2 instance running Ubuntu</a:t>
+            </a:r>
+          </a:p>
+          <a:p>
+            <a:pPr marL="285750" indent="-285750">
+              <a:buFont typeface="Arial" pitchFamily="34" charset="0"/>
+              <a:buChar char="•"/>
+            </a:pPr>
+            <a:r>
+              <a:rPr lang="en-US" dirty="0" smtClean="0"/>
+              <a:t>Mobile device sends notifications or requests to the EC2 server.</a:t>
+            </a:r>
+          </a:p>
+          <a:p>
+            <a:pPr marL="285750" indent="-285750">
+              <a:buFont typeface="Arial" pitchFamily="34" charset="0"/>
+              <a:buChar char="•"/>
+            </a:pPr>
+            <a:r>
+              <a:rPr lang="en-US" dirty="0" smtClean="0"/>
+              <a:t>Computer connected to lighting controller queries EC2 instance for new information.</a:t>
+            </a:r>
+          </a:p>
+          <a:p>
+            <a:pPr marL="285750" indent="-285750">
+              <a:buFont typeface="Arial" pitchFamily="34" charset="0"/>
+              <a:buChar char="•"/>
+            </a:pPr>
+            <a:r>
+              <a:rPr lang="en-US" dirty="0" smtClean="0"/>
+              <a:t>Prevents having any issues with firewalls, network configuration, etc.</a:t>
+            </a:r>
+            <a:endParaRPr lang="en-US" dirty="0"/>
+          </a:p>
+        </p:txBody>
+      </p:sp>
+      <p:pic>
+        <p:nvPicPr>
+          <p:cNvPr id="1027" name="Picture 3"/>
+          <p:cNvPicPr>
+            <a:picLocks noGrp="1" noChangeAspect="1" noChangeArrowheads="1"/>
+          </p:cNvPicPr>
+          <p:nvPr>
+            <p:ph sz="quarter" idx="14"/>
+          </p:nvPr>
+        </p:nvPicPr>
+        <p:blipFill>
+          <a:blip r:embed="rId2">
+            <a:extLst>
+              <a:ext uri="{28A0092B-C50C-407E-A947-70E740481C1C}">
+                <a14:useLocalDpi xmlns:a14="http://schemas.microsoft.com/office/drawing/2010/main" val="0"/>
+              </a:ext>
+            </a:extLst>
+          </a:blip>
+          <a:srcRect/>
+          <a:stretch>
+            <a:fillRect/>
+          </a:stretch>
+        </p:blipFill>
+        <p:spPr bwMode="auto">
+          <a:xfrm>
+            <a:off x="4105275" y="3042147"/>
+            <a:ext cx="4681538" cy="810219"/>
+          </a:xfrm>
+          <a:prstGeom prst="rect">
+            <a:avLst/>
+          </a:prstGeom>
+          <a:noFill/>
+          <a:ln>
+            <a:noFill/>
+          </a:ln>
+          <a:effectLst/>
+          <a:extLst>
+            <a:ext uri="{909E8E84-426E-40DD-AFC4-6F175D3DCCD1}">
+              <a14:hiddenFill xmlns:a14="http://schemas.microsoft.com/office/drawing/2010/main">
+                <a:solidFill>
+                  <a:schemeClr val="accent1"/>
+                </a:solidFill>
+              </a14:hiddenFill>
+            </a:ext>
+            <a:ext uri="{91240B29-F687-4F45-9708-019B960494DF}">
+              <a14:hiddenLine xmlns:a14="http://schemas.microsoft.com/office/drawing/2010/main" w="9525">
+                <a:solidFill>
+                  <a:schemeClr val="tx1"/>
+                </a:solidFill>
+                <a:miter lim="800000"/>
+                <a:headEnd/>
+                <a:tailEnd/>
+              </a14:hiddenLine>
+            </a:ext>
+            <a:ext uri="{AF507438-7753-43E0-B8FC-AC1667EBCBE1}">
+              <a14:hiddenEffects xmlns:a14="http://schemas.microsoft.com/office/drawing/2010/main">
+                <a:effectLst>
+                  <a:outerShdw dist="35921" dir="2700000" algn="ctr" rotWithShape="0">
+                    <a:schemeClr val="bg2"/>
+                  </a:outerShdw>
+                </a:effectLst>
+              </a14:hiddenEffects>
+            </a:ext>
+          </a:extLst>
+        </p:spPr>
+      </p:pic>
+    </p:spTree>
+    <p:extLst>
+      <p:ext uri="{BB962C8B-B14F-4D97-AF65-F5344CB8AC3E}">
+        <p14:creationId xmlns:p14="http://schemas.microsoft.com/office/powerpoint/2010/main" val="1017630425"/>
+      </p:ext>
+    </p:extLst>
+  </p:cSld>
+  <p:clrMapOvr>
+    <a:masterClrMapping/>
+  </p:clrMapOvr>
+</p:sld>
+</file>
+
+<file path=ppt/slides/slide6.xml><?xml version="1.0" encoding="utf-8"?>
+<p:sld xmlns:a="http://schemas.openxmlformats.org/drawingml/2006/main" xmlns:r="http://schemas.openxmlformats.org/officeDocument/2006/relationships" xmlns:p="http://schemas.openxmlformats.org/presentationml/2006/main">
+  <p:cSld>
+    <p:spTree>
+      <p:nvGrpSpPr>
+        <p:cNvPr id="1" name=""/>
+        <p:cNvGrpSpPr/>
+        <p:nvPr/>
+      </p:nvGrpSpPr>
+      <p:grpSpPr>
+        <a:xfrm>
+          <a:off x="0" y="0"/>
+          <a:ext cx="0" cy="0"/>
+          <a:chOff x="0" y="0"/>
+          <a:chExt cx="0" cy="0"/>
+        </a:xfrm>
+      </p:grpSpPr>
+      <p:sp>
+        <p:nvSpPr>
+          <p:cNvPr id="2" name="Subtitle 1"/>
+          <p:cNvSpPr>
+            <a:spLocks noGrp="1"/>
+          </p:cNvSpPr>
+          <p:nvPr>
+            <p:ph type="subTitle" idx="1"/>
+          </p:nvPr>
+        </p:nvSpPr>
+        <p:spPr>
+          <a:xfrm>
+            <a:off x="381000" y="3429000"/>
+            <a:ext cx="6581775" cy="2133600"/>
+          </a:xfrm>
+        </p:spPr>
+        <p:txBody>
+          <a:bodyPr>
+            <a:normAutofit fontScale="25000" lnSpcReduction="20000"/>
+          </a:bodyPr>
+          <a:lstStyle/>
+          <a:p>
+            <a:pPr marL="457200" indent="-457200">
+              <a:buFont typeface="+mj-lt"/>
+              <a:buAutoNum type="arabicPeriod"/>
+            </a:pPr>
+            <a:endParaRPr lang="en-US" dirty="0" smtClean="0"/>
+          </a:p>
+          <a:p>
+            <a:endParaRPr lang="en-US" i="0" dirty="0"/>
+          </a:p>
+          <a:p>
+            <a:r>
+              <a:rPr lang="en-US" i="0" dirty="0"/>
+              <a:t> </a:t>
+            </a:r>
+          </a:p>
+          <a:p>
+            <a:pPr marL="1143000" indent="-1143000">
+              <a:buFont typeface="+mj-lt"/>
+              <a:buAutoNum type="arabicPeriod"/>
+            </a:pPr>
+            <a:r>
+              <a:rPr lang="fr-FR" sz="7200" i="0" dirty="0" err="1"/>
+              <a:t>I</a:t>
+            </a:r>
+            <a:r>
+              <a:rPr lang="fr-FR" sz="7200" i="0" dirty="0" err="1" smtClean="0"/>
+              <a:t>mplement</a:t>
+            </a:r>
+            <a:r>
+              <a:rPr lang="fr-FR" sz="7200" i="0" dirty="0" smtClean="0"/>
+              <a:t> </a:t>
+            </a:r>
+            <a:r>
+              <a:rPr lang="fr-FR" sz="7200" i="0" dirty="0" smtClean="0"/>
+              <a:t>XBMC plugin for client</a:t>
+            </a:r>
+            <a:endParaRPr lang="fr-FR" sz="7200" i="0" dirty="0"/>
+          </a:p>
+          <a:p>
+            <a:pPr marL="1143000" indent="-1143000">
+              <a:buFont typeface="+mj-lt"/>
+              <a:buAutoNum type="arabicPeriod"/>
+            </a:pPr>
+            <a:r>
+              <a:rPr lang="en-US" sz="7200" i="0" dirty="0"/>
+              <a:t>Refine </a:t>
+            </a:r>
+            <a:r>
+              <a:rPr lang="en-US" sz="7200" i="0" dirty="0" err="1"/>
+              <a:t>RESTful</a:t>
+            </a:r>
+            <a:r>
+              <a:rPr lang="en-US" sz="7200" i="0" dirty="0"/>
+              <a:t> web service on EC2 server </a:t>
+            </a:r>
+          </a:p>
+          <a:p>
+            <a:pPr marL="1143000" indent="-1143000">
+              <a:buFont typeface="+mj-lt"/>
+              <a:buAutoNum type="arabicPeriod"/>
+            </a:pPr>
+            <a:r>
+              <a:rPr lang="en-US" sz="7200" i="0" dirty="0" smtClean="0"/>
+              <a:t>Reworked app interface</a:t>
+            </a:r>
+            <a:endParaRPr lang="en-US" sz="7200" i="0" dirty="0"/>
+          </a:p>
+          <a:p>
+            <a:pPr marL="1143000" indent="-1143000">
+              <a:buFont typeface="+mj-lt"/>
+              <a:buAutoNum type="arabicPeriod"/>
+            </a:pPr>
+            <a:r>
+              <a:rPr lang="en-US" sz="7200" i="0" dirty="0" smtClean="0"/>
+              <a:t>Send </a:t>
+            </a:r>
+            <a:r>
+              <a:rPr lang="en-US" sz="7200" i="0" dirty="0"/>
+              <a:t>JSON from iPhone to server </a:t>
+            </a:r>
+          </a:p>
+        </p:txBody>
+      </p:sp>
+      <p:sp>
+        <p:nvSpPr>
+          <p:cNvPr id="3" name="Title 2"/>
+          <p:cNvSpPr>
+            <a:spLocks noGrp="1"/>
+          </p:cNvSpPr>
+          <p:nvPr>
+            <p:ph type="title"/>
+          </p:nvPr>
+        </p:nvSpPr>
+        <p:spPr/>
+        <p:txBody>
+          <a:bodyPr anchor="t"/>
+          <a:lstStyle/>
+          <a:p>
+            <a:r>
+              <a:rPr dirty="0" smtClean="0"/>
+              <a:t>Sprint 5</a:t>
+            </a:r>
+            <a:r>
+              <a:rPr lang="en-US" dirty="0" smtClean="0"/>
+              <a:t>:</a:t>
+            </a:r>
+            <a:endParaRPr lang="en-US" dirty="0"/>
+          </a:p>
+        </p:txBody>
+      </p:sp>
+      <p:sp>
+        <p:nvSpPr>
+          <p:cNvPr id="5" name="TextBox 4"/>
+          <p:cNvSpPr txBox="1"/>
+          <p:nvPr/>
+        </p:nvSpPr>
+        <p:spPr>
+          <a:xfrm>
+            <a:off x="0" y="1"/>
+            <a:ext cx="5638800" cy="461665"/>
+          </a:xfrm>
+          <a:prstGeom prst="rect">
+            <a:avLst/>
+          </a:prstGeom>
+          <a:noFill/>
+        </p:spPr>
+        <p:txBody>
+          <a:bodyPr wrap="square" rtlCol="0">
+            <a:spAutoFit/>
+          </a:bodyPr>
+          <a:lstStyle/>
+          <a:p>
+            <a:r>
+              <a:rPr lang="en-US" sz="2400" dirty="0"/>
+              <a:t>Christmas Lights Animation</a:t>
+            </a:r>
+          </a:p>
+        </p:txBody>
+      </p:sp>
+      <p:cxnSp>
+        <p:nvCxnSpPr>
+          <p:cNvPr id="6" name="Straight Connector 5"/>
+          <p:cNvCxnSpPr/>
+          <p:nvPr/>
+        </p:nvCxnSpPr>
+        <p:spPr>
+          <a:xfrm>
+            <a:off x="0" y="461665"/>
+            <a:ext cx="9144000" cy="0"/>
+          </a:xfrm>
+          <a:prstGeom prst="line">
+            <a:avLst/>
+          </a:prstGeom>
+        </p:spPr>
+        <p:style>
+          <a:lnRef idx="3">
+            <a:schemeClr val="accent2"/>
+          </a:lnRef>
+          <a:fillRef idx="0">
+            <a:schemeClr val="accent2"/>
+          </a:fillRef>
+          <a:effectRef idx="2">
+            <a:schemeClr val="accent2"/>
+          </a:effectRef>
+          <a:fontRef idx="minor">
+            <a:schemeClr val="tx1"/>
+          </a:fontRef>
+        </p:style>
+      </p:cxnSp>
+      <p:cxnSp>
+        <p:nvCxnSpPr>
+          <p:cNvPr id="7" name="Straight Connector 6"/>
+          <p:cNvCxnSpPr/>
+          <p:nvPr/>
+        </p:nvCxnSpPr>
+        <p:spPr>
+          <a:xfrm>
+            <a:off x="5791200" y="0"/>
+            <a:ext cx="0" cy="1752600"/>
+          </a:xfrm>
+          <a:prstGeom prst="line">
+            <a:avLst/>
+          </a:prstGeom>
+        </p:spPr>
+        <p:style>
+          <a:lnRef idx="3">
+            <a:schemeClr val="accent2"/>
+          </a:lnRef>
+          <a:fillRef idx="0">
+            <a:schemeClr val="accent2"/>
+          </a:fillRef>
+          <a:effectRef idx="2">
+            <a:schemeClr val="accent2"/>
+          </a:effectRef>
+          <a:fontRef idx="minor">
+            <a:schemeClr val="tx1"/>
+          </a:fontRef>
+        </p:style>
+      </p:cxnSp>
+      <p:pic>
+        <p:nvPicPr>
+          <p:cNvPr id="10" name="Picture 2" descr="http://3.bp.blogspot.com/-rMWOJSD6B08/TviTPhqHvAI/AAAAAAAAAbg/xMHjQIMeY9Y/s1600/ChristmasLights.png"/>
+          <p:cNvPicPr>
+            <a:picLocks noChangeAspect="1" noChangeArrowheads="1"/>
+          </p:cNvPicPr>
+          <p:nvPr/>
+        </p:nvPicPr>
+        <p:blipFill>
+          <a:blip r:embed="rId2" cstate="print">
+            <a:extLst>
+              <a:ext uri="{28A0092B-C50C-407E-A947-70E740481C1C}">
+                <a14:useLocalDpi xmlns:a14="http://schemas.microsoft.com/office/drawing/2010/main" val="0"/>
+              </a:ext>
+            </a:extLst>
+          </a:blip>
+          <a:srcRect/>
+          <a:stretch>
+            <a:fillRect/>
+          </a:stretch>
+        </p:blipFill>
+        <p:spPr bwMode="auto">
+          <a:xfrm>
+            <a:off x="5852615" y="1"/>
+            <a:ext cx="3352800" cy="626533"/>
+          </a:xfrm>
+          <a:prstGeom prst="rect">
+            <a:avLst/>
+          </a:prstGeom>
+          <a:noFill/>
+          <a:extLst>
+            <a:ext uri="{909E8E84-426E-40DD-AFC4-6F175D3DCCD1}">
+              <a14:hiddenFill xmlns:a14="http://schemas.microsoft.com/office/drawing/2010/main">
+                <a:solidFill>
+                  <a:srgbClr val="FFFFFF"/>
+                </a:solidFill>
+              </a14:hiddenFill>
+            </a:ext>
+          </a:extLst>
+        </p:spPr>
+      </p:pic>
+      <p:sp>
+        <p:nvSpPr>
+          <p:cNvPr id="9" name="TextBox 8"/>
+          <p:cNvSpPr txBox="1"/>
+          <p:nvPr/>
+        </p:nvSpPr>
+        <p:spPr>
+          <a:xfrm>
+            <a:off x="5852615" y="635633"/>
+            <a:ext cx="2514600" cy="923330"/>
+          </a:xfrm>
+          <a:prstGeom prst="rect">
+            <a:avLst/>
+          </a:prstGeom>
+          <a:noFill/>
+        </p:spPr>
+        <p:txBody>
+          <a:bodyPr wrap="square" rtlCol="0">
+            <a:spAutoFit/>
+          </a:bodyPr>
+          <a:lstStyle/>
+          <a:p>
+            <a:pPr marL="457200" indent="-457200">
+              <a:buClr>
+                <a:schemeClr val="tx1"/>
+              </a:buClr>
+              <a:buFont typeface="+mj-lt"/>
+              <a:buAutoNum type="arabicPeriod"/>
+            </a:pPr>
+            <a:r>
+              <a:rPr lang="en-US" dirty="0" smtClean="0"/>
+              <a:t>Sprint 4</a:t>
+            </a:r>
+          </a:p>
+          <a:p>
+            <a:pPr marL="457200" indent="-457200">
+              <a:buClr>
+                <a:schemeClr val="tx1"/>
+              </a:buClr>
+              <a:buFont typeface="+mj-lt"/>
+              <a:buAutoNum type="arabicPeriod"/>
+            </a:pPr>
+            <a:r>
+              <a:rPr lang="en-US" dirty="0" smtClean="0">
+                <a:solidFill>
+                  <a:schemeClr val="accent2"/>
+                </a:solidFill>
+              </a:rPr>
+              <a:t>Sprint 5</a:t>
+            </a:r>
+          </a:p>
+          <a:p>
+            <a:pPr marL="457200" indent="-457200">
+              <a:buClr>
+                <a:schemeClr val="tx1"/>
+              </a:buClr>
+              <a:buFont typeface="+mj-lt"/>
+              <a:buAutoNum type="arabicPeriod"/>
+            </a:pPr>
+            <a:r>
+              <a:rPr lang="en-US" dirty="0" smtClean="0"/>
+              <a:t>Backlog</a:t>
+            </a:r>
+            <a:endParaRPr lang="en-US" dirty="0"/>
+          </a:p>
+        </p:txBody>
+      </p:sp>
+      <p:sp>
+        <p:nvSpPr>
+          <p:cNvPr id="11" name="TextBox 10"/>
+          <p:cNvSpPr txBox="1"/>
+          <p:nvPr/>
+        </p:nvSpPr>
+        <p:spPr>
+          <a:xfrm>
+            <a:off x="152400" y="609600"/>
+            <a:ext cx="5486400" cy="923330"/>
+          </a:xfrm>
+          <a:prstGeom prst="rect">
+            <a:avLst/>
+          </a:prstGeom>
+          <a:noFill/>
+        </p:spPr>
+        <p:txBody>
+          <a:bodyPr wrap="square" rtlCol="0">
+            <a:spAutoFit/>
+          </a:bodyPr>
+          <a:lstStyle/>
+          <a:p>
+            <a:pPr marL="457200" indent="-457200">
+              <a:buClr>
+                <a:schemeClr val="tx1"/>
+              </a:buClr>
+              <a:buFont typeface="+mj-lt"/>
+              <a:buAutoNum type="arabicPeriod"/>
+            </a:pPr>
+            <a:r>
+              <a:rPr lang="en-US" dirty="0"/>
+              <a:t>Analysis</a:t>
+            </a:r>
+          </a:p>
+          <a:p>
+            <a:pPr marL="457200" indent="-457200">
+              <a:buClr>
+                <a:schemeClr val="tx1"/>
+              </a:buClr>
+              <a:buFont typeface="+mj-lt"/>
+              <a:buAutoNum type="arabicPeriod"/>
+            </a:pPr>
+            <a:r>
+              <a:rPr lang="en-US" dirty="0" smtClean="0">
+                <a:solidFill>
+                  <a:schemeClr val="accent2"/>
+                </a:solidFill>
+              </a:rPr>
+              <a:t>Sprints</a:t>
+            </a:r>
+            <a:endParaRPr lang="en-US" dirty="0">
+              <a:solidFill>
+                <a:schemeClr val="accent2"/>
+              </a:solidFill>
+            </a:endParaRPr>
+          </a:p>
+          <a:p>
+            <a:pPr marL="457200" indent="-457200">
+              <a:buClr>
+                <a:schemeClr val="tx1"/>
+              </a:buClr>
+              <a:buFont typeface="+mj-lt"/>
+              <a:buAutoNum type="arabicPeriod"/>
+            </a:pPr>
+            <a:r>
+              <a:rPr lang="en-US" dirty="0" smtClean="0"/>
+              <a:t>Live Demo</a:t>
+            </a:r>
+            <a:endParaRPr lang="en-US" dirty="0"/>
+          </a:p>
+        </p:txBody>
+      </p:sp>
+    </p:spTree>
+    <p:extLst>
+      <p:ext uri="{BB962C8B-B14F-4D97-AF65-F5344CB8AC3E}">
+        <p14:creationId xmlns:p14="http://schemas.microsoft.com/office/powerpoint/2010/main" val="516542529"/>
+      </p:ext>
+    </p:extLst>
+  </p:cSld>
+  <p:clrMapOvr>
+    <a:masterClrMapping/>
+  </p:clrMapOvr>
+  <p:timing>
+    <p:tnLst>
+      <p:par>
+        <p:cTn id="1" dur="indefinite" restart="never" nodeType="tmRoot"/>
+      </p:par>
+    </p:tnLst>
+  </p:timing>
+</p:sld>
+</file>
+
+<file path=ppt/slides/slide7.xml><?xml version="1.0" encoding="utf-8"?>
+<p:sld xmlns:a="http://schemas.openxmlformats.org/drawingml/2006/main" xmlns:r="http://schemas.openxmlformats.org/officeDocument/2006/relationships" xmlns:p="http://schemas.openxmlformats.org/presentationml/2006/main">
+  <p:cSld>
+    <p:spTree>
+      <p:nvGrpSpPr>
+        <p:cNvPr id="1" name=""/>
+        <p:cNvGrpSpPr/>
+        <p:nvPr/>
+      </p:nvGrpSpPr>
+      <p:grpSpPr>
+        <a:xfrm>
+          <a:off x="0" y="0"/>
+          <a:ext cx="0" cy="0"/>
+          <a:chOff x="0" y="0"/>
+          <a:chExt cx="0" cy="0"/>
+        </a:xfrm>
+      </p:grpSpPr>
+      <p:sp>
+        <p:nvSpPr>
+          <p:cNvPr id="5" name="Text Placeholder 4"/>
+          <p:cNvSpPr>
+            <a:spLocks noGrp="1"/>
+          </p:cNvSpPr>
+          <p:nvPr>
+            <p:ph sz="quarter" idx="13"/>
+          </p:nvPr>
+        </p:nvSpPr>
+        <p:spPr/>
+        <p:txBody>
+          <a:bodyPr/>
+          <a:lstStyle/>
+          <a:p>
+            <a:pPr marL="285750" indent="-285750">
+              <a:buFont typeface="Arial" pitchFamily="34" charset="0"/>
+              <a:buChar char="•"/>
+            </a:pPr>
+            <a:r>
+              <a:rPr lang="en-US" dirty="0" smtClean="0"/>
+              <a:t>Award-winning  open source (GPL) media center software.</a:t>
+            </a:r>
+          </a:p>
+          <a:p>
+            <a:pPr marL="285750" indent="-285750">
+              <a:buFont typeface="Arial" pitchFamily="34" charset="0"/>
+              <a:buChar char="•"/>
+            </a:pPr>
+            <a:r>
+              <a:rPr lang="en-US" dirty="0" smtClean="0"/>
+              <a:t>Works on Linux, OSX, &amp; Windows</a:t>
+            </a:r>
+          </a:p>
+          <a:p>
+            <a:pPr marL="285750" indent="-285750">
+              <a:buFont typeface="Arial" pitchFamily="34" charset="0"/>
+              <a:buChar char="•"/>
+            </a:pPr>
+            <a:r>
+              <a:rPr lang="en-US" dirty="0" smtClean="0"/>
+              <a:t>Can be installed on Raspberry Pi</a:t>
+            </a:r>
+          </a:p>
+          <a:p>
+            <a:pPr marL="285750" indent="-285750">
+              <a:buFont typeface="Arial" pitchFamily="34" charset="0"/>
+              <a:buChar char="•"/>
+            </a:pPr>
+            <a:r>
+              <a:rPr lang="en-US" dirty="0" smtClean="0"/>
+              <a:t>Designed for network playback and supports almost all audio and video formats</a:t>
+            </a:r>
+          </a:p>
+          <a:p>
+            <a:pPr marL="285750" indent="-285750">
+              <a:buFont typeface="Arial" pitchFamily="34" charset="0"/>
+              <a:buChar char="•"/>
+            </a:pPr>
+            <a:r>
+              <a:rPr lang="en-US" dirty="0" smtClean="0"/>
+              <a:t>Includes a built-in Python interpreter which allows users to develop add-ons </a:t>
+            </a:r>
+          </a:p>
+          <a:p>
+            <a:pPr marL="285750" indent="-285750">
+              <a:buFont typeface="Arial" pitchFamily="34" charset="0"/>
+              <a:buChar char="•"/>
+            </a:pPr>
+            <a:endParaRPr lang="en-US" dirty="0" smtClean="0"/>
+          </a:p>
+          <a:p>
+            <a:pPr marL="285750" indent="-285750">
+              <a:buFont typeface="Arial" pitchFamily="34" charset="0"/>
+              <a:buChar char="•"/>
+            </a:pPr>
+            <a:endParaRPr lang="en-US" dirty="0"/>
+          </a:p>
+          <a:p>
+            <a:pPr marL="285750" indent="-285750">
+              <a:buFont typeface="Arial" pitchFamily="34" charset="0"/>
+              <a:buChar char="•"/>
+            </a:pPr>
+            <a:endParaRPr lang="en-US" dirty="0" smtClean="0"/>
+          </a:p>
+          <a:p>
+            <a:pPr marL="285750" indent="-285750">
+              <a:buFont typeface="Arial" pitchFamily="34" charset="0"/>
+              <a:buChar char="•"/>
+            </a:pPr>
+            <a:r>
+              <a:rPr lang="en-US" dirty="0" smtClean="0">
+                <a:hlinkClick r:id="rId2"/>
+              </a:rPr>
+              <a:t>www.xbmc.org</a:t>
+            </a:r>
+            <a:r>
+              <a:rPr lang="en-US" dirty="0" smtClean="0"/>
+              <a:t> for more information about XBMC</a:t>
+            </a:r>
+          </a:p>
+        </p:txBody>
+      </p:sp>
+      <p:sp>
+        <p:nvSpPr>
+          <p:cNvPr id="4" name="Title 3"/>
+          <p:cNvSpPr>
+            <a:spLocks noGrp="1"/>
+          </p:cNvSpPr>
+          <p:nvPr>
+            <p:ph type="title"/>
+          </p:nvPr>
+        </p:nvSpPr>
+        <p:spPr/>
+        <p:txBody>
+          <a:bodyPr/>
+          <a:lstStyle/>
+          <a:p>
+            <a:r>
+              <a:rPr lang="en-US" dirty="0" smtClean="0"/>
+              <a:t>Why XBMC?</a:t>
+            </a:r>
+            <a:endParaRPr lang="en-US" dirty="0"/>
+          </a:p>
+        </p:txBody>
+      </p:sp>
+    </p:spTree>
+    <p:extLst>
+      <p:ext uri="{BB962C8B-B14F-4D97-AF65-F5344CB8AC3E}">
+        <p14:creationId xmlns:p14="http://schemas.microsoft.com/office/powerpoint/2010/main" val="4034962175"/>
+      </p:ext>
+    </p:extLst>
+  </p:cSld>
+  <p:clrMapOvr>
+    <a:masterClrMapping/>
+  </p:clrMapOvr>
+</p:sld>
+</file>
+
+<file path=ppt/slides/slide8.xml><?xml version="1.0" encoding="utf-8"?>
+<p:sld xmlns:a="http://schemas.openxmlformats.org/drawingml/2006/main" xmlns:r="http://schemas.openxmlformats.org/officeDocument/2006/relationships" xmlns:p="http://schemas.openxmlformats.org/presentationml/2006/main">
+  <p:cSld>
+    <p:spTree>
+      <p:nvGrpSpPr>
+        <p:cNvPr id="1" name=""/>
+        <p:cNvGrpSpPr/>
+        <p:nvPr/>
+      </p:nvGrpSpPr>
+      <p:grpSpPr>
+        <a:xfrm>
+          <a:off x="0" y="0"/>
+          <a:ext cx="0" cy="0"/>
+          <a:chOff x="0" y="0"/>
+          <a:chExt cx="0" cy="0"/>
+        </a:xfrm>
+      </p:grpSpPr>
+      <p:sp>
+        <p:nvSpPr>
+          <p:cNvPr id="3" name="Title 2"/>
+          <p:cNvSpPr>
+            <a:spLocks noGrp="1"/>
+          </p:cNvSpPr>
+          <p:nvPr>
+            <p:ph type="title"/>
+          </p:nvPr>
+        </p:nvSpPr>
+        <p:spPr/>
+        <p:txBody>
+          <a:bodyPr/>
+          <a:lstStyle/>
+          <a:p>
+            <a:r>
+              <a:rPr lang="en-US" dirty="0" smtClean="0"/>
+              <a:t>XBMC Demonstration</a:t>
+            </a:r>
+            <a:endParaRPr lang="en-US" dirty="0"/>
+          </a:p>
+        </p:txBody>
+      </p:sp>
+      <p:pic>
+        <p:nvPicPr>
+          <p:cNvPr id="4" name="T970YM3w1LY?version=3&amp;hl=en_US"/>
+          <p:cNvPicPr>
+            <a:picLocks noGrp="1" noRot="1" noChangeAspect="1"/>
+          </p:cNvPicPr>
+          <p:nvPr>
+            <p:ph sz="quarter" idx="13"/>
+            <a:videoFile r:link="rId1"/>
+          </p:nvPr>
+        </p:nvPicPr>
+        <p:blipFill>
+          <a:blip r:embed="rId3"/>
+          <a:stretch>
+            <a:fillRect/>
+          </a:stretch>
+        </p:blipFill>
+        <p:spPr>
+          <a:xfrm>
+            <a:off x="2057400" y="2209800"/>
+            <a:ext cx="4652433" cy="3489325"/>
+          </a:xfrm>
+          <a:prstGeom prst="rect">
+            <a:avLst/>
+          </a:prstGeom>
+        </p:spPr>
+      </p:pic>
+    </p:spTree>
+    <p:extLst>
+      <p:ext uri="{BB962C8B-B14F-4D97-AF65-F5344CB8AC3E}">
+        <p14:creationId xmlns:p14="http://schemas.microsoft.com/office/powerpoint/2010/main" val="620482494"/>
+      </p:ext>
+    </p:extLst>
+  </p:cSld>
+  <p:clrMapOvr>
+    <a:masterClrMapping/>
+  </p:clrMapOvr>
+  <p:timing>
+    <p:tnLst>
+      <p:par>
+        <p:cTn id="1" dur="indefinite" restart="never" nodeType="tmRoot">
+          <p:childTnLst>
+            <p:seq concurrent="1" nextAc="seek">
+              <p:cTn id="2" dur="indefinite" nodeType="mainSeq">
+                <p:childTnLst>
+                  <p:par>
+                    <p:cTn id="3" fill="hold">
+                      <p:stCondLst>
+                        <p:cond delay="indefinite"/>
+                        <p:cond evt="onBegin" delay="0">
+                          <p:tn val="2"/>
+                        </p:cond>
+                      </p:stCondLst>
+                      <p:childTnLst>
+                        <p:par>
+                          <p:cTn id="4" fill="hold">
+                            <p:stCondLst>
+                              <p:cond delay="0"/>
+                            </p:stCondLst>
+                            <p:childTnLst>
+                              <p:par>
+                                <p:cTn id="5" presetID="1" presetClass="mediacall" presetSubtype="0" fill="hold" nodeType="afterEffect">
+                                  <p:stCondLst>
+                                    <p:cond delay="0"/>
+                                  </p:stCondLst>
+                                  <p:childTnLst>
+                                    <p:cmd type="call" cmd="playFrom(0.0)">
+                                      <p:cBhvr>
+                                        <p:cTn id="6" dur="1" fill="hold"/>
+                                        <p:tgtEl>
+                                          <p:spTgt spid="4"/>
+                                        </p:tgtEl>
+                                      </p:cBhvr>
+                                    </p:cmd>
+                                  </p:childTnLst>
+                                </p:cTn>
+                              </p:par>
+                            </p:childTnLst>
+                          </p:cTn>
+                        </p:par>
+                      </p:childTnLst>
+                    </p:cTn>
+                  </p:par>
+                </p:childTnLst>
+              </p:cTn>
+              <p:prevCondLst>
+                <p:cond evt="onPrev" delay="0">
+                  <p:tgtEl>
+                    <p:sldTgt/>
+                  </p:tgtEl>
+                </p:cond>
+              </p:prevCondLst>
+              <p:nextCondLst>
+                <p:cond evt="onNext" delay="0">
+                  <p:tgtEl>
+                    <p:sldTgt/>
+                  </p:tgtEl>
+                </p:cond>
+              </p:nextCondLst>
+            </p:seq>
+            <p:video>
+              <p:cMediaNode vol="80000">
+                <p:cTn id="7" fill="hold" display="0">
+                  <p:stCondLst>
+                    <p:cond delay="indefinite"/>
+                  </p:stCondLst>
+                </p:cTn>
+                <p:tgtEl>
+                  <p:spTgt spid="4"/>
+                </p:tgtEl>
+              </p:cMediaNode>
+            </p:video>
+          </p:childTnLst>
+        </p:cTn>
+      </p:par>
+    </p:tnLst>
+  </p:timing>
+</p:sld>
+</file>
+
+<file path=ppt/slides/slide9.xml><?xml version="1.0" encoding="utf-8"?>
+<p:sld xmlns:a="http://schemas.openxmlformats.org/drawingml/2006/main" xmlns:r="http://schemas.openxmlformats.org/officeDocument/2006/relationships" xmlns:p="http://schemas.openxmlformats.org/presentationml/2006/main">
+  <p:cSld>
+    <p:spTree>
+      <p:nvGrpSpPr>
+        <p:cNvPr id="1" name=""/>
+        <p:cNvGrpSpPr/>
+        <p:nvPr/>
+      </p:nvGrpSpPr>
+      <p:grpSpPr>
+        <a:xfrm>
+          <a:off x="0" y="0"/>
+          <a:ext cx="0" cy="0"/>
+          <a:chOff x="0" y="0"/>
+          <a:chExt cx="0" cy="0"/>
+        </a:xfrm>
+      </p:grpSpPr>
+      <p:sp>
+        <p:nvSpPr>
+          <p:cNvPr id="2" name="Content Placeholder 1"/>
+          <p:cNvSpPr>
+            <a:spLocks noGrp="1"/>
+          </p:cNvSpPr>
+          <p:nvPr>
+            <p:ph sz="quarter" idx="13"/>
+          </p:nvPr>
+        </p:nvSpPr>
+        <p:spPr/>
+        <p:txBody>
+          <a:bodyPr/>
+          <a:lstStyle/>
+          <a:p>
+            <a:pPr marL="285750" indent="-285750">
+              <a:buFont typeface="Arial" pitchFamily="34" charset="0"/>
+              <a:buChar char="•"/>
+            </a:pPr>
+            <a:r>
+              <a:rPr lang="en-US" dirty="0" smtClean="0"/>
+              <a:t>XBMC already has all the media playback functionality we need</a:t>
+            </a:r>
+          </a:p>
+          <a:p>
+            <a:pPr marL="285750" indent="-285750">
+              <a:buFont typeface="Arial" pitchFamily="34" charset="0"/>
+              <a:buChar char="•"/>
+            </a:pPr>
+            <a:r>
+              <a:rPr lang="en-US" dirty="0" smtClean="0"/>
+              <a:t>Created an add-on which adds ability to control lights manually or at the song level.</a:t>
+            </a:r>
+            <a:endParaRPr lang="en-US" dirty="0"/>
+          </a:p>
+        </p:txBody>
+      </p:sp>
+      <p:sp>
+        <p:nvSpPr>
+          <p:cNvPr id="3" name="Title 2"/>
+          <p:cNvSpPr>
+            <a:spLocks noGrp="1"/>
+          </p:cNvSpPr>
+          <p:nvPr>
+            <p:ph type="title"/>
+          </p:nvPr>
+        </p:nvSpPr>
+        <p:spPr/>
+        <p:txBody>
+          <a:bodyPr/>
+          <a:lstStyle/>
+          <a:p>
+            <a:r>
+              <a:rPr lang="en-US" dirty="0" smtClean="0"/>
+              <a:t>Our XBMC Add-on</a:t>
+            </a:r>
+            <a:endParaRPr lang="en-US" dirty="0"/>
+          </a:p>
+        </p:txBody>
+      </p:sp>
+    </p:spTree>
+    <p:extLst>
+      <p:ext uri="{BB962C8B-B14F-4D97-AF65-F5344CB8AC3E}">
+        <p14:creationId xmlns:p14="http://schemas.microsoft.com/office/powerpoint/2010/main" val="4004590168"/>
+      </p:ext>
+    </p:extLst>
+  </p:cSld>
+  <p:clrMapOvr>
+    <a:masterClrMapping/>
+  </p:clrMapOvr>
+  <p:timing>
+    <p:tnLst>
+      <p:par>
+        <p:cTn id="1" dur="indefinite" restart="never" nodeType="tmRoot"/>
       </p:par>
     </p:tnLst>
   </p:timing>

--- a/documents/Presentation 3.pptx
+++ b/documents/Presentation 3.pptx
@@ -1,6 +1,6 @@
 
 <file path=ppt/presentation.xml><?xml version="1.0" encoding="utf-8"?>
-<p:presentation xmlns:a="http://schemas.openxmlformats.org/drawingml/2006/main" xmlns:r="http://schemas.openxmlformats.org/officeDocument/2006/relationships" xmlns:p="http://schemas.openxmlformats.org/presentationml/2006/main" saveSubsetFonts="1">
+<p:presentation xmlns:a="http://schemas.openxmlformats.org/drawingml/2006/main" xmlns:r="http://schemas.openxmlformats.org/officeDocument/2006/relationships" xmlns:mc="http://schemas.openxmlformats.org/markup-compatibility/2006" xmlns:mv="urn:schemas-microsoft-com:mac:vml" xmlns:p="http://schemas.openxmlformats.org/presentationml/2006/main" mc:Ignorable="mv" mc:PreserveAttributes="mv:*" saveSubsetFonts="1">
   <p:sldMasterIdLst>
     <p:sldMasterId id="2147483696" r:id="rId1"/>
   </p:sldMasterIdLst>
@@ -120,7 +120,7 @@
   </p:defaultTextStyle>
   <p:extLst>
     <p:ext uri="{521415D9-36F7-43E2-AB2F-B90AF26B5E84}">
-      <p14:sectionLst xmlns:p14="http://schemas.microsoft.com/office/powerpoint/2010/main">
+      <p14:sectionLst xmlns:p14="http://schemas.microsoft.com/office/powerpoint/2010/main" xmlns:p="http://schemas.openxmlformats.org/presentationml/2006/main" xmlns:r="http://schemas.openxmlformats.org/officeDocument/2006/relationships" xmlns:a="http://schemas.openxmlformats.org/drawingml/2006/main" xmlns="">
         <p14:section name="Introduction" id="{35E0183A-0792-4662-BF25-BBFFD4AD5638}">
           <p14:sldIdLst>
             <p14:sldId id="256"/>
@@ -152,7 +152,7 @@
 </file>
 
 <file path=ppt/notesMasters/notesMaster1.xml><?xml version="1.0" encoding="utf-8"?>
-<p:notesMaster xmlns:a="http://schemas.openxmlformats.org/drawingml/2006/main" xmlns:r="http://schemas.openxmlformats.org/officeDocument/2006/relationships" xmlns:p="http://schemas.openxmlformats.org/presentationml/2006/main">
+<p:notesMaster xmlns:a="http://schemas.openxmlformats.org/drawingml/2006/main" xmlns:r="http://schemas.openxmlformats.org/officeDocument/2006/relationships" xmlns:mc="http://schemas.openxmlformats.org/markup-compatibility/2006" xmlns:mv="urn:schemas-microsoft-com:mac:vml" xmlns:p="http://schemas.openxmlformats.org/presentationml/2006/main" mc:Ignorable="mv" mc:PreserveAttributes="mv:*">
   <p:cSld>
     <p:bg>
       <p:bgRef idx="1001">
@@ -234,7 +234,7 @@
             <a:fld id="{2CEB4496-0C0B-4D02-B180-604D34149E7D}" type="datetimeFigureOut">
               <a:rPr lang="en-US" smtClean="0"/>
               <a:pPr/>
-              <a:t>3/21/2013</a:t>
+              <a:t>3/21/13</a:t>
             </a:fld>
             <a:endParaRPr lang="en-US"/>
           </a:p>
@@ -403,7 +403,7 @@
     </p:spTree>
     <p:extLst>
       <p:ext uri="{BB962C8B-B14F-4D97-AF65-F5344CB8AC3E}">
-        <p14:creationId xmlns:p14="http://schemas.microsoft.com/office/powerpoint/2010/main" val="1754599466"/>
+        <p14:creationId xmlns:p14="http://schemas.microsoft.com/office/powerpoint/2010/main" xmlns:p="http://schemas.openxmlformats.org/presentationml/2006/main" xmlns:r="http://schemas.openxmlformats.org/officeDocument/2006/relationships" xmlns:a="http://schemas.openxmlformats.org/drawingml/2006/main" xmlns="" val="1754599466"/>
       </p:ext>
     </p:extLst>
   </p:cSld>
@@ -504,7 +504,7 @@
 </file>
 
 <file path=ppt/notesSlides/notesSlide1.xml><?xml version="1.0" encoding="utf-8"?>
-<p:notes xmlns:a="http://schemas.openxmlformats.org/drawingml/2006/main" xmlns:r="http://schemas.openxmlformats.org/officeDocument/2006/relationships" xmlns:p="http://schemas.openxmlformats.org/presentationml/2006/main">
+<p:notes xmlns:a="http://schemas.openxmlformats.org/drawingml/2006/main" xmlns:r="http://schemas.openxmlformats.org/officeDocument/2006/relationships" xmlns:mc="http://schemas.openxmlformats.org/markup-compatibility/2006" xmlns:mv="urn:schemas-microsoft-com:mac:vml" xmlns:p="http://schemas.openxmlformats.org/presentationml/2006/main" mc:Ignorable="mv" mc:PreserveAttributes="mv:*">
   <p:cSld>
     <p:spTree>
       <p:nvGrpSpPr>
@@ -583,7 +583,7 @@
     </p:spTree>
     <p:extLst>
       <p:ext uri="{BB962C8B-B14F-4D97-AF65-F5344CB8AC3E}">
-        <p14:creationId xmlns:p14="http://schemas.microsoft.com/office/powerpoint/2010/main" val="2380251963"/>
+        <p14:creationId xmlns:p14="http://schemas.microsoft.com/office/powerpoint/2010/main" xmlns:p="http://schemas.openxmlformats.org/presentationml/2006/main" xmlns:r="http://schemas.openxmlformats.org/officeDocument/2006/relationships" xmlns:a="http://schemas.openxmlformats.org/drawingml/2006/main" xmlns="" val="2380251963"/>
       </p:ext>
     </p:extLst>
   </p:cSld>
@@ -594,7 +594,7 @@
 </file>
 
 <file path=ppt/notesSlides/notesSlide2.xml><?xml version="1.0" encoding="utf-8"?>
-<p:notes xmlns:a="http://schemas.openxmlformats.org/drawingml/2006/main" xmlns:r="http://schemas.openxmlformats.org/officeDocument/2006/relationships" xmlns:p="http://schemas.openxmlformats.org/presentationml/2006/main">
+<p:notes xmlns:a="http://schemas.openxmlformats.org/drawingml/2006/main" xmlns:r="http://schemas.openxmlformats.org/officeDocument/2006/relationships" xmlns:mc="http://schemas.openxmlformats.org/markup-compatibility/2006" xmlns:mv="urn:schemas-microsoft-com:mac:vml" xmlns:p="http://schemas.openxmlformats.org/presentationml/2006/main" mc:Ignorable="mv" mc:PreserveAttributes="mv:*">
   <p:cSld>
     <p:spTree>
       <p:nvGrpSpPr>
@@ -673,7 +673,7 @@
     </p:spTree>
     <p:extLst>
       <p:ext uri="{BB962C8B-B14F-4D97-AF65-F5344CB8AC3E}">
-        <p14:creationId xmlns:p14="http://schemas.microsoft.com/office/powerpoint/2010/main" val="2380251963"/>
+        <p14:creationId xmlns:p14="http://schemas.microsoft.com/office/powerpoint/2010/main" xmlns:p="http://schemas.openxmlformats.org/presentationml/2006/main" xmlns:r="http://schemas.openxmlformats.org/officeDocument/2006/relationships" xmlns:a="http://schemas.openxmlformats.org/drawingml/2006/main" xmlns="" val="2380251963"/>
       </p:ext>
     </p:extLst>
   </p:cSld>
@@ -684,7 +684,7 @@
 </file>
 
 <file path=ppt/slideLayouts/slideLayout1.xml><?xml version="1.0" encoding="utf-8"?>
-<p:sldLayout xmlns:a="http://schemas.openxmlformats.org/drawingml/2006/main" xmlns:r="http://schemas.openxmlformats.org/officeDocument/2006/relationships" xmlns:p="http://schemas.openxmlformats.org/presentationml/2006/main" type="title" preserve="1">
+<p:sldLayout xmlns:a="http://schemas.openxmlformats.org/drawingml/2006/main" xmlns:r="http://schemas.openxmlformats.org/officeDocument/2006/relationships" xmlns:mc="http://schemas.openxmlformats.org/markup-compatibility/2006" xmlns:mv="urn:schemas-microsoft-com:mac:vml" xmlns:p="http://schemas.openxmlformats.org/presentationml/2006/main" mc:Ignorable="mv" mc:PreserveAttributes="mv:*" type="title" preserve="1">
   <p:cSld name="Title Slide">
     <p:spTree>
       <p:nvGrpSpPr>
@@ -920,7 +920,7 @@
             <a:fld id="{3238A554-0062-4B18-8749-3E8553542432}" type="datetimeFigureOut">
               <a:rPr lang="en-US" smtClean="0"/>
               <a:pPr/>
-              <a:t>3/21/2013</a:t>
+              <a:t>3/21/13</a:t>
             </a:fld>
             <a:endParaRPr lang="en-US"/>
           </a:p>
@@ -1043,7 +1043,7 @@
 </file>
 
 <file path=ppt/slideLayouts/slideLayout10.xml><?xml version="1.0" encoding="utf-8"?>
-<p:sldLayout xmlns:a="http://schemas.openxmlformats.org/drawingml/2006/main" xmlns:r="http://schemas.openxmlformats.org/officeDocument/2006/relationships" xmlns:p="http://schemas.openxmlformats.org/presentationml/2006/main" type="vertTx" preserve="1">
+<p:sldLayout xmlns:a="http://schemas.openxmlformats.org/drawingml/2006/main" xmlns:r="http://schemas.openxmlformats.org/officeDocument/2006/relationships" xmlns:mc="http://schemas.openxmlformats.org/markup-compatibility/2006" xmlns:mv="urn:schemas-microsoft-com:mac:vml" xmlns:p="http://schemas.openxmlformats.org/presentationml/2006/main" mc:Ignorable="mv" mc:PreserveAttributes="mv:*" type="vertTx" preserve="1">
   <p:cSld name="Title and Vertical Text">
     <p:spTree>
       <p:nvGrpSpPr>
@@ -1200,7 +1200,7 @@
             <a:fld id="{3238A554-0062-4B18-8749-3E8553542432}" type="datetimeFigureOut">
               <a:rPr lang="en-US" smtClean="0"/>
               <a:pPr/>
-              <a:t>3/21/2013</a:t>
+              <a:t>3/21/13</a:t>
             </a:fld>
             <a:endParaRPr lang="en-US"/>
           </a:p>
@@ -1258,7 +1258,7 @@
 </file>
 
 <file path=ppt/slideLayouts/slideLayout11.xml><?xml version="1.0" encoding="utf-8"?>
-<p:sldLayout xmlns:a="http://schemas.openxmlformats.org/drawingml/2006/main" xmlns:r="http://schemas.openxmlformats.org/officeDocument/2006/relationships" xmlns:p="http://schemas.openxmlformats.org/presentationml/2006/main" type="vertTitleAndTx" preserve="1">
+<p:sldLayout xmlns:a="http://schemas.openxmlformats.org/drawingml/2006/main" xmlns:r="http://schemas.openxmlformats.org/officeDocument/2006/relationships" xmlns:mc="http://schemas.openxmlformats.org/markup-compatibility/2006" xmlns:mv="urn:schemas-microsoft-com:mac:vml" xmlns:p="http://schemas.openxmlformats.org/presentationml/2006/main" mc:Ignorable="mv" mc:PreserveAttributes="mv:*" type="vertTitleAndTx" preserve="1">
   <p:cSld name="Vertical Title and Text">
     <p:spTree>
       <p:nvGrpSpPr>
@@ -1425,7 +1425,7 @@
             <a:fld id="{3238A554-0062-4B18-8749-3E8553542432}" type="datetimeFigureOut">
               <a:rPr lang="en-US" smtClean="0"/>
               <a:pPr/>
-              <a:t>3/21/2013</a:t>
+              <a:t>3/21/13</a:t>
             </a:fld>
             <a:endParaRPr lang="en-US"/>
           </a:p>
@@ -1483,7 +1483,7 @@
 </file>
 
 <file path=ppt/slideLayouts/slideLayout2.xml><?xml version="1.0" encoding="utf-8"?>
-<p:sldLayout xmlns:a="http://schemas.openxmlformats.org/drawingml/2006/main" xmlns:r="http://schemas.openxmlformats.org/officeDocument/2006/relationships" xmlns:p="http://schemas.openxmlformats.org/presentationml/2006/main" type="obj" preserve="1">
+<p:sldLayout xmlns:a="http://schemas.openxmlformats.org/drawingml/2006/main" xmlns:r="http://schemas.openxmlformats.org/officeDocument/2006/relationships" xmlns:mc="http://schemas.openxmlformats.org/markup-compatibility/2006" xmlns:mv="urn:schemas-microsoft-com:mac:vml" xmlns:p="http://schemas.openxmlformats.org/presentationml/2006/main" mc:Ignorable="mv" mc:PreserveAttributes="mv:*" type="obj" preserve="1">
   <p:cSld name="Title and Content">
     <p:spTree>
       <p:nvGrpSpPr>
@@ -1622,7 +1622,7 @@
             <a:fld id="{3238A554-0062-4B18-8749-3E8553542432}" type="datetimeFigureOut">
               <a:rPr lang="en-US" smtClean="0"/>
               <a:pPr/>
-              <a:t>3/21/2013</a:t>
+              <a:t>3/21/13</a:t>
             </a:fld>
             <a:endParaRPr lang="en-US"/>
           </a:p>
@@ -1703,7 +1703,7 @@
 </file>
 
 <file path=ppt/slideLayouts/slideLayout3.xml><?xml version="1.0" encoding="utf-8"?>
-<p:sldLayout xmlns:a="http://schemas.openxmlformats.org/drawingml/2006/main" xmlns:r="http://schemas.openxmlformats.org/officeDocument/2006/relationships" xmlns:p="http://schemas.openxmlformats.org/presentationml/2006/main" type="secHead" preserve="1">
+<p:sldLayout xmlns:a="http://schemas.openxmlformats.org/drawingml/2006/main" xmlns:r="http://schemas.openxmlformats.org/officeDocument/2006/relationships" xmlns:mc="http://schemas.openxmlformats.org/markup-compatibility/2006" xmlns:mv="urn:schemas-microsoft-com:mac:vml" xmlns:p="http://schemas.openxmlformats.org/presentationml/2006/main" mc:Ignorable="mv" mc:PreserveAttributes="mv:*" type="secHead" preserve="1">
   <p:cSld name="Section Header">
     <p:spTree>
       <p:nvGrpSpPr>
@@ -1904,7 +1904,7 @@
             <a:fld id="{3238A554-0062-4B18-8749-3E8553542432}" type="datetimeFigureOut">
               <a:rPr lang="en-US" smtClean="0"/>
               <a:pPr/>
-              <a:t>3/21/2013</a:t>
+              <a:t>3/21/13</a:t>
             </a:fld>
             <a:endParaRPr lang="en-US"/>
           </a:p>
@@ -2124,7 +2124,7 @@
 </file>
 
 <file path=ppt/slideLayouts/slideLayout4.xml><?xml version="1.0" encoding="utf-8"?>
-<p:sldLayout xmlns:a="http://schemas.openxmlformats.org/drawingml/2006/main" xmlns:r="http://schemas.openxmlformats.org/officeDocument/2006/relationships" xmlns:p="http://schemas.openxmlformats.org/presentationml/2006/main" type="twoObj" preserve="1">
+<p:sldLayout xmlns:a="http://schemas.openxmlformats.org/drawingml/2006/main" xmlns:r="http://schemas.openxmlformats.org/officeDocument/2006/relationships" xmlns:mc="http://schemas.openxmlformats.org/markup-compatibility/2006" xmlns:mv="urn:schemas-microsoft-com:mac:vml" xmlns:p="http://schemas.openxmlformats.org/presentationml/2006/main" mc:Ignorable="mv" mc:PreserveAttributes="mv:*" type="twoObj" preserve="1">
   <p:cSld name="Two Content">
     <p:spTree>
       <p:nvGrpSpPr>
@@ -2379,7 +2379,7 @@
             <a:fld id="{3238A554-0062-4B18-8749-3E8553542432}" type="datetimeFigureOut">
               <a:rPr lang="en-US" smtClean="0"/>
               <a:pPr/>
-              <a:t>3/21/2013</a:t>
+              <a:t>3/21/13</a:t>
             </a:fld>
             <a:endParaRPr lang="en-US"/>
           </a:p>
@@ -2437,7 +2437,7 @@
 </file>
 
 <file path=ppt/slideLayouts/slideLayout5.xml><?xml version="1.0" encoding="utf-8"?>
-<p:sldLayout xmlns:a="http://schemas.openxmlformats.org/drawingml/2006/main" xmlns:r="http://schemas.openxmlformats.org/officeDocument/2006/relationships" xmlns:p="http://schemas.openxmlformats.org/presentationml/2006/main" type="twoTxTwoObj" preserve="1">
+<p:sldLayout xmlns:a="http://schemas.openxmlformats.org/drawingml/2006/main" xmlns:r="http://schemas.openxmlformats.org/officeDocument/2006/relationships" xmlns:mc="http://schemas.openxmlformats.org/markup-compatibility/2006" xmlns:mv="urn:schemas-microsoft-com:mac:vml" xmlns:p="http://schemas.openxmlformats.org/presentationml/2006/main" mc:Ignorable="mv" mc:PreserveAttributes="mv:*" type="twoTxTwoObj" preserve="1">
   <p:cSld name="Comparison">
     <p:spTree>
       <p:nvGrpSpPr>
@@ -2836,7 +2836,7 @@
             <a:fld id="{3238A554-0062-4B18-8749-3E8553542432}" type="datetimeFigureOut">
               <a:rPr lang="en-US" smtClean="0"/>
               <a:pPr/>
-              <a:t>3/21/2013</a:t>
+              <a:t>3/21/13</a:t>
             </a:fld>
             <a:endParaRPr lang="en-US"/>
           </a:p>
@@ -2894,7 +2894,7 @@
 </file>
 
 <file path=ppt/slideLayouts/slideLayout6.xml><?xml version="1.0" encoding="utf-8"?>
-<p:sldLayout xmlns:a="http://schemas.openxmlformats.org/drawingml/2006/main" xmlns:r="http://schemas.openxmlformats.org/officeDocument/2006/relationships" xmlns:p="http://schemas.openxmlformats.org/presentationml/2006/main" type="titleOnly" preserve="1">
+<p:sldLayout xmlns:a="http://schemas.openxmlformats.org/drawingml/2006/main" xmlns:r="http://schemas.openxmlformats.org/officeDocument/2006/relationships" xmlns:mc="http://schemas.openxmlformats.org/markup-compatibility/2006" xmlns:mv="urn:schemas-microsoft-com:mac:vml" xmlns:p="http://schemas.openxmlformats.org/presentationml/2006/main" mc:Ignorable="mv" mc:PreserveAttributes="mv:*" type="titleOnly" preserve="1">
   <p:cSld name="Title Only">
     <p:spTree>
       <p:nvGrpSpPr>
@@ -2976,7 +2976,7 @@
             <a:fld id="{3238A554-0062-4B18-8749-3E8553542432}" type="datetimeFigureOut">
               <a:rPr lang="en-US" smtClean="0"/>
               <a:pPr/>
-              <a:t>3/21/2013</a:t>
+              <a:t>3/21/13</a:t>
             </a:fld>
             <a:endParaRPr lang="en-US"/>
           </a:p>
@@ -3057,7 +3057,7 @@
 </file>
 
 <file path=ppt/slideLayouts/slideLayout7.xml><?xml version="1.0" encoding="utf-8"?>
-<p:sldLayout xmlns:a="http://schemas.openxmlformats.org/drawingml/2006/main" xmlns:r="http://schemas.openxmlformats.org/officeDocument/2006/relationships" xmlns:p="http://schemas.openxmlformats.org/presentationml/2006/main" type="blank" preserve="1">
+<p:sldLayout xmlns:a="http://schemas.openxmlformats.org/drawingml/2006/main" xmlns:r="http://schemas.openxmlformats.org/officeDocument/2006/relationships" xmlns:mc="http://schemas.openxmlformats.org/markup-compatibility/2006" xmlns:mv="urn:schemas-microsoft-com:mac:vml" xmlns:p="http://schemas.openxmlformats.org/presentationml/2006/main" mc:Ignorable="mv" mc:PreserveAttributes="mv:*" type="blank" preserve="1">
   <p:cSld name="Blank">
     <p:spTree>
       <p:nvGrpSpPr>
@@ -3139,7 +3139,7 @@
             <a:fld id="{3238A554-0062-4B18-8749-3E8553542432}" type="datetimeFigureOut">
               <a:rPr lang="en-US" smtClean="0"/>
               <a:pPr/>
-              <a:t>3/21/2013</a:t>
+              <a:t>3/21/13</a:t>
             </a:fld>
             <a:endParaRPr lang="en-US"/>
           </a:p>
@@ -3197,7 +3197,7 @@
 </file>
 
 <file path=ppt/slideLayouts/slideLayout8.xml><?xml version="1.0" encoding="utf-8"?>
-<p:sldLayout xmlns:a="http://schemas.openxmlformats.org/drawingml/2006/main" xmlns:r="http://schemas.openxmlformats.org/officeDocument/2006/relationships" xmlns:p="http://schemas.openxmlformats.org/presentationml/2006/main" type="objTx" preserve="1">
+<p:sldLayout xmlns:a="http://schemas.openxmlformats.org/drawingml/2006/main" xmlns:r="http://schemas.openxmlformats.org/officeDocument/2006/relationships" xmlns:mc="http://schemas.openxmlformats.org/markup-compatibility/2006" xmlns:mv="urn:schemas-microsoft-com:mac:vml" xmlns:p="http://schemas.openxmlformats.org/presentationml/2006/main" mc:Ignorable="mv" mc:PreserveAttributes="mv:*" type="objTx" preserve="1">
   <p:cSld name="Content with Caption">
     <p:spTree>
       <p:nvGrpSpPr>
@@ -3535,7 +3535,7 @@
             <a:fld id="{3238A554-0062-4B18-8749-3E8553542432}" type="datetimeFigureOut">
               <a:rPr lang="en-US" smtClean="0"/>
               <a:pPr/>
-              <a:t>3/21/2013</a:t>
+              <a:t>3/21/13</a:t>
             </a:fld>
             <a:endParaRPr lang="en-US"/>
           </a:p>
@@ -3593,7 +3593,7 @@
 </file>
 
 <file path=ppt/slideLayouts/slideLayout9.xml><?xml version="1.0" encoding="utf-8"?>
-<p:sldLayout xmlns:a="http://schemas.openxmlformats.org/drawingml/2006/main" xmlns:r="http://schemas.openxmlformats.org/officeDocument/2006/relationships" xmlns:p="http://schemas.openxmlformats.org/presentationml/2006/main" type="picTx" preserve="1">
+<p:sldLayout xmlns:a="http://schemas.openxmlformats.org/drawingml/2006/main" xmlns:r="http://schemas.openxmlformats.org/officeDocument/2006/relationships" xmlns:mc="http://schemas.openxmlformats.org/markup-compatibility/2006" xmlns:mv="urn:schemas-microsoft-com:mac:vml" xmlns:p="http://schemas.openxmlformats.org/presentationml/2006/main" mc:Ignorable="mv" mc:PreserveAttributes="mv:*" type="picTx" preserve="1">
   <p:cSld name="Picture with Caption">
     <p:spTree>
       <p:nvGrpSpPr>
@@ -3937,7 +3937,7 @@
             <a:fld id="{3238A554-0062-4B18-8749-3E8553542432}" type="datetimeFigureOut">
               <a:rPr lang="en-US" smtClean="0"/>
               <a:pPr/>
-              <a:t>3/21/2013</a:t>
+              <a:t>3/21/13</a:t>
             </a:fld>
             <a:endParaRPr lang="en-US"/>
           </a:p>
@@ -3995,7 +3995,7 @@
 </file>
 
 <file path=ppt/slideMasters/slideMaster1.xml><?xml version="1.0" encoding="utf-8"?>
-<p:sldMaster xmlns:a="http://schemas.openxmlformats.org/drawingml/2006/main" xmlns:r="http://schemas.openxmlformats.org/officeDocument/2006/relationships" xmlns:p="http://schemas.openxmlformats.org/presentationml/2006/main">
+<p:sldMaster xmlns:a="http://schemas.openxmlformats.org/drawingml/2006/main" xmlns:r="http://schemas.openxmlformats.org/officeDocument/2006/relationships" xmlns:mc="http://schemas.openxmlformats.org/markup-compatibility/2006" xmlns:mv="urn:schemas-microsoft-com:mac:vml" xmlns:p="http://schemas.openxmlformats.org/presentationml/2006/main" mc:Ignorable="mv" mc:PreserveAttributes="mv:*">
   <p:cSld>
     <p:bg>
       <p:bgRef idx="1003">
@@ -4149,7 +4149,7 @@
             <a:fld id="{3238A554-0062-4B18-8749-3E8553542432}" type="datetimeFigureOut">
               <a:rPr lang="en-US" smtClean="0"/>
               <a:pPr/>
-              <a:t>3/21/2013</a:t>
+              <a:t>3/21/13</a:t>
             </a:fld>
             <a:endParaRPr lang="en-US"/>
           </a:p>
@@ -4538,7 +4538,7 @@
 </file>
 
 <file path=ppt/slides/slide1.xml><?xml version="1.0" encoding="utf-8"?>
-<p:sld xmlns:a="http://schemas.openxmlformats.org/drawingml/2006/main" xmlns:r="http://schemas.openxmlformats.org/officeDocument/2006/relationships" xmlns:p="http://schemas.openxmlformats.org/presentationml/2006/main">
+<p:sld xmlns:a="http://schemas.openxmlformats.org/drawingml/2006/main" xmlns:r="http://schemas.openxmlformats.org/officeDocument/2006/relationships" xmlns:mc="http://schemas.openxmlformats.org/markup-compatibility/2006" xmlns:mv="urn:schemas-microsoft-com:mac:vml" xmlns:p="http://schemas.openxmlformats.org/presentationml/2006/main" mc:Ignorable="mv" mc:PreserveAttributes="mv:*">
   <p:cSld>
     <p:spTree>
       <p:nvGrpSpPr>
@@ -4691,20 +4691,20 @@
     </p:spTree>
     <p:extLst>
       <p:ext uri="{BB962C8B-B14F-4D97-AF65-F5344CB8AC3E}">
-        <p14:creationId xmlns:p14="http://schemas.microsoft.com/office/powerpoint/2010/main" val="2485164157"/>
+        <p14:creationId xmlns:p14="http://schemas.microsoft.com/office/powerpoint/2010/main" xmlns:p="http://schemas.openxmlformats.org/presentationml/2006/main" xmlns:r="http://schemas.openxmlformats.org/officeDocument/2006/relationships" xmlns:a="http://schemas.openxmlformats.org/drawingml/2006/main" xmlns="" val="2485164157"/>
       </p:ext>
     </p:extLst>
   </p:cSld>
   <p:clrMapOvr>
     <a:masterClrMapping/>
   </p:clrMapOvr>
-  <mc:AlternateContent xmlns:mc="http://schemas.openxmlformats.org/markup-compatibility/2006" xmlns:p14="http://schemas.microsoft.com/office/powerpoint/2010/main">
-    <mc:Choice Requires="p14">
+  <mc:AlternateContent>
+    <mc:Choice xmlns:mc="http://schemas.openxmlformats.org/markup-compatibility/2006" xmlns:p14="http://schemas.microsoft.com/office/powerpoint/2010/main" xmlns:p="http://schemas.openxmlformats.org/presentationml/2006/main" xmlns:r="http://schemas.openxmlformats.org/officeDocument/2006/relationships" xmlns:a="http://schemas.openxmlformats.org/drawingml/2006/main" xmlns="" Requires="p14">
       <p:transition spd="slow">
         <p14:flash/>
       </p:transition>
     </mc:Choice>
-    <mc:Fallback xmlns:mv="urn:schemas-microsoft-com:mac:vml" xmlns="">
+    <mc:Fallback>
       <mp:transition xmlns:mp="http://schemas.microsoft.com/office/mac/powerpoint/2008/main" spd="slow"/>
     </mc:Fallback>
   </mc:AlternateContent>
@@ -4719,7 +4719,7 @@
 </file>
 
 <file path=ppt/slides/slide10.xml><?xml version="1.0" encoding="utf-8"?>
-<p:sld xmlns:a="http://schemas.openxmlformats.org/drawingml/2006/main" xmlns:r="http://schemas.openxmlformats.org/officeDocument/2006/relationships" xmlns:p="http://schemas.openxmlformats.org/presentationml/2006/main">
+<p:sld xmlns:a="http://schemas.openxmlformats.org/drawingml/2006/main" xmlns:r="http://schemas.openxmlformats.org/officeDocument/2006/relationships" xmlns:mc="http://schemas.openxmlformats.org/markup-compatibility/2006" xmlns:mv="urn:schemas-microsoft-com:mac:vml" xmlns:p="http://schemas.openxmlformats.org/presentationml/2006/main" mc:Ignorable="mv" mc:PreserveAttributes="mv:*">
   <p:cSld>
     <p:spTree>
       <p:nvGrpSpPr>
@@ -4940,7 +4940,7 @@
           <a:blip r:embed="rId2" cstate="print">
             <a:extLst>
               <a:ext uri="{28A0092B-C50C-407E-A947-70E740481C1C}">
-                <a14:useLocalDpi xmlns:a14="http://schemas.microsoft.com/office/drawing/2010/main" val="0"/>
+                <a14:useLocalDpi xmlns:a14="http://schemas.microsoft.com/office/drawing/2010/main" xmlns:p="http://schemas.openxmlformats.org/presentationml/2006/main" xmlns:r="http://schemas.openxmlformats.org/officeDocument/2006/relationships" xmlns:a="http://schemas.openxmlformats.org/drawingml/2006/main" xmlns="" val="0"/>
               </a:ext>
             </a:extLst>
           </a:blip>
@@ -4960,7 +4960,7 @@
           <a:noFill/>
           <a:extLst>
             <a:ext uri="{909E8E84-426E-40DD-AFC4-6F175D3DCCD1}">
-              <a14:hiddenFill xmlns:a14="http://schemas.microsoft.com/office/drawing/2010/main">
+              <a14:hiddenFill xmlns:a14="http://schemas.microsoft.com/office/drawing/2010/main" xmlns:p="http://schemas.openxmlformats.org/presentationml/2006/main" xmlns:r="http://schemas.openxmlformats.org/officeDocument/2006/relationships" xmlns:a="http://schemas.openxmlformats.org/drawingml/2006/main" xmlns="">
                 <a:solidFill>
                   <a:srgbClr val="FFFFFF"/>
                 </a:solidFill>
@@ -5115,7 +5115,7 @@
     </p:spTree>
     <p:extLst>
       <p:ext uri="{BB962C8B-B14F-4D97-AF65-F5344CB8AC3E}">
-        <p14:creationId xmlns:p14="http://schemas.microsoft.com/office/powerpoint/2010/main" val="2849923190"/>
+        <p14:creationId xmlns:p14="http://schemas.microsoft.com/office/powerpoint/2010/main" xmlns:p="http://schemas.openxmlformats.org/presentationml/2006/main" xmlns:r="http://schemas.openxmlformats.org/officeDocument/2006/relationships" xmlns:a="http://schemas.openxmlformats.org/drawingml/2006/main" xmlns="" val="2849923190"/>
       </p:ext>
     </p:extLst>
   </p:cSld>
@@ -5133,7 +5133,7 @@
 </file>
 
 <file path=ppt/slides/slide11.xml><?xml version="1.0" encoding="utf-8"?>
-<p:sld xmlns:a="http://schemas.openxmlformats.org/drawingml/2006/main" xmlns:r="http://schemas.openxmlformats.org/officeDocument/2006/relationships" xmlns:p="http://schemas.openxmlformats.org/presentationml/2006/main">
+<p:sld xmlns:a="http://schemas.openxmlformats.org/drawingml/2006/main" xmlns:r="http://schemas.openxmlformats.org/officeDocument/2006/relationships" xmlns:mc="http://schemas.openxmlformats.org/markup-compatibility/2006" xmlns:mv="urn:schemas-microsoft-com:mac:vml" xmlns:p="http://schemas.openxmlformats.org/presentationml/2006/main" mc:Ignorable="mv" mc:PreserveAttributes="mv:*">
   <p:cSld>
     <p:spTree>
       <p:nvGrpSpPr>
@@ -5274,7 +5274,7 @@
           <a:blip r:embed="rId3" cstate="print">
             <a:extLst>
               <a:ext uri="{28A0092B-C50C-407E-A947-70E740481C1C}">
-                <a14:useLocalDpi xmlns:a14="http://schemas.microsoft.com/office/drawing/2010/main" val="0"/>
+                <a14:useLocalDpi xmlns:a14="http://schemas.microsoft.com/office/drawing/2010/main" xmlns:p="http://schemas.openxmlformats.org/presentationml/2006/main" xmlns:r="http://schemas.openxmlformats.org/officeDocument/2006/relationships" xmlns:a="http://schemas.openxmlformats.org/drawingml/2006/main" xmlns="" val="0"/>
               </a:ext>
             </a:extLst>
           </a:blip>
@@ -5294,7 +5294,7 @@
           <a:noFill/>
           <a:extLst>
             <a:ext uri="{909E8E84-426E-40DD-AFC4-6F175D3DCCD1}">
-              <a14:hiddenFill xmlns:a14="http://schemas.microsoft.com/office/drawing/2010/main">
+              <a14:hiddenFill xmlns:a14="http://schemas.microsoft.com/office/drawing/2010/main" xmlns:p="http://schemas.openxmlformats.org/presentationml/2006/main" xmlns:r="http://schemas.openxmlformats.org/officeDocument/2006/relationships" xmlns:a="http://schemas.openxmlformats.org/drawingml/2006/main" xmlns="">
                 <a:solidFill>
                   <a:srgbClr val="FFFFFF"/>
                 </a:solidFill>
@@ -5315,7 +5315,7 @@
           <a:blip r:embed="rId4">
             <a:extLst>
               <a:ext uri="{28A0092B-C50C-407E-A947-70E740481C1C}">
-                <a14:useLocalDpi xmlns:a14="http://schemas.microsoft.com/office/drawing/2010/main" val="0"/>
+                <a14:useLocalDpi xmlns:a14="http://schemas.microsoft.com/office/drawing/2010/main" xmlns:p="http://schemas.openxmlformats.org/presentationml/2006/main" xmlns:r="http://schemas.openxmlformats.org/officeDocument/2006/relationships" xmlns:a="http://schemas.openxmlformats.org/drawingml/2006/main" xmlns="" val="0"/>
               </a:ext>
             </a:extLst>
           </a:blip>
@@ -5408,7 +5408,7 @@
     </p:spTree>
     <p:extLst>
       <p:ext uri="{BB962C8B-B14F-4D97-AF65-F5344CB8AC3E}">
-        <p14:creationId xmlns:p14="http://schemas.microsoft.com/office/powerpoint/2010/main" val="3253568864"/>
+        <p14:creationId xmlns:p14="http://schemas.microsoft.com/office/powerpoint/2010/main" xmlns:p="http://schemas.openxmlformats.org/presentationml/2006/main" xmlns:r="http://schemas.openxmlformats.org/officeDocument/2006/relationships" xmlns:a="http://schemas.openxmlformats.org/drawingml/2006/main" xmlns="" val="3253568864"/>
       </p:ext>
     </p:extLst>
   </p:cSld>
@@ -5426,7 +5426,7 @@
 </file>
 
 <file path=ppt/slides/slide12.xml><?xml version="1.0" encoding="utf-8"?>
-<p:sld xmlns:a="http://schemas.openxmlformats.org/drawingml/2006/main" xmlns:r="http://schemas.openxmlformats.org/officeDocument/2006/relationships" xmlns:p="http://schemas.openxmlformats.org/presentationml/2006/main">
+<p:sld xmlns:a="http://schemas.openxmlformats.org/drawingml/2006/main" xmlns:r="http://schemas.openxmlformats.org/officeDocument/2006/relationships" xmlns:mc="http://schemas.openxmlformats.org/markup-compatibility/2006" xmlns:mv="urn:schemas-microsoft-com:mac:vml" xmlns:p="http://schemas.openxmlformats.org/presentationml/2006/main" mc:Ignorable="mv" mc:PreserveAttributes="mv:*">
   <p:cSld>
     <p:spTree>
       <p:nvGrpSpPr>
@@ -5454,7 +5454,7 @@
           <a:blip r:embed="rId3">
             <a:extLst>
               <a:ext uri="{BEBA8EAE-BF5A-486C-A8C5-ECC9F3942E4B}">
-                <a14:imgProps xmlns:a14="http://schemas.microsoft.com/office/drawing/2010/main">
+                <a14:imgProps xmlns:a14="http://schemas.microsoft.com/office/drawing/2010/main" xmlns:p="http://schemas.openxmlformats.org/presentationml/2006/main" xmlns:r="http://schemas.openxmlformats.org/officeDocument/2006/relationships" xmlns:a="http://schemas.openxmlformats.org/drawingml/2006/main" xmlns="">
                   <a14:imgLayer r:embed="rId4">
                     <a14:imgEffect>
                       <a14:artisticGlowEdges trans="0" smoothness="1"/>
@@ -5463,7 +5463,7 @@
                 </a14:imgProps>
               </a:ext>
               <a:ext uri="{28A0092B-C50C-407E-A947-70E740481C1C}">
-                <a14:useLocalDpi xmlns:a14="http://schemas.microsoft.com/office/drawing/2010/main" val="0"/>
+                <a14:useLocalDpi xmlns:a14="http://schemas.microsoft.com/office/drawing/2010/main" xmlns:p="http://schemas.openxmlformats.org/presentationml/2006/main" xmlns:r="http://schemas.openxmlformats.org/officeDocument/2006/relationships" xmlns:a="http://schemas.openxmlformats.org/drawingml/2006/main" xmlns="" val="0"/>
               </a:ext>
             </a:extLst>
           </a:blip>
@@ -5486,14 +5486,14 @@
           </a:ln>
           <a:extLst>
             <a:ext uri="{909E8E84-426E-40DD-AFC4-6F175D3DCCD1}">
-              <a14:hiddenFill xmlns:a14="http://schemas.microsoft.com/office/drawing/2010/main">
+              <a14:hiddenFill xmlns:a14="http://schemas.microsoft.com/office/drawing/2010/main" xmlns:p="http://schemas.openxmlformats.org/presentationml/2006/main" xmlns:r="http://schemas.openxmlformats.org/officeDocument/2006/relationships" xmlns:a="http://schemas.openxmlformats.org/drawingml/2006/main" xmlns="">
                 <a:solidFill>
                   <a:schemeClr val="accent1"/>
                 </a:solidFill>
               </a14:hiddenFill>
             </a:ext>
             <a:ext uri="{91240B29-F687-4F45-9708-019B960494DF}">
-              <a14:hiddenLine xmlns:a14="http://schemas.microsoft.com/office/drawing/2010/main" w="9525">
+              <a14:hiddenLine xmlns:a14="http://schemas.microsoft.com/office/drawing/2010/main" xmlns:p="http://schemas.openxmlformats.org/presentationml/2006/main" xmlns:r="http://schemas.openxmlformats.org/officeDocument/2006/relationships" xmlns:a="http://schemas.openxmlformats.org/drawingml/2006/main" xmlns="" w="9525">
                 <a:solidFill>
                   <a:schemeClr val="tx1"/>
                 </a:solidFill>
@@ -5630,7 +5630,7 @@
           <a:blip r:embed="rId5" cstate="print">
             <a:extLst>
               <a:ext uri="{28A0092B-C50C-407E-A947-70E740481C1C}">
-                <a14:useLocalDpi xmlns:a14="http://schemas.microsoft.com/office/drawing/2010/main" val="0"/>
+                <a14:useLocalDpi xmlns:a14="http://schemas.microsoft.com/office/drawing/2010/main" xmlns:p="http://schemas.openxmlformats.org/presentationml/2006/main" xmlns:r="http://schemas.openxmlformats.org/officeDocument/2006/relationships" xmlns:a="http://schemas.openxmlformats.org/drawingml/2006/main" xmlns="" val="0"/>
               </a:ext>
             </a:extLst>
           </a:blip>
@@ -5650,7 +5650,7 @@
           <a:noFill/>
           <a:extLst>
             <a:ext uri="{909E8E84-426E-40DD-AFC4-6F175D3DCCD1}">
-              <a14:hiddenFill xmlns:a14="http://schemas.microsoft.com/office/drawing/2010/main">
+              <a14:hiddenFill xmlns:a14="http://schemas.microsoft.com/office/drawing/2010/main" xmlns:p="http://schemas.openxmlformats.org/presentationml/2006/main" xmlns:r="http://schemas.openxmlformats.org/officeDocument/2006/relationships" xmlns:a="http://schemas.openxmlformats.org/drawingml/2006/main" xmlns="">
                 <a:solidFill>
                   <a:srgbClr val="FFFFFF"/>
                 </a:solidFill>
@@ -5671,7 +5671,7 @@
           <a:blip r:embed="rId6">
             <a:extLst>
               <a:ext uri="{28A0092B-C50C-407E-A947-70E740481C1C}">
-                <a14:useLocalDpi xmlns:a14="http://schemas.microsoft.com/office/drawing/2010/main" val="0"/>
+                <a14:useLocalDpi xmlns:a14="http://schemas.microsoft.com/office/drawing/2010/main" xmlns:p="http://schemas.openxmlformats.org/presentationml/2006/main" xmlns:r="http://schemas.openxmlformats.org/officeDocument/2006/relationships" xmlns:a="http://schemas.openxmlformats.org/drawingml/2006/main" xmlns="" val="0"/>
               </a:ext>
             </a:extLst>
           </a:blip>
@@ -5692,7 +5692,7 @@
     </p:spTree>
     <p:extLst>
       <p:ext uri="{BB962C8B-B14F-4D97-AF65-F5344CB8AC3E}">
-        <p14:creationId xmlns:p14="http://schemas.microsoft.com/office/powerpoint/2010/main" val="2504158806"/>
+        <p14:creationId xmlns:p14="http://schemas.microsoft.com/office/powerpoint/2010/main" xmlns:p="http://schemas.openxmlformats.org/presentationml/2006/main" xmlns:r="http://schemas.openxmlformats.org/officeDocument/2006/relationships" xmlns:a="http://schemas.openxmlformats.org/drawingml/2006/main" xmlns="" val="2504158806"/>
       </p:ext>
     </p:extLst>
   </p:cSld>
@@ -5835,7 +5835,7 @@
 </file>
 
 <file path=ppt/slides/slide2.xml><?xml version="1.0" encoding="utf-8"?>
-<p:sld xmlns:a="http://schemas.openxmlformats.org/drawingml/2006/main" xmlns:r="http://schemas.openxmlformats.org/officeDocument/2006/relationships" xmlns:p="http://schemas.openxmlformats.org/presentationml/2006/main">
+<p:sld xmlns:a="http://schemas.openxmlformats.org/drawingml/2006/main" xmlns:r="http://schemas.openxmlformats.org/officeDocument/2006/relationships" xmlns:mc="http://schemas.openxmlformats.org/markup-compatibility/2006" xmlns:mv="urn:schemas-microsoft-com:mac:vml" xmlns:p="http://schemas.openxmlformats.org/presentationml/2006/main" mc:Ignorable="mv" mc:PreserveAttributes="mv:*">
   <p:cSld>
     <p:spTree>
       <p:nvGrpSpPr>
@@ -6025,7 +6025,7 @@
           <a:blip r:embed="rId2" cstate="print">
             <a:extLst>
               <a:ext uri="{28A0092B-C50C-407E-A947-70E740481C1C}">
-                <a14:useLocalDpi xmlns:a14="http://schemas.microsoft.com/office/drawing/2010/main" val="0"/>
+                <a14:useLocalDpi xmlns:a14="http://schemas.microsoft.com/office/drawing/2010/main" xmlns:p="http://schemas.openxmlformats.org/presentationml/2006/main" xmlns:r="http://schemas.openxmlformats.org/officeDocument/2006/relationships" xmlns:a="http://schemas.openxmlformats.org/drawingml/2006/main" xmlns="" val="0"/>
               </a:ext>
             </a:extLst>
           </a:blip>
@@ -6045,7 +6045,7 @@
           <a:noFill/>
           <a:extLst>
             <a:ext uri="{909E8E84-426E-40DD-AFC4-6F175D3DCCD1}">
-              <a14:hiddenFill xmlns:a14="http://schemas.microsoft.com/office/drawing/2010/main">
+              <a14:hiddenFill xmlns:a14="http://schemas.microsoft.com/office/drawing/2010/main" xmlns:p="http://schemas.openxmlformats.org/presentationml/2006/main" xmlns:r="http://schemas.openxmlformats.org/officeDocument/2006/relationships" xmlns:a="http://schemas.openxmlformats.org/drawingml/2006/main" xmlns="">
                 <a:solidFill>
                   <a:srgbClr val="FFFFFF"/>
                 </a:solidFill>
@@ -6057,7 +6057,7 @@
     </p:spTree>
     <p:extLst>
       <p:ext uri="{BB962C8B-B14F-4D97-AF65-F5344CB8AC3E}">
-        <p14:creationId xmlns:p14="http://schemas.microsoft.com/office/powerpoint/2010/main" val="1632473049"/>
+        <p14:creationId xmlns:p14="http://schemas.microsoft.com/office/powerpoint/2010/main" xmlns:p="http://schemas.openxmlformats.org/presentationml/2006/main" xmlns:r="http://schemas.openxmlformats.org/officeDocument/2006/relationships" xmlns:a="http://schemas.openxmlformats.org/drawingml/2006/main" xmlns="" val="1632473049"/>
       </p:ext>
     </p:extLst>
   </p:cSld>
@@ -6075,7 +6075,7 @@
 </file>
 
 <file path=ppt/slides/slide3.xml><?xml version="1.0" encoding="utf-8"?>
-<p:sld xmlns:a="http://schemas.openxmlformats.org/drawingml/2006/main" xmlns:r="http://schemas.openxmlformats.org/officeDocument/2006/relationships" xmlns:p="http://schemas.openxmlformats.org/presentationml/2006/main">
+<p:sld xmlns:a="http://schemas.openxmlformats.org/drawingml/2006/main" xmlns:r="http://schemas.openxmlformats.org/officeDocument/2006/relationships" xmlns:mc="http://schemas.openxmlformats.org/markup-compatibility/2006" xmlns:mv="urn:schemas-microsoft-com:mac:vml" xmlns:p="http://schemas.openxmlformats.org/presentationml/2006/main" mc:Ignorable="mv" mc:PreserveAttributes="mv:*">
   <p:cSld>
     <p:spTree>
       <p:nvGrpSpPr>
@@ -6357,7 +6357,7 @@
           <a:blip r:embed="rId2" cstate="print">
             <a:extLst>
               <a:ext uri="{28A0092B-C50C-407E-A947-70E740481C1C}">
-                <a14:useLocalDpi xmlns:a14="http://schemas.microsoft.com/office/drawing/2010/main" val="0"/>
+                <a14:useLocalDpi xmlns:a14="http://schemas.microsoft.com/office/drawing/2010/main" xmlns:p="http://schemas.openxmlformats.org/presentationml/2006/main" xmlns:r="http://schemas.openxmlformats.org/officeDocument/2006/relationships" xmlns:a="http://schemas.openxmlformats.org/drawingml/2006/main" xmlns="" val="0"/>
               </a:ext>
             </a:extLst>
           </a:blip>
@@ -6377,7 +6377,7 @@
           <a:noFill/>
           <a:extLst>
             <a:ext uri="{909E8E84-426E-40DD-AFC4-6F175D3DCCD1}">
-              <a14:hiddenFill xmlns:a14="http://schemas.microsoft.com/office/drawing/2010/main">
+              <a14:hiddenFill xmlns:a14="http://schemas.microsoft.com/office/drawing/2010/main" xmlns:p="http://schemas.openxmlformats.org/presentationml/2006/main" xmlns:r="http://schemas.openxmlformats.org/officeDocument/2006/relationships" xmlns:a="http://schemas.openxmlformats.org/drawingml/2006/main" xmlns="">
                 <a:solidFill>
                   <a:srgbClr val="FFFFFF"/>
                 </a:solidFill>
@@ -6389,7 +6389,7 @@
     </p:spTree>
     <p:extLst>
       <p:ext uri="{BB962C8B-B14F-4D97-AF65-F5344CB8AC3E}">
-        <p14:creationId xmlns:p14="http://schemas.microsoft.com/office/powerpoint/2010/main" val="117187453"/>
+        <p14:creationId xmlns:p14="http://schemas.microsoft.com/office/powerpoint/2010/main" xmlns:p="http://schemas.openxmlformats.org/presentationml/2006/main" xmlns:r="http://schemas.openxmlformats.org/officeDocument/2006/relationships" xmlns:a="http://schemas.openxmlformats.org/drawingml/2006/main" xmlns="" val="117187453"/>
       </p:ext>
     </p:extLst>
   </p:cSld>
@@ -6410,7 +6410,7 @@
 </file>
 
 <file path=ppt/slides/slide4.xml><?xml version="1.0" encoding="utf-8"?>
-<p:sld xmlns:a="http://schemas.openxmlformats.org/drawingml/2006/main" xmlns:r="http://schemas.openxmlformats.org/officeDocument/2006/relationships" xmlns:p="http://schemas.openxmlformats.org/presentationml/2006/main">
+<p:sld xmlns:a="http://schemas.openxmlformats.org/drawingml/2006/main" xmlns:r="http://schemas.openxmlformats.org/officeDocument/2006/relationships" xmlns:mc="http://schemas.openxmlformats.org/markup-compatibility/2006" xmlns:mv="urn:schemas-microsoft-com:mac:vml" xmlns:p="http://schemas.openxmlformats.org/presentationml/2006/main" mc:Ignorable="mv" mc:PreserveAttributes="mv:*">
   <p:cSld>
     <p:spTree>
       <p:nvGrpSpPr>
@@ -6444,7 +6444,7 @@
         </p:spPr>
         <p:txBody>
           <a:bodyPr>
-            <a:normAutofit fontScale="85000" lnSpcReduction="20000"/>
+            <a:normAutofit fontScale="77500" lnSpcReduction="20000"/>
           </a:bodyPr>
           <a:lstStyle/>
           <a:p>
@@ -6708,7 +6708,7 @@
           <a:blip r:embed="rId2" cstate="print">
             <a:extLst>
               <a:ext uri="{28A0092B-C50C-407E-A947-70E740481C1C}">
-                <a14:useLocalDpi xmlns:a14="http://schemas.microsoft.com/office/drawing/2010/main" val="0"/>
+                <a14:useLocalDpi xmlns:a14="http://schemas.microsoft.com/office/drawing/2010/main" xmlns:p="http://schemas.openxmlformats.org/presentationml/2006/main" xmlns:r="http://schemas.openxmlformats.org/officeDocument/2006/relationships" xmlns:a="http://schemas.openxmlformats.org/drawingml/2006/main" xmlns="" val="0"/>
               </a:ext>
             </a:extLst>
           </a:blip>
@@ -6728,7 +6728,7 @@
           <a:noFill/>
           <a:extLst>
             <a:ext uri="{909E8E84-426E-40DD-AFC4-6F175D3DCCD1}">
-              <a14:hiddenFill xmlns:a14="http://schemas.microsoft.com/office/drawing/2010/main">
+              <a14:hiddenFill xmlns:a14="http://schemas.microsoft.com/office/drawing/2010/main" xmlns:p="http://schemas.openxmlformats.org/presentationml/2006/main" xmlns:r="http://schemas.openxmlformats.org/officeDocument/2006/relationships" xmlns:a="http://schemas.openxmlformats.org/drawingml/2006/main" xmlns="">
                 <a:solidFill>
                   <a:srgbClr val="FFFFFF"/>
                 </a:solidFill>
@@ -6812,7 +6812,7 @@
     </p:spTree>
     <p:extLst>
       <p:ext uri="{BB962C8B-B14F-4D97-AF65-F5344CB8AC3E}">
-        <p14:creationId xmlns:p14="http://schemas.microsoft.com/office/powerpoint/2010/main" val="423157456"/>
+        <p14:creationId xmlns:p14="http://schemas.microsoft.com/office/powerpoint/2010/main" xmlns:p="http://schemas.openxmlformats.org/presentationml/2006/main" xmlns:r="http://schemas.openxmlformats.org/officeDocument/2006/relationships" xmlns:a="http://schemas.openxmlformats.org/drawingml/2006/main" xmlns="" val="423157456"/>
       </p:ext>
     </p:extLst>
   </p:cSld>
@@ -6830,7 +6830,7 @@
 </file>
 
 <file path=ppt/slides/slide5.xml><?xml version="1.0" encoding="utf-8"?>
-<p:sld xmlns:a="http://schemas.openxmlformats.org/drawingml/2006/main" xmlns:r="http://schemas.openxmlformats.org/officeDocument/2006/relationships" xmlns:p="http://schemas.openxmlformats.org/presentationml/2006/main">
+<p:sld xmlns:a="http://schemas.openxmlformats.org/drawingml/2006/main" xmlns:r="http://schemas.openxmlformats.org/officeDocument/2006/relationships" xmlns:mc="http://schemas.openxmlformats.org/markup-compatibility/2006" xmlns:mv="urn:schemas-microsoft-com:mac:vml" xmlns:p="http://schemas.openxmlformats.org/presentationml/2006/main" mc:Ignorable="mv" mc:PreserveAttributes="mv:*">
   <p:cSld>
     <p:spTree>
       <p:nvGrpSpPr>
@@ -6882,7 +6882,7 @@
         <p:spPr/>
         <p:txBody>
           <a:bodyPr>
-            <a:normAutofit lnSpcReduction="10000"/>
+            <a:normAutofit fontScale="92500" lnSpcReduction="10000"/>
           </a:bodyPr>
           <a:lstStyle/>
           <a:p>
@@ -6942,7 +6942,7 @@
           <a:blip r:embed="rId2">
             <a:extLst>
               <a:ext uri="{28A0092B-C50C-407E-A947-70E740481C1C}">
-                <a14:useLocalDpi xmlns:a14="http://schemas.microsoft.com/office/drawing/2010/main" val="0"/>
+                <a14:useLocalDpi xmlns:a14="http://schemas.microsoft.com/office/drawing/2010/main" xmlns:p="http://schemas.openxmlformats.org/presentationml/2006/main" xmlns:r="http://schemas.openxmlformats.org/officeDocument/2006/relationships" xmlns:a="http://schemas.openxmlformats.org/drawingml/2006/main" xmlns="" val="0"/>
               </a:ext>
             </a:extLst>
           </a:blip>
@@ -6966,14 +6966,14 @@
           <a:effectLst/>
           <a:extLst>
             <a:ext uri="{909E8E84-426E-40DD-AFC4-6F175D3DCCD1}">
-              <a14:hiddenFill xmlns:a14="http://schemas.microsoft.com/office/drawing/2010/main">
+              <a14:hiddenFill xmlns:a14="http://schemas.microsoft.com/office/drawing/2010/main" xmlns:p="http://schemas.openxmlformats.org/presentationml/2006/main" xmlns:r="http://schemas.openxmlformats.org/officeDocument/2006/relationships" xmlns:a="http://schemas.openxmlformats.org/drawingml/2006/main" xmlns="">
                 <a:solidFill>
                   <a:schemeClr val="accent1"/>
                 </a:solidFill>
               </a14:hiddenFill>
             </a:ext>
             <a:ext uri="{91240B29-F687-4F45-9708-019B960494DF}">
-              <a14:hiddenLine xmlns:a14="http://schemas.microsoft.com/office/drawing/2010/main" w="9525">
+              <a14:hiddenLine xmlns:a14="http://schemas.microsoft.com/office/drawing/2010/main" xmlns:p="http://schemas.openxmlformats.org/presentationml/2006/main" xmlns:r="http://schemas.openxmlformats.org/officeDocument/2006/relationships" xmlns:a="http://schemas.openxmlformats.org/drawingml/2006/main" xmlns="" w="9525">
                 <a:solidFill>
                   <a:schemeClr val="tx1"/>
                 </a:solidFill>
@@ -6983,7 +6983,7 @@
               </a14:hiddenLine>
             </a:ext>
             <a:ext uri="{AF507438-7753-43E0-B8FC-AC1667EBCBE1}">
-              <a14:hiddenEffects xmlns:a14="http://schemas.microsoft.com/office/drawing/2010/main">
+              <a14:hiddenEffects xmlns:a14="http://schemas.microsoft.com/office/drawing/2010/main" xmlns:p="http://schemas.openxmlformats.org/presentationml/2006/main" xmlns:r="http://schemas.openxmlformats.org/officeDocument/2006/relationships" xmlns:a="http://schemas.openxmlformats.org/drawingml/2006/main" xmlns="">
                 <a:effectLst>
                   <a:outerShdw dist="35921" dir="2700000" algn="ctr" rotWithShape="0">
                     <a:schemeClr val="bg2"/>
@@ -6997,18 +6997,25 @@
     </p:spTree>
     <p:extLst>
       <p:ext uri="{BB962C8B-B14F-4D97-AF65-F5344CB8AC3E}">
-        <p14:creationId xmlns:p14="http://schemas.microsoft.com/office/powerpoint/2010/main" val="1017630425"/>
+        <p14:creationId xmlns:p14="http://schemas.microsoft.com/office/powerpoint/2010/main" xmlns:p="http://schemas.openxmlformats.org/presentationml/2006/main" xmlns:r="http://schemas.openxmlformats.org/officeDocument/2006/relationships" xmlns:a="http://schemas.openxmlformats.org/drawingml/2006/main" xmlns="" val="1017630425"/>
       </p:ext>
     </p:extLst>
   </p:cSld>
   <p:clrMapOvr>
     <a:masterClrMapping/>
   </p:clrMapOvr>
+  <p:timing>
+    <p:tnLst>
+      <p:par>
+        <p:cTn id="1" dur="indefinite" restart="never" nodeType="tmRoot"/>
+      </p:par>
+    </p:tnLst>
+  </p:timing>
 </p:sld>
 </file>
 
 <file path=ppt/slides/slide6.xml><?xml version="1.0" encoding="utf-8"?>
-<p:sld xmlns:a="http://schemas.openxmlformats.org/drawingml/2006/main" xmlns:r="http://schemas.openxmlformats.org/officeDocument/2006/relationships" xmlns:p="http://schemas.openxmlformats.org/presentationml/2006/main">
+<p:sld xmlns:a="http://schemas.openxmlformats.org/drawingml/2006/main" xmlns:r="http://schemas.openxmlformats.org/officeDocument/2006/relationships" xmlns:mc="http://schemas.openxmlformats.org/markup-compatibility/2006" xmlns:mv="urn:schemas-microsoft-com:mac:vml" xmlns:p="http://schemas.openxmlformats.org/presentationml/2006/main" mc:Ignorable="mv" mc:PreserveAttributes="mv:*">
   <p:cSld>
     <p:spTree>
       <p:nvGrpSpPr>
@@ -7076,11 +7083,7 @@
             </a:r>
             <a:r>
               <a:rPr lang="fr-FR" sz="7200" i="0" dirty="0" smtClean="0"/>
-              <a:t> </a:t>
-            </a:r>
-            <a:r>
-              <a:rPr lang="fr-FR" sz="7200" i="0" dirty="0" smtClean="0"/>
-              <a:t>XBMC plugin for client</a:t>
+              <a:t> XBMC plugin for client</a:t>
             </a:r>
             <a:endParaRPr lang="fr-FR" sz="7200" i="0" dirty="0"/>
           </a:p>
@@ -7257,7 +7260,7 @@
           <a:blip r:embed="rId2" cstate="print">
             <a:extLst>
               <a:ext uri="{28A0092B-C50C-407E-A947-70E740481C1C}">
-                <a14:useLocalDpi xmlns:a14="http://schemas.microsoft.com/office/drawing/2010/main" val="0"/>
+                <a14:useLocalDpi xmlns:a14="http://schemas.microsoft.com/office/drawing/2010/main" xmlns:p="http://schemas.openxmlformats.org/presentationml/2006/main" xmlns:r="http://schemas.openxmlformats.org/officeDocument/2006/relationships" xmlns:a="http://schemas.openxmlformats.org/drawingml/2006/main" xmlns="" val="0"/>
               </a:ext>
             </a:extLst>
           </a:blip>
@@ -7277,7 +7280,7 @@
           <a:noFill/>
           <a:extLst>
             <a:ext uri="{909E8E84-426E-40DD-AFC4-6F175D3DCCD1}">
-              <a14:hiddenFill xmlns:a14="http://schemas.microsoft.com/office/drawing/2010/main">
+              <a14:hiddenFill xmlns:a14="http://schemas.microsoft.com/office/drawing/2010/main" xmlns:p="http://schemas.openxmlformats.org/presentationml/2006/main" xmlns:r="http://schemas.openxmlformats.org/officeDocument/2006/relationships" xmlns:a="http://schemas.openxmlformats.org/drawingml/2006/main" xmlns="">
                 <a:solidFill>
                   <a:srgbClr val="FFFFFF"/>
                 </a:solidFill>
@@ -7428,7 +7431,7 @@
     </p:spTree>
     <p:extLst>
       <p:ext uri="{BB962C8B-B14F-4D97-AF65-F5344CB8AC3E}">
-        <p14:creationId xmlns:p14="http://schemas.microsoft.com/office/powerpoint/2010/main" val="516542529"/>
+        <p14:creationId xmlns:p14="http://schemas.microsoft.com/office/powerpoint/2010/main" xmlns:p="http://schemas.openxmlformats.org/presentationml/2006/main" xmlns:r="http://schemas.openxmlformats.org/officeDocument/2006/relationships" xmlns:a="http://schemas.openxmlformats.org/drawingml/2006/main" xmlns="" val="516542529"/>
       </p:ext>
     </p:extLst>
   </p:cSld>
@@ -7446,7 +7449,7 @@
 </file>
 
 <file path=ppt/slides/slide7.xml><?xml version="1.0" encoding="utf-8"?>
-<p:sld xmlns:a="http://schemas.openxmlformats.org/drawingml/2006/main" xmlns:r="http://schemas.openxmlformats.org/officeDocument/2006/relationships" xmlns:p="http://schemas.openxmlformats.org/presentationml/2006/main">
+<p:sld xmlns:a="http://schemas.openxmlformats.org/drawingml/2006/main" xmlns:r="http://schemas.openxmlformats.org/officeDocument/2006/relationships" xmlns:mc="http://schemas.openxmlformats.org/markup-compatibility/2006" xmlns:mv="urn:schemas-microsoft-com:mac:vml" xmlns:p="http://schemas.openxmlformats.org/presentationml/2006/main" mc:Ignorable="mv" mc:PreserveAttributes="mv:*">
   <p:cSld>
     <p:spTree>
       <p:nvGrpSpPr>
@@ -7591,18 +7594,25 @@
     </p:spTree>
     <p:extLst>
       <p:ext uri="{BB962C8B-B14F-4D97-AF65-F5344CB8AC3E}">
-        <p14:creationId xmlns:p14="http://schemas.microsoft.com/office/powerpoint/2010/main" val="4034962175"/>
+        <p14:creationId xmlns:p14="http://schemas.microsoft.com/office/powerpoint/2010/main" xmlns:p="http://schemas.openxmlformats.org/presentationml/2006/main" xmlns:r="http://schemas.openxmlformats.org/officeDocument/2006/relationships" xmlns:a="http://schemas.openxmlformats.org/drawingml/2006/main" xmlns="" val="4034962175"/>
       </p:ext>
     </p:extLst>
   </p:cSld>
   <p:clrMapOvr>
     <a:masterClrMapping/>
   </p:clrMapOvr>
+  <p:timing>
+    <p:tnLst>
+      <p:par>
+        <p:cTn id="1" dur="indefinite" restart="never" nodeType="tmRoot"/>
+      </p:par>
+    </p:tnLst>
+  </p:timing>
 </p:sld>
 </file>
 
 <file path=ppt/slides/slide8.xml><?xml version="1.0" encoding="utf-8"?>
-<p:sld xmlns:a="http://schemas.openxmlformats.org/drawingml/2006/main" xmlns:r="http://schemas.openxmlformats.org/officeDocument/2006/relationships" xmlns:p="http://schemas.openxmlformats.org/presentationml/2006/main">
+<p:sld xmlns:a="http://schemas.openxmlformats.org/drawingml/2006/main" xmlns:r="http://schemas.openxmlformats.org/officeDocument/2006/relationships" xmlns:mc="http://schemas.openxmlformats.org/markup-compatibility/2006" xmlns:mv="urn:schemas-microsoft-com:mac:vml" xmlns:p="http://schemas.openxmlformats.org/presentationml/2006/main" mc:Ignorable="mv" mc:PreserveAttributes="mv:*">
   <p:cSld>
     <p:spTree>
       <p:nvGrpSpPr>
@@ -7643,10 +7653,10 @@
       </p:sp>
       <p:pic>
         <p:nvPicPr>
-          <p:cNvPr id="4" name="T970YM3w1LY?version=3&amp;hl=en_US"/>
-          <p:cNvPicPr>
-            <a:picLocks noGrp="1" noRot="1" noChangeAspect="1"/>
-          </p:cNvPicPr>
+          <p:cNvPr id="6" name="XBMC Media Cener Demonstration.mp4">
+            <a:hlinkClick r:id="" action="ppaction://media"/>
+          </p:cNvPr>
+          <p:cNvPicPr/>
           <p:nvPr>
             <p:ph sz="quarter" idx="13"/>
             <a:videoFile r:link="rId1"/>
@@ -7660,18 +7670,15 @@
         </p:blipFill>
         <p:spPr>
           <a:xfrm>
-            <a:off x="2057400" y="2209800"/>
-            <a:ext cx="4652433" cy="3489325"/>
-          </a:xfrm>
-          <a:prstGeom prst="rect">
-            <a:avLst/>
-          </a:prstGeom>
+            <a:off x="838200" y="1676400"/>
+            <a:ext cx="7680325" cy="4320183"/>
+          </a:xfrm>
         </p:spPr>
       </p:pic>
     </p:spTree>
     <p:extLst>
       <p:ext uri="{BB962C8B-B14F-4D97-AF65-F5344CB8AC3E}">
-        <p14:creationId xmlns:p14="http://schemas.microsoft.com/office/powerpoint/2010/main" val="620482494"/>
+        <p14:creationId xmlns:p14="http://schemas.microsoft.com/office/powerpoint/2010/main" xmlns:p="http://schemas.openxmlformats.org/presentationml/2006/main" xmlns:r="http://schemas.openxmlformats.org/officeDocument/2006/relationships" xmlns:a="http://schemas.openxmlformats.org/drawingml/2006/main" xmlns="" val="620482494"/>
       </p:ext>
     </p:extLst>
   </p:cSld>
@@ -7684,15 +7691,22 @@
         <p:cTn id="1" dur="indefinite" restart="never" nodeType="tmRoot">
           <p:childTnLst>
             <p:seq concurrent="1" nextAc="seek">
-              <p:cTn id="2" dur="indefinite" nodeType="mainSeq">
+              <p:cTn id="2" restart="whenNotActive" fill="hold" evtFilter="cancelBubble" nodeType="interactiveSeq">
+                <p:stCondLst>
+                  <p:cond evt="onClick" delay="0">
+                    <p:tgtEl>
+                      <p:spTgt spid="6"/>
+                    </p:tgtEl>
+                  </p:cond>
+                </p:stCondLst>
+                <p:endSync evt="end" delay="0">
+                  <p:rtn val="all"/>
+                </p:endSync>
                 <p:childTnLst>
                   <p:par>
                     <p:cTn id="3" fill="hold">
                       <p:stCondLst>
-                        <p:cond delay="indefinite"/>
-                        <p:cond evt="onBegin" delay="0">
-                          <p:tn val="2"/>
-                        </p:cond>
+                        <p:cond delay="0"/>
                       </p:stCondLst>
                       <p:childTnLst>
                         <p:par>
@@ -7702,16 +7716,16 @@
                             </p:stCondLst>
                             <p:childTnLst>
                               <p:par>
-                                <p:cTn id="5" presetID="1" presetClass="mediacall" presetSubtype="0" fill="hold" nodeType="afterEffect">
+                                <p:cTn id="5" presetID="2" presetClass="mediacall" presetSubtype="0" fill="hold" nodeType="clickEffect">
                                   <p:stCondLst>
                                     <p:cond delay="0"/>
                                   </p:stCondLst>
                                   <p:childTnLst>
-                                    <p:cmd type="call" cmd="playFrom(0.0)">
+                                    <p:cmd type="call" cmd="togglePause">
                                       <p:cBhvr>
                                         <p:cTn id="6" dur="1" fill="hold"/>
                                         <p:tgtEl>
-                                          <p:spTgt spid="4"/>
+                                          <p:spTgt spid="6"/>
                                         </p:tgtEl>
                                       </p:cBhvr>
                                     </p:cmd>
@@ -7726,30 +7740,35 @@
                   </p:par>
                 </p:childTnLst>
               </p:cTn>
-              <p:prevCondLst>
-                <p:cond evt="onPrev" delay="0">
+              <p:nextCondLst>
+                <p:cond evt="onClick" delay="0">
                   <p:tgtEl>
-                    <p:sldTgt/>
-                  </p:tgtEl>
-                </p:cond>
-              </p:prevCondLst>
-              <p:nextCondLst>
-                <p:cond evt="onNext" delay="0">
-                  <p:tgtEl>
-                    <p:sldTgt/>
+                    <p:spTgt spid="6"/>
                   </p:tgtEl>
                 </p:cond>
               </p:nextCondLst>
             </p:seq>
             <p:video>
-              <p:cMediaNode vol="80000">
+              <p:cMediaNode>
                 <p:cTn id="7" fill="hold" display="0">
                   <p:stCondLst>
                     <p:cond delay="indefinite"/>
                   </p:stCondLst>
+                  <p:endCondLst>
+                    <p:cond evt="onNext" delay="0">
+                      <p:tgtEl>
+                        <p:sldTgt/>
+                      </p:tgtEl>
+                    </p:cond>
+                    <p:cond evt="onPrev" delay="0">
+                      <p:tgtEl>
+                        <p:sldTgt/>
+                      </p:tgtEl>
+                    </p:cond>
+                  </p:endCondLst>
                 </p:cTn>
                 <p:tgtEl>
-                  <p:spTgt spid="4"/>
+                  <p:spTgt spid="6"/>
                 </p:tgtEl>
               </p:cMediaNode>
             </p:video>
@@ -7762,7 +7781,7 @@
 </file>
 
 <file path=ppt/slides/slide9.xml><?xml version="1.0" encoding="utf-8"?>
-<p:sld xmlns:a="http://schemas.openxmlformats.org/drawingml/2006/main" xmlns:r="http://schemas.openxmlformats.org/officeDocument/2006/relationships" xmlns:p="http://schemas.openxmlformats.org/presentationml/2006/main">
+<p:sld xmlns:a="http://schemas.openxmlformats.org/drawingml/2006/main" xmlns:r="http://schemas.openxmlformats.org/officeDocument/2006/relationships" xmlns:mc="http://schemas.openxmlformats.org/markup-compatibility/2006" xmlns:mv="urn:schemas-microsoft-com:mac:vml" xmlns:p="http://schemas.openxmlformats.org/presentationml/2006/main" mc:Ignorable="mv" mc:PreserveAttributes="mv:*">
   <p:cSld>
     <p:spTree>
       <p:nvGrpSpPr>
@@ -7841,7 +7860,7 @@
     </p:spTree>
     <p:extLst>
       <p:ext uri="{BB962C8B-B14F-4D97-AF65-F5344CB8AC3E}">
-        <p14:creationId xmlns:p14="http://schemas.microsoft.com/office/powerpoint/2010/main" val="4004590168"/>
+        <p14:creationId xmlns:p14="http://schemas.microsoft.com/office/powerpoint/2010/main" xmlns:p="http://schemas.openxmlformats.org/presentationml/2006/main" xmlns:r="http://schemas.openxmlformats.org/officeDocument/2006/relationships" xmlns:a="http://schemas.openxmlformats.org/drawingml/2006/main" xmlns="" val="4004590168"/>
       </p:ext>
     </p:extLst>
   </p:cSld>
